--- a/Даниил.pptx
+++ b/Даниил.pptx
@@ -350,7 +350,7 @@
             <a:pPr indent="0" algn="r">
               <a:buNone/>
             </a:pPr>
-            <a:fld id="{685A3EFE-F1EF-462D-826E-2895A5009BC3}" type="slidenum">
+            <a:fld id="{472D5C65-3775-482B-A95D-A5495BC2284C}" type="slidenum">
               <a:rPr b="0" lang="ru-RU" sz="1400" spc="-1" strike="noStrike">
                 <a:solidFill>
                   <a:srgbClr val="000000"/>
@@ -393,7 +393,7 @@
       </p:grpSpPr>
       <p:sp>
         <p:nvSpPr>
-          <p:cNvPr id="462" name="PlaceHolder 1"/>
+          <p:cNvPr id="461" name="PlaceHolder 1"/>
           <p:cNvSpPr>
             <a:spLocks noGrp="1"/>
           </p:cNvSpPr>
@@ -404,7 +404,7 @@
         <p:spPr>
           <a:xfrm>
             <a:off x="685800" y="1143000"/>
-            <a:ext cx="5485680" cy="3085560"/>
+            <a:ext cx="5485320" cy="3085200"/>
           </a:xfrm>
           <a:prstGeom prst="rect">
             <a:avLst/>
@@ -416,7 +416,7 @@
       </p:sp>
       <p:sp>
         <p:nvSpPr>
-          <p:cNvPr id="463" name="PlaceHolder 2"/>
+          <p:cNvPr id="462" name="PlaceHolder 2"/>
           <p:cNvSpPr>
             <a:spLocks noGrp="1"/>
           </p:cNvSpPr>
@@ -427,7 +427,7 @@
         <p:spPr>
           <a:xfrm>
             <a:off x="685800" y="4400640"/>
-            <a:ext cx="5485680" cy="3599640"/>
+            <a:ext cx="5485320" cy="3599280"/>
           </a:xfrm>
           <a:prstGeom prst="rect">
             <a:avLst/>
@@ -456,7 +456,7 @@
       </p:sp>
       <p:sp>
         <p:nvSpPr>
-          <p:cNvPr id="464" name="PlaceHolder 3"/>
+          <p:cNvPr id="463" name="PlaceHolder 3"/>
           <p:cNvSpPr>
             <a:spLocks noGrp="1"/>
           </p:cNvSpPr>
@@ -467,7 +467,7 @@
         <p:spPr>
           <a:xfrm>
             <a:off x="3884760" y="8685360"/>
-            <a:ext cx="2971080" cy="457920"/>
+            <a:ext cx="2970720" cy="457560"/>
           </a:xfrm>
           <a:prstGeom prst="rect">
             <a:avLst/>
@@ -508,7 +508,7 @@
                 <a:tab algn="l" pos="0"/>
               </a:tabLst>
             </a:pPr>
-            <a:fld id="{A8588A10-BC3E-46A4-99E2-A53013CF02D8}" type="slidenum">
+            <a:fld id="{4EA77B00-2968-4E23-A341-507D89DD9B6A}" type="slidenum">
               <a:rPr b="0" lang="en-US" sz="1200" spc="-1" strike="noStrike">
                 <a:solidFill>
                   <a:srgbClr val="000000"/>
@@ -550,7 +550,7 @@
       </p:grpSpPr>
       <p:sp>
         <p:nvSpPr>
-          <p:cNvPr id="465" name="PlaceHolder 1"/>
+          <p:cNvPr id="464" name="PlaceHolder 1"/>
           <p:cNvSpPr>
             <a:spLocks noGrp="1"/>
           </p:cNvSpPr>
@@ -561,7 +561,7 @@
         <p:spPr>
           <a:xfrm>
             <a:off x="685800" y="1143000"/>
-            <a:ext cx="5485680" cy="3085560"/>
+            <a:ext cx="5485320" cy="3085200"/>
           </a:xfrm>
           <a:prstGeom prst="rect">
             <a:avLst/>
@@ -573,7 +573,7 @@
       </p:sp>
       <p:sp>
         <p:nvSpPr>
-          <p:cNvPr id="466" name="PlaceHolder 2"/>
+          <p:cNvPr id="465" name="PlaceHolder 2"/>
           <p:cNvSpPr>
             <a:spLocks noGrp="1"/>
           </p:cNvSpPr>
@@ -584,7 +584,7 @@
         <p:spPr>
           <a:xfrm>
             <a:off x="685800" y="4400640"/>
-            <a:ext cx="5485680" cy="3599640"/>
+            <a:ext cx="5485320" cy="3599280"/>
           </a:xfrm>
           <a:prstGeom prst="rect">
             <a:avLst/>
@@ -613,7 +613,7 @@
       </p:sp>
       <p:sp>
         <p:nvSpPr>
-          <p:cNvPr id="467" name="PlaceHolder 3"/>
+          <p:cNvPr id="466" name="PlaceHolder 3"/>
           <p:cNvSpPr>
             <a:spLocks noGrp="1"/>
           </p:cNvSpPr>
@@ -624,7 +624,7 @@
         <p:spPr>
           <a:xfrm>
             <a:off x="3884760" y="8685360"/>
-            <a:ext cx="2971080" cy="457920"/>
+            <a:ext cx="2970720" cy="457560"/>
           </a:xfrm>
           <a:prstGeom prst="rect">
             <a:avLst/>
@@ -665,7 +665,7 @@
                 <a:tab algn="l" pos="0"/>
               </a:tabLst>
             </a:pPr>
-            <a:fld id="{33EF113C-9E11-4D3F-9BED-4514751623BF}" type="slidenum">
+            <a:fld id="{42FB02CD-0B59-4B42-8448-ACA72EF404ED}" type="slidenum">
               <a:rPr b="0" lang="en-US" sz="1200" spc="-1" strike="noStrike">
                 <a:solidFill>
                   <a:srgbClr val="000000"/>
@@ -707,7 +707,7 @@
       </p:grpSpPr>
       <p:sp>
         <p:nvSpPr>
-          <p:cNvPr id="468" name="PlaceHolder 1"/>
+          <p:cNvPr id="467" name="PlaceHolder 1"/>
           <p:cNvSpPr>
             <a:spLocks noGrp="1"/>
           </p:cNvSpPr>
@@ -718,7 +718,7 @@
         <p:spPr>
           <a:xfrm>
             <a:off x="685800" y="1143000"/>
-            <a:ext cx="5485680" cy="3085560"/>
+            <a:ext cx="5485320" cy="3085200"/>
           </a:xfrm>
           <a:prstGeom prst="rect">
             <a:avLst/>
@@ -730,7 +730,7 @@
       </p:sp>
       <p:sp>
         <p:nvSpPr>
-          <p:cNvPr id="469" name="PlaceHolder 2"/>
+          <p:cNvPr id="468" name="PlaceHolder 2"/>
           <p:cNvSpPr>
             <a:spLocks noGrp="1"/>
           </p:cNvSpPr>
@@ -741,7 +741,7 @@
         <p:spPr>
           <a:xfrm>
             <a:off x="685800" y="4400640"/>
-            <a:ext cx="5485680" cy="3599640"/>
+            <a:ext cx="5485320" cy="3599280"/>
           </a:xfrm>
           <a:prstGeom prst="rect">
             <a:avLst/>
@@ -770,7 +770,7 @@
       </p:sp>
       <p:sp>
         <p:nvSpPr>
-          <p:cNvPr id="470" name="PlaceHolder 3"/>
+          <p:cNvPr id="469" name="PlaceHolder 3"/>
           <p:cNvSpPr>
             <a:spLocks noGrp="1"/>
           </p:cNvSpPr>
@@ -781,7 +781,7 @@
         <p:spPr>
           <a:xfrm>
             <a:off x="3884760" y="8685360"/>
-            <a:ext cx="2971080" cy="457920"/>
+            <a:ext cx="2970720" cy="457560"/>
           </a:xfrm>
           <a:prstGeom prst="rect">
             <a:avLst/>
@@ -822,7 +822,7 @@
                 <a:tab algn="l" pos="0"/>
               </a:tabLst>
             </a:pPr>
-            <a:fld id="{12E9B201-5F6B-4E01-967B-DFB24E900E93}" type="slidenum">
+            <a:fld id="{9A64D29F-4968-47B1-B0D0-FD8B19651EB0}" type="slidenum">
               <a:rPr b="0" lang="en-US" sz="1200" spc="-1" strike="noStrike">
                 <a:solidFill>
                   <a:srgbClr val="000000"/>
@@ -864,7 +864,7 @@
       </p:grpSpPr>
       <p:sp>
         <p:nvSpPr>
-          <p:cNvPr id="471" name="PlaceHolder 1"/>
+          <p:cNvPr id="470" name="PlaceHolder 1"/>
           <p:cNvSpPr>
             <a:spLocks noGrp="1"/>
           </p:cNvSpPr>
@@ -875,7 +875,7 @@
         <p:spPr>
           <a:xfrm>
             <a:off x="685800" y="1143000"/>
-            <a:ext cx="5485680" cy="3085560"/>
+            <a:ext cx="5485320" cy="3085200"/>
           </a:xfrm>
           <a:prstGeom prst="rect">
             <a:avLst/>
@@ -887,7 +887,7 @@
       </p:sp>
       <p:sp>
         <p:nvSpPr>
-          <p:cNvPr id="472" name="PlaceHolder 2"/>
+          <p:cNvPr id="471" name="PlaceHolder 2"/>
           <p:cNvSpPr>
             <a:spLocks noGrp="1"/>
           </p:cNvSpPr>
@@ -898,7 +898,7 @@
         <p:spPr>
           <a:xfrm>
             <a:off x="685800" y="4400640"/>
-            <a:ext cx="5485680" cy="3599640"/>
+            <a:ext cx="5485320" cy="3599280"/>
           </a:xfrm>
           <a:prstGeom prst="rect">
             <a:avLst/>
@@ -927,7 +927,7 @@
       </p:sp>
       <p:sp>
         <p:nvSpPr>
-          <p:cNvPr id="473" name="PlaceHolder 3"/>
+          <p:cNvPr id="472" name="PlaceHolder 3"/>
           <p:cNvSpPr>
             <a:spLocks noGrp="1"/>
           </p:cNvSpPr>
@@ -938,7 +938,7 @@
         <p:spPr>
           <a:xfrm>
             <a:off x="3884760" y="8685360"/>
-            <a:ext cx="2971080" cy="457920"/>
+            <a:ext cx="2970720" cy="457560"/>
           </a:xfrm>
           <a:prstGeom prst="rect">
             <a:avLst/>
@@ -979,7 +979,7 @@
                 <a:tab algn="l" pos="0"/>
               </a:tabLst>
             </a:pPr>
-            <a:fld id="{1BA4094E-EDD8-4EBF-BDC5-3D420B51E117}" type="slidenum">
+            <a:fld id="{6B4A2171-F5EA-4BFA-94A3-204D3E767970}" type="slidenum">
               <a:rPr b="0" lang="en-US" sz="1200" spc="-1" strike="noStrike">
                 <a:solidFill>
                   <a:srgbClr val="000000"/>
@@ -1021,7 +1021,7 @@
       </p:grpSpPr>
       <p:sp>
         <p:nvSpPr>
-          <p:cNvPr id="474" name="PlaceHolder 1"/>
+          <p:cNvPr id="473" name="PlaceHolder 1"/>
           <p:cNvSpPr>
             <a:spLocks noGrp="1"/>
           </p:cNvSpPr>
@@ -1032,7 +1032,7 @@
         <p:spPr>
           <a:xfrm>
             <a:off x="685800" y="1143000"/>
-            <a:ext cx="5485680" cy="3085560"/>
+            <a:ext cx="5485320" cy="3085200"/>
           </a:xfrm>
           <a:prstGeom prst="rect">
             <a:avLst/>
@@ -1044,7 +1044,7 @@
       </p:sp>
       <p:sp>
         <p:nvSpPr>
-          <p:cNvPr id="475" name="PlaceHolder 2"/>
+          <p:cNvPr id="474" name="PlaceHolder 2"/>
           <p:cNvSpPr>
             <a:spLocks noGrp="1"/>
           </p:cNvSpPr>
@@ -1055,7 +1055,7 @@
         <p:spPr>
           <a:xfrm>
             <a:off x="685800" y="4400640"/>
-            <a:ext cx="5485680" cy="3599640"/>
+            <a:ext cx="5485320" cy="3599280"/>
           </a:xfrm>
           <a:prstGeom prst="rect">
             <a:avLst/>
@@ -1084,7 +1084,7 @@
       </p:sp>
       <p:sp>
         <p:nvSpPr>
-          <p:cNvPr id="476" name="PlaceHolder 3"/>
+          <p:cNvPr id="475" name="PlaceHolder 3"/>
           <p:cNvSpPr>
             <a:spLocks noGrp="1"/>
           </p:cNvSpPr>
@@ -1095,7 +1095,7 @@
         <p:spPr>
           <a:xfrm>
             <a:off x="3884760" y="8685360"/>
-            <a:ext cx="2971080" cy="457920"/>
+            <a:ext cx="2970720" cy="457560"/>
           </a:xfrm>
           <a:prstGeom prst="rect">
             <a:avLst/>
@@ -1136,7 +1136,7 @@
                 <a:tab algn="l" pos="0"/>
               </a:tabLst>
             </a:pPr>
-            <a:fld id="{2B42C48C-B545-483B-A28A-652C72D92111}" type="slidenum">
+            <a:fld id="{3E5ECEBA-164D-4D74-8E07-A13AD2498D54}" type="slidenum">
               <a:rPr b="0" lang="en-US" sz="1200" spc="-1" strike="noStrike">
                 <a:solidFill>
                   <a:srgbClr val="000000"/>
@@ -1178,7 +1178,7 @@
       </p:grpSpPr>
       <p:sp>
         <p:nvSpPr>
-          <p:cNvPr id="477" name="PlaceHolder 1"/>
+          <p:cNvPr id="476" name="PlaceHolder 1"/>
           <p:cNvSpPr>
             <a:spLocks noGrp="1"/>
           </p:cNvSpPr>
@@ -1189,7 +1189,7 @@
         <p:spPr>
           <a:xfrm>
             <a:off x="685800" y="1143000"/>
-            <a:ext cx="5485680" cy="3085560"/>
+            <a:ext cx="5485320" cy="3085200"/>
           </a:xfrm>
           <a:prstGeom prst="rect">
             <a:avLst/>
@@ -1201,7 +1201,7 @@
       </p:sp>
       <p:sp>
         <p:nvSpPr>
-          <p:cNvPr id="478" name="PlaceHolder 2"/>
+          <p:cNvPr id="477" name="PlaceHolder 2"/>
           <p:cNvSpPr>
             <a:spLocks noGrp="1"/>
           </p:cNvSpPr>
@@ -1212,7 +1212,7 @@
         <p:spPr>
           <a:xfrm>
             <a:off x="685800" y="4400640"/>
-            <a:ext cx="5485680" cy="3599640"/>
+            <a:ext cx="5485320" cy="3599280"/>
           </a:xfrm>
           <a:prstGeom prst="rect">
             <a:avLst/>
@@ -1241,7 +1241,7 @@
       </p:sp>
       <p:sp>
         <p:nvSpPr>
-          <p:cNvPr id="479" name="PlaceHolder 3"/>
+          <p:cNvPr id="478" name="PlaceHolder 3"/>
           <p:cNvSpPr>
             <a:spLocks noGrp="1"/>
           </p:cNvSpPr>
@@ -1252,7 +1252,7 @@
         <p:spPr>
           <a:xfrm>
             <a:off x="3884760" y="8685360"/>
-            <a:ext cx="2971080" cy="457920"/>
+            <a:ext cx="2970720" cy="457560"/>
           </a:xfrm>
           <a:prstGeom prst="rect">
             <a:avLst/>
@@ -1293,7 +1293,7 @@
                 <a:tab algn="l" pos="0"/>
               </a:tabLst>
             </a:pPr>
-            <a:fld id="{2802739E-3405-4586-A107-DE95F3215443}" type="slidenum">
+            <a:fld id="{37BAE750-2703-451E-9701-D4BA23649921}" type="slidenum">
               <a:rPr b="0" lang="en-US" sz="1200" spc="-1" strike="noStrike">
                 <a:solidFill>
                   <a:srgbClr val="000000"/>
@@ -1335,7 +1335,7 @@
       </p:grpSpPr>
       <p:sp>
         <p:nvSpPr>
-          <p:cNvPr id="480" name="PlaceHolder 1"/>
+          <p:cNvPr id="479" name="PlaceHolder 1"/>
           <p:cNvSpPr>
             <a:spLocks noGrp="1"/>
           </p:cNvSpPr>
@@ -1346,7 +1346,7 @@
         <p:spPr>
           <a:xfrm>
             <a:off x="685800" y="1143000"/>
-            <a:ext cx="5485680" cy="3085560"/>
+            <a:ext cx="5485320" cy="3085200"/>
           </a:xfrm>
           <a:prstGeom prst="rect">
             <a:avLst/>
@@ -1358,7 +1358,7 @@
       </p:sp>
       <p:sp>
         <p:nvSpPr>
-          <p:cNvPr id="481" name="PlaceHolder 2"/>
+          <p:cNvPr id="480" name="PlaceHolder 2"/>
           <p:cNvSpPr>
             <a:spLocks noGrp="1"/>
           </p:cNvSpPr>
@@ -1369,7 +1369,7 @@
         <p:spPr>
           <a:xfrm>
             <a:off x="685800" y="4400640"/>
-            <a:ext cx="5485680" cy="3599640"/>
+            <a:ext cx="5485320" cy="3599280"/>
           </a:xfrm>
           <a:prstGeom prst="rect">
             <a:avLst/>
@@ -1398,7 +1398,7 @@
       </p:sp>
       <p:sp>
         <p:nvSpPr>
-          <p:cNvPr id="482" name="PlaceHolder 3"/>
+          <p:cNvPr id="481" name="PlaceHolder 3"/>
           <p:cNvSpPr>
             <a:spLocks noGrp="1"/>
           </p:cNvSpPr>
@@ -1409,7 +1409,7 @@
         <p:spPr>
           <a:xfrm>
             <a:off x="3884760" y="8685360"/>
-            <a:ext cx="2971080" cy="457920"/>
+            <a:ext cx="2970720" cy="457560"/>
           </a:xfrm>
           <a:prstGeom prst="rect">
             <a:avLst/>
@@ -1450,7 +1450,7 @@
                 <a:tab algn="l" pos="0"/>
               </a:tabLst>
             </a:pPr>
-            <a:fld id="{F68C4016-8298-4567-8281-8730D60846FC}" type="slidenum">
+            <a:fld id="{3F99417C-7928-4D0A-A17A-CED22B3B9390}" type="slidenum">
               <a:rPr b="0" lang="en-US" sz="1200" spc="-1" strike="noStrike">
                 <a:solidFill>
                   <a:srgbClr val="000000"/>
@@ -12644,7 +12644,7 @@
         <p:spPr>
           <a:xfrm>
             <a:off x="3144960" y="1916280"/>
-            <a:ext cx="53280" cy="2908800"/>
+            <a:ext cx="52920" cy="2908440"/>
           </a:xfrm>
           <a:prstGeom prst="rect">
             <a:avLst/>
@@ -12698,10 +12698,10 @@
         </p:nvGrpSpPr>
         <p:grpSpPr>
           <a:xfrm>
-            <a:off x="9039600" y="146880"/>
-            <a:ext cx="2966400" cy="2564640"/>
-            <a:chOff x="9039600" y="146880"/>
-            <a:chExt cx="2966400" cy="2564640"/>
+            <a:off x="9039960" y="146880"/>
+            <a:ext cx="2966040" cy="2564280"/>
+            <a:chOff x="9039960" y="146880"/>
+            <a:chExt cx="2966040" cy="2564280"/>
           </a:xfrm>
         </p:grpSpPr>
         <p:sp>
@@ -12712,16 +12712,16 @@
           </p:nvSpPr>
           <p:spPr>
             <a:xfrm rot="7106400">
-              <a:off x="9998280" y="214560"/>
-              <a:ext cx="376920" cy="373320"/>
+              <a:off x="9998640" y="214560"/>
+              <a:ext cx="376560" cy="372960"/>
             </a:xfrm>
             <a:custGeom>
               <a:avLst/>
               <a:gdLst>
-                <a:gd name="textAreaLeft" fmla="*/ 0 w 376920"/>
-                <a:gd name="textAreaRight" fmla="*/ 377640 w 376920"/>
-                <a:gd name="textAreaTop" fmla="*/ 0 h 373320"/>
-                <a:gd name="textAreaBottom" fmla="*/ 374040 h 373320"/>
+                <a:gd name="textAreaLeft" fmla="*/ 0 w 376560"/>
+                <a:gd name="textAreaRight" fmla="*/ 377640 w 376560"/>
+                <a:gd name="textAreaTop" fmla="*/ 0 h 372960"/>
+                <a:gd name="textAreaBottom" fmla="*/ 374040 h 372960"/>
               </a:gdLst>
               <a:ahLst/>
               <a:rect l="textAreaLeft" t="textAreaTop" r="textAreaRight" b="textAreaBottom"/>
@@ -12883,16 +12883,16 @@
           </p:nvSpPr>
           <p:spPr>
             <a:xfrm rot="5400000">
-              <a:off x="11343240" y="2048760"/>
-              <a:ext cx="662760" cy="662760"/>
+              <a:off x="11343600" y="2048760"/>
+              <a:ext cx="662400" cy="662400"/>
             </a:xfrm>
             <a:custGeom>
               <a:avLst/>
               <a:gdLst>
-                <a:gd name="textAreaLeft" fmla="*/ 0 w 662760"/>
-                <a:gd name="textAreaRight" fmla="*/ 663480 w 662760"/>
-                <a:gd name="textAreaTop" fmla="*/ 0 h 662760"/>
-                <a:gd name="textAreaBottom" fmla="*/ 663480 h 662760"/>
+                <a:gd name="textAreaLeft" fmla="*/ 0 w 662400"/>
+                <a:gd name="textAreaRight" fmla="*/ 663480 w 662400"/>
+                <a:gd name="textAreaTop" fmla="*/ 0 h 662400"/>
+                <a:gd name="textAreaBottom" fmla="*/ 663480 h 662400"/>
               </a:gdLst>
               <a:ahLst/>
               <a:rect l="textAreaLeft" t="textAreaTop" r="textAreaRight" b="textAreaBottom"/>
@@ -12985,16 +12985,16 @@
           </p:nvSpPr>
           <p:spPr>
             <a:xfrm rot="5400000">
-              <a:off x="9039240" y="284760"/>
-              <a:ext cx="451080" cy="450720"/>
+              <a:off x="9039600" y="284760"/>
+              <a:ext cx="450720" cy="450360"/>
             </a:xfrm>
             <a:custGeom>
               <a:avLst/>
               <a:gdLst>
-                <a:gd name="textAreaLeft" fmla="*/ 0 w 451080"/>
-                <a:gd name="textAreaRight" fmla="*/ 451800 w 451080"/>
-                <a:gd name="textAreaTop" fmla="*/ 0 h 450720"/>
-                <a:gd name="textAreaBottom" fmla="*/ 451440 h 450720"/>
+                <a:gd name="textAreaLeft" fmla="*/ 0 w 450720"/>
+                <a:gd name="textAreaRight" fmla="*/ 451800 w 450720"/>
+                <a:gd name="textAreaTop" fmla="*/ 0 h 450360"/>
+                <a:gd name="textAreaBottom" fmla="*/ 451440 h 450360"/>
               </a:gdLst>
               <a:ahLst/>
               <a:rect l="textAreaLeft" t="textAreaTop" r="textAreaRight" b="textAreaBottom"/>
@@ -13087,16 +13087,16 @@
           </p:nvSpPr>
           <p:spPr>
             <a:xfrm rot="5400000">
-              <a:off x="10200960" y="957240"/>
-              <a:ext cx="230040" cy="230040"/>
+              <a:off x="10201320" y="957240"/>
+              <a:ext cx="229680" cy="229680"/>
             </a:xfrm>
             <a:custGeom>
               <a:avLst/>
               <a:gdLst>
-                <a:gd name="textAreaLeft" fmla="*/ 0 w 230040"/>
-                <a:gd name="textAreaRight" fmla="*/ 230760 w 230040"/>
-                <a:gd name="textAreaTop" fmla="*/ 0 h 230040"/>
-                <a:gd name="textAreaBottom" fmla="*/ 230760 h 230040"/>
+                <a:gd name="textAreaLeft" fmla="*/ 0 w 229680"/>
+                <a:gd name="textAreaRight" fmla="*/ 230760 w 229680"/>
+                <a:gd name="textAreaTop" fmla="*/ 0 h 229680"/>
+                <a:gd name="textAreaBottom" fmla="*/ 230760 h 229680"/>
               </a:gdLst>
               <a:ahLst/>
               <a:rect l="textAreaLeft" t="textAreaTop" r="textAreaRight" b="textAreaBottom"/>
@@ -13165,10 +13165,10 @@
           </p:nvGrpSpPr>
           <p:grpSpPr>
             <a:xfrm>
-              <a:off x="10748880" y="244800"/>
-              <a:ext cx="1190160" cy="1405440"/>
-              <a:chOff x="10748880" y="244800"/>
-              <a:chExt cx="1190160" cy="1405440"/>
+              <a:off x="10749240" y="244800"/>
+              <a:ext cx="1189800" cy="1405080"/>
+              <a:chOff x="10749240" y="244800"/>
+              <a:chExt cx="1189800" cy="1405080"/>
             </a:xfrm>
           </p:grpSpPr>
           <p:sp>
@@ -13179,16 +13179,16 @@
             </p:nvSpPr>
             <p:spPr>
               <a:xfrm rot="5400000">
-                <a:off x="11830680" y="244800"/>
-                <a:ext cx="106920" cy="106920"/>
+                <a:off x="11831040" y="244800"/>
+                <a:ext cx="106560" cy="106560"/>
               </a:xfrm>
               <a:custGeom>
                 <a:avLst/>
                 <a:gdLst>
-                  <a:gd name="textAreaLeft" fmla="*/ 0 w 106920"/>
-                  <a:gd name="textAreaRight" fmla="*/ 107640 w 106920"/>
-                  <a:gd name="textAreaTop" fmla="*/ 0 h 106920"/>
-                  <a:gd name="textAreaBottom" fmla="*/ 107640 h 106920"/>
+                  <a:gd name="textAreaLeft" fmla="*/ 0 w 106560"/>
+                  <a:gd name="textAreaRight" fmla="*/ 107640 w 106560"/>
+                  <a:gd name="textAreaTop" fmla="*/ 0 h 106560"/>
+                  <a:gd name="textAreaBottom" fmla="*/ 107640 h 106560"/>
                 </a:gdLst>
                 <a:ahLst/>
                 <a:rect l="textAreaLeft" t="textAreaTop" r="textAreaRight" b="textAreaBottom"/>
@@ -13268,16 +13268,16 @@
             </p:nvSpPr>
             <p:spPr>
               <a:xfrm rot="5400000">
-                <a:off x="11831040" y="570240"/>
-                <a:ext cx="106560" cy="106920"/>
+                <a:off x="11831400" y="570240"/>
+                <a:ext cx="106200" cy="106560"/>
               </a:xfrm>
               <a:custGeom>
                 <a:avLst/>
                 <a:gdLst>
-                  <a:gd name="textAreaLeft" fmla="*/ 0 w 106560"/>
-                  <a:gd name="textAreaRight" fmla="*/ 107280 w 106560"/>
-                  <a:gd name="textAreaTop" fmla="*/ 0 h 106920"/>
-                  <a:gd name="textAreaBottom" fmla="*/ 107640 h 106920"/>
+                  <a:gd name="textAreaLeft" fmla="*/ 0 w 106200"/>
+                  <a:gd name="textAreaRight" fmla="*/ 107280 w 106200"/>
+                  <a:gd name="textAreaTop" fmla="*/ 0 h 106560"/>
+                  <a:gd name="textAreaBottom" fmla="*/ 107640 h 106560"/>
                 </a:gdLst>
                 <a:ahLst/>
                 <a:rect l="textAreaLeft" t="textAreaTop" r="textAreaRight" b="textAreaBottom"/>
@@ -13357,16 +13357,16 @@
             </p:nvSpPr>
             <p:spPr>
               <a:xfrm rot="5400000">
-                <a:off x="11831400" y="893520"/>
-                <a:ext cx="106920" cy="106920"/>
+                <a:off x="11831760" y="893520"/>
+                <a:ext cx="106560" cy="106560"/>
               </a:xfrm>
               <a:custGeom>
                 <a:avLst/>
                 <a:gdLst>
-                  <a:gd name="textAreaLeft" fmla="*/ 0 w 106920"/>
-                  <a:gd name="textAreaRight" fmla="*/ 107640 w 106920"/>
-                  <a:gd name="textAreaTop" fmla="*/ 0 h 106920"/>
-                  <a:gd name="textAreaBottom" fmla="*/ 107640 h 106920"/>
+                  <a:gd name="textAreaLeft" fmla="*/ 0 w 106560"/>
+                  <a:gd name="textAreaRight" fmla="*/ 107640 w 106560"/>
+                  <a:gd name="textAreaTop" fmla="*/ 0 h 106560"/>
+                  <a:gd name="textAreaBottom" fmla="*/ 107640 h 106560"/>
                 </a:gdLst>
                 <a:ahLst/>
                 <a:rect l="textAreaLeft" t="textAreaTop" r="textAreaRight" b="textAreaBottom"/>
@@ -13446,16 +13446,16 @@
             </p:nvSpPr>
             <p:spPr>
               <a:xfrm rot="5400000">
-                <a:off x="11831760" y="1216800"/>
-                <a:ext cx="106920" cy="106560"/>
+                <a:off x="11832120" y="1216800"/>
+                <a:ext cx="106560" cy="106200"/>
               </a:xfrm>
               <a:custGeom>
                 <a:avLst/>
                 <a:gdLst>
-                  <a:gd name="textAreaLeft" fmla="*/ 0 w 106920"/>
-                  <a:gd name="textAreaRight" fmla="*/ 107640 w 106920"/>
-                  <a:gd name="textAreaTop" fmla="*/ 0 h 106560"/>
-                  <a:gd name="textAreaBottom" fmla="*/ 107280 h 106560"/>
+                  <a:gd name="textAreaLeft" fmla="*/ 0 w 106560"/>
+                  <a:gd name="textAreaRight" fmla="*/ 107640 w 106560"/>
+                  <a:gd name="textAreaTop" fmla="*/ 0 h 106200"/>
+                  <a:gd name="textAreaBottom" fmla="*/ 107280 h 106200"/>
                 </a:gdLst>
                 <a:ahLst/>
                 <a:rect l="textAreaLeft" t="textAreaTop" r="textAreaRight" b="textAreaBottom"/>
@@ -13540,16 +13540,16 @@
             </p:nvSpPr>
             <p:spPr>
               <a:xfrm rot="5400000">
-                <a:off x="11832120" y="1542240"/>
-                <a:ext cx="106920" cy="106560"/>
+                <a:off x="11832480" y="1542240"/>
+                <a:ext cx="106560" cy="106200"/>
               </a:xfrm>
               <a:custGeom>
                 <a:avLst/>
                 <a:gdLst>
-                  <a:gd name="textAreaLeft" fmla="*/ 0 w 106920"/>
-                  <a:gd name="textAreaRight" fmla="*/ 107640 w 106920"/>
-                  <a:gd name="textAreaTop" fmla="*/ 0 h 106560"/>
-                  <a:gd name="textAreaBottom" fmla="*/ 107280 h 106560"/>
+                  <a:gd name="textAreaLeft" fmla="*/ 0 w 106560"/>
+                  <a:gd name="textAreaRight" fmla="*/ 107640 w 106560"/>
+                  <a:gd name="textAreaTop" fmla="*/ 0 h 106200"/>
+                  <a:gd name="textAreaBottom" fmla="*/ 107280 h 106200"/>
                 </a:gdLst>
                 <a:ahLst/>
                 <a:rect l="textAreaLeft" t="textAreaTop" r="textAreaRight" b="textAreaBottom"/>
@@ -13629,16 +13629,16 @@
             </p:nvSpPr>
             <p:spPr>
               <a:xfrm rot="5400000">
-                <a:off x="11560320" y="245160"/>
-                <a:ext cx="106920" cy="106920"/>
+                <a:off x="11560680" y="245160"/>
+                <a:ext cx="106560" cy="106560"/>
               </a:xfrm>
               <a:custGeom>
                 <a:avLst/>
                 <a:gdLst>
-                  <a:gd name="textAreaLeft" fmla="*/ 0 w 106920"/>
-                  <a:gd name="textAreaRight" fmla="*/ 107640 w 106920"/>
-                  <a:gd name="textAreaTop" fmla="*/ 0 h 106920"/>
-                  <a:gd name="textAreaBottom" fmla="*/ 107640 h 106920"/>
+                  <a:gd name="textAreaLeft" fmla="*/ 0 w 106560"/>
+                  <a:gd name="textAreaRight" fmla="*/ 107640 w 106560"/>
+                  <a:gd name="textAreaTop" fmla="*/ 0 h 106560"/>
+                  <a:gd name="textAreaBottom" fmla="*/ 107640 h 106560"/>
                 </a:gdLst>
                 <a:ahLst/>
                 <a:rect l="textAreaLeft" t="textAreaTop" r="textAreaRight" b="textAreaBottom"/>
@@ -13718,16 +13718,16 @@
             </p:nvSpPr>
             <p:spPr>
               <a:xfrm rot="5400000">
-                <a:off x="11560320" y="570600"/>
-                <a:ext cx="106560" cy="106920"/>
+                <a:off x="11560680" y="570600"/>
+                <a:ext cx="106200" cy="106560"/>
               </a:xfrm>
               <a:custGeom>
                 <a:avLst/>
                 <a:gdLst>
-                  <a:gd name="textAreaLeft" fmla="*/ 0 w 106560"/>
-                  <a:gd name="textAreaRight" fmla="*/ 107280 w 106560"/>
-                  <a:gd name="textAreaTop" fmla="*/ 0 h 106920"/>
-                  <a:gd name="textAreaBottom" fmla="*/ 107640 h 106920"/>
+                  <a:gd name="textAreaLeft" fmla="*/ 0 w 106200"/>
+                  <a:gd name="textAreaRight" fmla="*/ 107280 w 106200"/>
+                  <a:gd name="textAreaTop" fmla="*/ 0 h 106560"/>
+                  <a:gd name="textAreaBottom" fmla="*/ 107640 h 106560"/>
                 </a:gdLst>
                 <a:ahLst/>
                 <a:rect l="textAreaLeft" t="textAreaTop" r="textAreaRight" b="textAreaBottom"/>
@@ -13807,16 +13807,16 @@
             </p:nvSpPr>
             <p:spPr>
               <a:xfrm rot="5400000">
-                <a:off x="11560680" y="893880"/>
-                <a:ext cx="106920" cy="106920"/>
+                <a:off x="11561040" y="893880"/>
+                <a:ext cx="106560" cy="106560"/>
               </a:xfrm>
               <a:custGeom>
                 <a:avLst/>
                 <a:gdLst>
-                  <a:gd name="textAreaLeft" fmla="*/ 0 w 106920"/>
-                  <a:gd name="textAreaRight" fmla="*/ 107640 w 106920"/>
-                  <a:gd name="textAreaTop" fmla="*/ 0 h 106920"/>
-                  <a:gd name="textAreaBottom" fmla="*/ 107640 h 106920"/>
+                  <a:gd name="textAreaLeft" fmla="*/ 0 w 106560"/>
+                  <a:gd name="textAreaRight" fmla="*/ 107640 w 106560"/>
+                  <a:gd name="textAreaTop" fmla="*/ 0 h 106560"/>
+                  <a:gd name="textAreaBottom" fmla="*/ 107640 h 106560"/>
                 </a:gdLst>
                 <a:ahLst/>
                 <a:rect l="textAreaLeft" t="textAreaTop" r="textAreaRight" b="textAreaBottom"/>
@@ -13896,16 +13896,16 @@
             </p:nvSpPr>
             <p:spPr>
               <a:xfrm rot="5400000">
-                <a:off x="11561760" y="1217160"/>
-                <a:ext cx="106560" cy="106560"/>
+                <a:off x="11562120" y="1217160"/>
+                <a:ext cx="106200" cy="106200"/>
               </a:xfrm>
               <a:custGeom>
                 <a:avLst/>
                 <a:gdLst>
-                  <a:gd name="textAreaLeft" fmla="*/ 0 w 106560"/>
-                  <a:gd name="textAreaRight" fmla="*/ 107280 w 106560"/>
-                  <a:gd name="textAreaTop" fmla="*/ 0 h 106560"/>
-                  <a:gd name="textAreaBottom" fmla="*/ 107280 h 106560"/>
+                  <a:gd name="textAreaLeft" fmla="*/ 0 w 106200"/>
+                  <a:gd name="textAreaRight" fmla="*/ 107280 w 106200"/>
+                  <a:gd name="textAreaTop" fmla="*/ 0 h 106200"/>
+                  <a:gd name="textAreaBottom" fmla="*/ 107280 h 106200"/>
                 </a:gdLst>
                 <a:ahLst/>
                 <a:rect l="textAreaLeft" t="textAreaTop" r="textAreaRight" b="textAreaBottom"/>
@@ -13990,16 +13990,16 @@
             </p:nvSpPr>
             <p:spPr>
               <a:xfrm rot="5400000">
-                <a:off x="11561400" y="1542600"/>
-                <a:ext cx="106920" cy="106560"/>
+                <a:off x="11561760" y="1542600"/>
+                <a:ext cx="106560" cy="106200"/>
               </a:xfrm>
               <a:custGeom>
                 <a:avLst/>
                 <a:gdLst>
-                  <a:gd name="textAreaLeft" fmla="*/ 0 w 106920"/>
-                  <a:gd name="textAreaRight" fmla="*/ 107640 w 106920"/>
-                  <a:gd name="textAreaTop" fmla="*/ 0 h 106560"/>
-                  <a:gd name="textAreaBottom" fmla="*/ 107280 h 106560"/>
+                  <a:gd name="textAreaLeft" fmla="*/ 0 w 106560"/>
+                  <a:gd name="textAreaRight" fmla="*/ 107640 w 106560"/>
+                  <a:gd name="textAreaTop" fmla="*/ 0 h 106200"/>
+                  <a:gd name="textAreaBottom" fmla="*/ 107280 h 106200"/>
                 </a:gdLst>
                 <a:ahLst/>
                 <a:rect l="textAreaLeft" t="textAreaTop" r="textAreaRight" b="textAreaBottom"/>
@@ -14079,16 +14079,16 @@
             </p:nvSpPr>
             <p:spPr>
               <a:xfrm rot="5400000">
-                <a:off x="11289240" y="245520"/>
-                <a:ext cx="106920" cy="106560"/>
+                <a:off x="11289600" y="245520"/>
+                <a:ext cx="106560" cy="106200"/>
               </a:xfrm>
               <a:custGeom>
                 <a:avLst/>
                 <a:gdLst>
-                  <a:gd name="textAreaLeft" fmla="*/ 0 w 106920"/>
-                  <a:gd name="textAreaRight" fmla="*/ 107640 w 106920"/>
-                  <a:gd name="textAreaTop" fmla="*/ 0 h 106560"/>
-                  <a:gd name="textAreaBottom" fmla="*/ 107280 h 106560"/>
+                  <a:gd name="textAreaLeft" fmla="*/ 0 w 106560"/>
+                  <a:gd name="textAreaRight" fmla="*/ 107640 w 106560"/>
+                  <a:gd name="textAreaTop" fmla="*/ 0 h 106200"/>
+                  <a:gd name="textAreaBottom" fmla="*/ 107280 h 106200"/>
                 </a:gdLst>
                 <a:ahLst/>
                 <a:rect l="textAreaLeft" t="textAreaTop" r="textAreaRight" b="textAreaBottom"/>
@@ -14173,16 +14173,16 @@
             </p:nvSpPr>
             <p:spPr>
               <a:xfrm rot="5400000">
-                <a:off x="11289960" y="570960"/>
-                <a:ext cx="106560" cy="106920"/>
+                <a:off x="11290320" y="570960"/>
+                <a:ext cx="106200" cy="106560"/>
               </a:xfrm>
               <a:custGeom>
                 <a:avLst/>
                 <a:gdLst>
-                  <a:gd name="textAreaLeft" fmla="*/ 0 w 106560"/>
-                  <a:gd name="textAreaRight" fmla="*/ 107280 w 106560"/>
-                  <a:gd name="textAreaTop" fmla="*/ 0 h 106920"/>
-                  <a:gd name="textAreaBottom" fmla="*/ 107640 h 106920"/>
+                  <a:gd name="textAreaLeft" fmla="*/ 0 w 106200"/>
+                  <a:gd name="textAreaRight" fmla="*/ 107280 w 106200"/>
+                  <a:gd name="textAreaTop" fmla="*/ 0 h 106560"/>
+                  <a:gd name="textAreaBottom" fmla="*/ 107640 h 106560"/>
                 </a:gdLst>
                 <a:ahLst/>
                 <a:rect l="textAreaLeft" t="textAreaTop" r="textAreaRight" b="textAreaBottom"/>
@@ -14262,16 +14262,16 @@
             </p:nvSpPr>
             <p:spPr>
               <a:xfrm rot="5400000">
-                <a:off x="11290320" y="894240"/>
-                <a:ext cx="106920" cy="106920"/>
+                <a:off x="11290680" y="894240"/>
+                <a:ext cx="106560" cy="106560"/>
               </a:xfrm>
               <a:custGeom>
                 <a:avLst/>
                 <a:gdLst>
-                  <a:gd name="textAreaLeft" fmla="*/ 0 w 106920"/>
-                  <a:gd name="textAreaRight" fmla="*/ 107640 w 106920"/>
-                  <a:gd name="textAreaTop" fmla="*/ 0 h 106920"/>
-                  <a:gd name="textAreaBottom" fmla="*/ 107640 h 106920"/>
+                  <a:gd name="textAreaLeft" fmla="*/ 0 w 106560"/>
+                  <a:gd name="textAreaRight" fmla="*/ 107640 w 106560"/>
+                  <a:gd name="textAreaTop" fmla="*/ 0 h 106560"/>
+                  <a:gd name="textAreaBottom" fmla="*/ 107640 h 106560"/>
                 </a:gdLst>
                 <a:ahLst/>
                 <a:rect l="textAreaLeft" t="textAreaTop" r="textAreaRight" b="textAreaBottom"/>
@@ -14351,16 +14351,16 @@
             </p:nvSpPr>
             <p:spPr>
               <a:xfrm rot="5400000">
-                <a:off x="11290680" y="1217160"/>
-                <a:ext cx="106560" cy="106920"/>
+                <a:off x="11291040" y="1217160"/>
+                <a:ext cx="106200" cy="106560"/>
               </a:xfrm>
               <a:custGeom>
                 <a:avLst/>
                 <a:gdLst>
-                  <a:gd name="textAreaLeft" fmla="*/ 0 w 106560"/>
-                  <a:gd name="textAreaRight" fmla="*/ 107280 w 106560"/>
-                  <a:gd name="textAreaTop" fmla="*/ 0 h 106920"/>
-                  <a:gd name="textAreaBottom" fmla="*/ 107640 h 106920"/>
+                  <a:gd name="textAreaLeft" fmla="*/ 0 w 106200"/>
+                  <a:gd name="textAreaRight" fmla="*/ 107280 w 106200"/>
+                  <a:gd name="textAreaTop" fmla="*/ 0 h 106560"/>
+                  <a:gd name="textAreaBottom" fmla="*/ 107640 h 106560"/>
                 </a:gdLst>
                 <a:ahLst/>
                 <a:rect l="textAreaLeft" t="textAreaTop" r="textAreaRight" b="textAreaBottom"/>
@@ -14440,16 +14440,16 @@
             </p:nvSpPr>
             <p:spPr>
               <a:xfrm rot="5400000">
-                <a:off x="11291040" y="1542600"/>
-                <a:ext cx="106920" cy="106560"/>
+                <a:off x="11291400" y="1542600"/>
+                <a:ext cx="106560" cy="106200"/>
               </a:xfrm>
               <a:custGeom>
                 <a:avLst/>
                 <a:gdLst>
-                  <a:gd name="textAreaLeft" fmla="*/ 0 w 106920"/>
-                  <a:gd name="textAreaRight" fmla="*/ 107640 w 106920"/>
-                  <a:gd name="textAreaTop" fmla="*/ 0 h 106560"/>
-                  <a:gd name="textAreaBottom" fmla="*/ 107280 h 106560"/>
+                  <a:gd name="textAreaLeft" fmla="*/ 0 w 106560"/>
+                  <a:gd name="textAreaRight" fmla="*/ 107640 w 106560"/>
+                  <a:gd name="textAreaTop" fmla="*/ 0 h 106200"/>
+                  <a:gd name="textAreaBottom" fmla="*/ 107280 h 106200"/>
                 </a:gdLst>
                 <a:ahLst/>
                 <a:rect l="textAreaLeft" t="textAreaTop" r="textAreaRight" b="textAreaBottom"/>
@@ -14529,16 +14529,16 @@
             </p:nvSpPr>
             <p:spPr>
               <a:xfrm rot="5400000">
-                <a:off x="11018880" y="245880"/>
-                <a:ext cx="106920" cy="106560"/>
+                <a:off x="11019240" y="245880"/>
+                <a:ext cx="106560" cy="106200"/>
               </a:xfrm>
               <a:custGeom>
                 <a:avLst/>
                 <a:gdLst>
-                  <a:gd name="textAreaLeft" fmla="*/ 0 w 106920"/>
-                  <a:gd name="textAreaRight" fmla="*/ 107640 w 106920"/>
-                  <a:gd name="textAreaTop" fmla="*/ 0 h 106560"/>
-                  <a:gd name="textAreaBottom" fmla="*/ 107280 h 106560"/>
+                  <a:gd name="textAreaLeft" fmla="*/ 0 w 106560"/>
+                  <a:gd name="textAreaRight" fmla="*/ 107640 w 106560"/>
+                  <a:gd name="textAreaTop" fmla="*/ 0 h 106200"/>
+                  <a:gd name="textAreaBottom" fmla="*/ 107280 h 106200"/>
                 </a:gdLst>
                 <a:ahLst/>
                 <a:rect l="textAreaLeft" t="textAreaTop" r="textAreaRight" b="textAreaBottom"/>
@@ -14623,16 +14623,16 @@
             </p:nvSpPr>
             <p:spPr>
               <a:xfrm rot="5400000">
-                <a:off x="11019600" y="571320"/>
-                <a:ext cx="106560" cy="106920"/>
+                <a:off x="11019960" y="571320"/>
+                <a:ext cx="106200" cy="106560"/>
               </a:xfrm>
               <a:custGeom>
                 <a:avLst/>
                 <a:gdLst>
-                  <a:gd name="textAreaLeft" fmla="*/ 0 w 106560"/>
-                  <a:gd name="textAreaRight" fmla="*/ 107280 w 106560"/>
-                  <a:gd name="textAreaTop" fmla="*/ 0 h 106920"/>
-                  <a:gd name="textAreaBottom" fmla="*/ 107640 h 106920"/>
+                  <a:gd name="textAreaLeft" fmla="*/ 0 w 106200"/>
+                  <a:gd name="textAreaRight" fmla="*/ 107280 w 106200"/>
+                  <a:gd name="textAreaTop" fmla="*/ 0 h 106560"/>
+                  <a:gd name="textAreaBottom" fmla="*/ 107640 h 106560"/>
                 </a:gdLst>
                 <a:ahLst/>
                 <a:rect l="textAreaLeft" t="textAreaTop" r="textAreaRight" b="textAreaBottom"/>
@@ -14712,16 +14712,16 @@
             </p:nvSpPr>
             <p:spPr>
               <a:xfrm rot="5400000">
-                <a:off x="11019960" y="894600"/>
-                <a:ext cx="106920" cy="106920"/>
+                <a:off x="11020320" y="894600"/>
+                <a:ext cx="106560" cy="106560"/>
               </a:xfrm>
               <a:custGeom>
                 <a:avLst/>
                 <a:gdLst>
-                  <a:gd name="textAreaLeft" fmla="*/ 0 w 106920"/>
-                  <a:gd name="textAreaRight" fmla="*/ 107640 w 106920"/>
-                  <a:gd name="textAreaTop" fmla="*/ 0 h 106920"/>
-                  <a:gd name="textAreaBottom" fmla="*/ 107640 h 106920"/>
+                  <a:gd name="textAreaLeft" fmla="*/ 0 w 106560"/>
+                  <a:gd name="textAreaRight" fmla="*/ 107640 w 106560"/>
+                  <a:gd name="textAreaTop" fmla="*/ 0 h 106560"/>
+                  <a:gd name="textAreaBottom" fmla="*/ 107640 h 106560"/>
                 </a:gdLst>
                 <a:ahLst/>
                 <a:rect l="textAreaLeft" t="textAreaTop" r="textAreaRight" b="textAreaBottom"/>
@@ -14801,16 +14801,16 @@
             </p:nvSpPr>
             <p:spPr>
               <a:xfrm rot="5400000">
-                <a:off x="11020320" y="1217520"/>
-                <a:ext cx="106560" cy="106920"/>
+                <a:off x="11020680" y="1217520"/>
+                <a:ext cx="106200" cy="106560"/>
               </a:xfrm>
               <a:custGeom>
                 <a:avLst/>
                 <a:gdLst>
-                  <a:gd name="textAreaLeft" fmla="*/ 0 w 106560"/>
-                  <a:gd name="textAreaRight" fmla="*/ 107280 w 106560"/>
-                  <a:gd name="textAreaTop" fmla="*/ 0 h 106920"/>
-                  <a:gd name="textAreaBottom" fmla="*/ 107640 h 106920"/>
+                  <a:gd name="textAreaLeft" fmla="*/ 0 w 106200"/>
+                  <a:gd name="textAreaRight" fmla="*/ 107280 w 106200"/>
+                  <a:gd name="textAreaTop" fmla="*/ 0 h 106560"/>
+                  <a:gd name="textAreaBottom" fmla="*/ 107640 h 106560"/>
                 </a:gdLst>
                 <a:ahLst/>
                 <a:rect l="textAreaLeft" t="textAreaTop" r="textAreaRight" b="textAreaBottom"/>
@@ -14890,16 +14890,16 @@
             </p:nvSpPr>
             <p:spPr>
               <a:xfrm rot="5400000">
-                <a:off x="11020680" y="1543320"/>
-                <a:ext cx="106920" cy="106560"/>
+                <a:off x="11021040" y="1543320"/>
+                <a:ext cx="106560" cy="106200"/>
               </a:xfrm>
               <a:custGeom>
                 <a:avLst/>
                 <a:gdLst>
-                  <a:gd name="textAreaLeft" fmla="*/ 0 w 106920"/>
-                  <a:gd name="textAreaRight" fmla="*/ 107640 w 106920"/>
-                  <a:gd name="textAreaTop" fmla="*/ 0 h 106560"/>
-                  <a:gd name="textAreaBottom" fmla="*/ 107280 h 106560"/>
+                  <a:gd name="textAreaLeft" fmla="*/ 0 w 106560"/>
+                  <a:gd name="textAreaRight" fmla="*/ 107640 w 106560"/>
+                  <a:gd name="textAreaTop" fmla="*/ 0 h 106200"/>
+                  <a:gd name="textAreaBottom" fmla="*/ 107280 h 106200"/>
                 </a:gdLst>
                 <a:ahLst/>
                 <a:rect l="textAreaLeft" t="textAreaTop" r="textAreaRight" b="textAreaBottom"/>
@@ -14979,16 +14979,16 @@
             </p:nvSpPr>
             <p:spPr>
               <a:xfrm rot="5400000">
-                <a:off x="10748520" y="246240"/>
-                <a:ext cx="106920" cy="106560"/>
+                <a:off x="10748880" y="246240"/>
+                <a:ext cx="106560" cy="106200"/>
               </a:xfrm>
               <a:custGeom>
                 <a:avLst/>
                 <a:gdLst>
-                  <a:gd name="textAreaLeft" fmla="*/ 0 w 106920"/>
-                  <a:gd name="textAreaRight" fmla="*/ 107640 w 106920"/>
-                  <a:gd name="textAreaTop" fmla="*/ 0 h 106560"/>
-                  <a:gd name="textAreaBottom" fmla="*/ 107280 h 106560"/>
+                  <a:gd name="textAreaLeft" fmla="*/ 0 w 106560"/>
+                  <a:gd name="textAreaRight" fmla="*/ 107640 w 106560"/>
+                  <a:gd name="textAreaTop" fmla="*/ 0 h 106200"/>
+                  <a:gd name="textAreaBottom" fmla="*/ 107280 h 106200"/>
                 </a:gdLst>
                 <a:ahLst/>
                 <a:rect l="textAreaLeft" t="textAreaTop" r="textAreaRight" b="textAreaBottom"/>
@@ -15068,16 +15068,16 @@
             </p:nvSpPr>
             <p:spPr>
               <a:xfrm rot="5400000">
-                <a:off x="10749240" y="571680"/>
-                <a:ext cx="106920" cy="106920"/>
+                <a:off x="10749600" y="571680"/>
+                <a:ext cx="106560" cy="106560"/>
               </a:xfrm>
               <a:custGeom>
                 <a:avLst/>
                 <a:gdLst>
-                  <a:gd name="textAreaLeft" fmla="*/ 0 w 106920"/>
-                  <a:gd name="textAreaRight" fmla="*/ 107640 w 106920"/>
-                  <a:gd name="textAreaTop" fmla="*/ 0 h 106920"/>
-                  <a:gd name="textAreaBottom" fmla="*/ 107640 h 106920"/>
+                  <a:gd name="textAreaLeft" fmla="*/ 0 w 106560"/>
+                  <a:gd name="textAreaRight" fmla="*/ 107640 w 106560"/>
+                  <a:gd name="textAreaTop" fmla="*/ 0 h 106560"/>
+                  <a:gd name="textAreaBottom" fmla="*/ 107640 h 106560"/>
                 </a:gdLst>
                 <a:ahLst/>
                 <a:rect l="textAreaLeft" t="textAreaTop" r="textAreaRight" b="textAreaBottom"/>
@@ -15157,16 +15157,16 @@
             </p:nvSpPr>
             <p:spPr>
               <a:xfrm rot="5400000">
-                <a:off x="10749240" y="894600"/>
-                <a:ext cx="106920" cy="106920"/>
+                <a:off x="10749600" y="894600"/>
+                <a:ext cx="106560" cy="106560"/>
               </a:xfrm>
               <a:custGeom>
                 <a:avLst/>
                 <a:gdLst>
-                  <a:gd name="textAreaLeft" fmla="*/ 0 w 106920"/>
-                  <a:gd name="textAreaRight" fmla="*/ 107640 w 106920"/>
-                  <a:gd name="textAreaTop" fmla="*/ 0 h 106920"/>
-                  <a:gd name="textAreaBottom" fmla="*/ 107640 h 106920"/>
+                  <a:gd name="textAreaLeft" fmla="*/ 0 w 106560"/>
+                  <a:gd name="textAreaRight" fmla="*/ 107640 w 106560"/>
+                  <a:gd name="textAreaTop" fmla="*/ 0 h 106560"/>
+                  <a:gd name="textAreaBottom" fmla="*/ 107640 h 106560"/>
                 </a:gdLst>
                 <a:ahLst/>
                 <a:rect l="textAreaLeft" t="textAreaTop" r="textAreaRight" b="textAreaBottom"/>
@@ -15246,16 +15246,16 @@
             </p:nvSpPr>
             <p:spPr>
               <a:xfrm rot="5400000">
-                <a:off x="10749960" y="1217880"/>
-                <a:ext cx="106920" cy="106920"/>
+                <a:off x="10750320" y="1217880"/>
+                <a:ext cx="106560" cy="106560"/>
               </a:xfrm>
               <a:custGeom>
                 <a:avLst/>
                 <a:gdLst>
-                  <a:gd name="textAreaLeft" fmla="*/ 0 w 106920"/>
-                  <a:gd name="textAreaRight" fmla="*/ 107640 w 106920"/>
-                  <a:gd name="textAreaTop" fmla="*/ 0 h 106920"/>
-                  <a:gd name="textAreaBottom" fmla="*/ 107640 h 106920"/>
+                  <a:gd name="textAreaLeft" fmla="*/ 0 w 106560"/>
+                  <a:gd name="textAreaRight" fmla="*/ 107640 w 106560"/>
+                  <a:gd name="textAreaTop" fmla="*/ 0 h 106560"/>
+                  <a:gd name="textAreaBottom" fmla="*/ 107640 h 106560"/>
                 </a:gdLst>
                 <a:ahLst/>
                 <a:rect l="textAreaLeft" t="textAreaTop" r="textAreaRight" b="textAreaBottom"/>
@@ -15335,16 +15335,16 @@
             </p:nvSpPr>
             <p:spPr>
               <a:xfrm rot="5400000">
-                <a:off x="10749960" y="1543320"/>
-                <a:ext cx="106920" cy="106560"/>
+                <a:off x="10750320" y="1543320"/>
+                <a:ext cx="106560" cy="106200"/>
               </a:xfrm>
               <a:custGeom>
                 <a:avLst/>
                 <a:gdLst>
-                  <a:gd name="textAreaLeft" fmla="*/ 0 w 106920"/>
-                  <a:gd name="textAreaRight" fmla="*/ 107640 w 106920"/>
-                  <a:gd name="textAreaTop" fmla="*/ 0 h 106560"/>
-                  <a:gd name="textAreaBottom" fmla="*/ 107280 h 106560"/>
+                  <a:gd name="textAreaLeft" fmla="*/ 0 w 106560"/>
+                  <a:gd name="textAreaRight" fmla="*/ 107640 w 106560"/>
+                  <a:gd name="textAreaTop" fmla="*/ 0 h 106200"/>
+                  <a:gd name="textAreaBottom" fmla="*/ 107280 h 106200"/>
                 </a:gdLst>
                 <a:ahLst/>
                 <a:rect l="textAreaLeft" t="textAreaTop" r="textAreaRight" b="textAreaBottom"/>
@@ -15431,10 +15431,10 @@
         </p:nvGrpSpPr>
         <p:grpSpPr>
           <a:xfrm>
-            <a:off x="324360" y="3390480"/>
-            <a:ext cx="3029040" cy="3207240"/>
-            <a:chOff x="324360" y="3390480"/>
-            <a:chExt cx="3029040" cy="3207240"/>
+            <a:off x="324720" y="3390480"/>
+            <a:ext cx="3028680" cy="3206880"/>
+            <a:chOff x="324720" y="3390480"/>
+            <a:chExt cx="3028680" cy="3206880"/>
           </a:xfrm>
         </p:grpSpPr>
         <p:sp>
@@ -15445,16 +15445,16 @@
           </p:nvSpPr>
           <p:spPr>
             <a:xfrm rot="5400000">
-              <a:off x="2879280" y="6123600"/>
-              <a:ext cx="476280" cy="471600"/>
+              <a:off x="2879640" y="6123600"/>
+              <a:ext cx="475920" cy="471240"/>
             </a:xfrm>
             <a:custGeom>
               <a:avLst/>
               <a:gdLst>
-                <a:gd name="textAreaLeft" fmla="*/ 0 w 476280"/>
-                <a:gd name="textAreaRight" fmla="*/ 477000 w 476280"/>
-                <a:gd name="textAreaTop" fmla="*/ 0 h 471600"/>
-                <a:gd name="textAreaBottom" fmla="*/ 472320 h 471600"/>
+                <a:gd name="textAreaLeft" fmla="*/ 0 w 475920"/>
+                <a:gd name="textAreaRight" fmla="*/ 477000 w 475920"/>
+                <a:gd name="textAreaTop" fmla="*/ 0 h 471240"/>
+                <a:gd name="textAreaBottom" fmla="*/ 472320 h 471240"/>
               </a:gdLst>
               <a:ahLst/>
               <a:rect l="textAreaLeft" t="textAreaTop" r="textAreaRight" b="textAreaBottom"/>
@@ -15617,15 +15617,15 @@
           <p:spPr>
             <a:xfrm rot="5400000">
               <a:off x="423000" y="4043520"/>
-              <a:ext cx="627480" cy="621000"/>
+              <a:ext cx="627120" cy="620640"/>
             </a:xfrm>
             <a:custGeom>
               <a:avLst/>
               <a:gdLst>
-                <a:gd name="textAreaLeft" fmla="*/ 0 w 627480"/>
-                <a:gd name="textAreaRight" fmla="*/ 628200 w 627480"/>
-                <a:gd name="textAreaTop" fmla="*/ 0 h 621000"/>
-                <a:gd name="textAreaBottom" fmla="*/ 621720 h 621000"/>
+                <a:gd name="textAreaLeft" fmla="*/ 0 w 627120"/>
+                <a:gd name="textAreaRight" fmla="*/ 628200 w 627120"/>
+                <a:gd name="textAreaTop" fmla="*/ 0 h 620640"/>
+                <a:gd name="textAreaBottom" fmla="*/ 621720 h 620640"/>
               </a:gdLst>
               <a:ahLst/>
               <a:rect l="textAreaLeft" t="textAreaTop" r="textAreaRight" b="textAreaBottom"/>
@@ -15789,16 +15789,16 @@
           </p:nvSpPr>
           <p:spPr>
             <a:xfrm rot="5400000">
-              <a:off x="865440" y="4632480"/>
-              <a:ext cx="306360" cy="306360"/>
+              <a:off x="865800" y="4632480"/>
+              <a:ext cx="306000" cy="306000"/>
             </a:xfrm>
             <a:custGeom>
               <a:avLst/>
               <a:gdLst>
-                <a:gd name="textAreaLeft" fmla="*/ 0 w 306360"/>
-                <a:gd name="textAreaRight" fmla="*/ 307080 w 306360"/>
-                <a:gd name="textAreaTop" fmla="*/ 0 h 306360"/>
-                <a:gd name="textAreaBottom" fmla="*/ 307080 h 306360"/>
+                <a:gd name="textAreaLeft" fmla="*/ 0 w 306000"/>
+                <a:gd name="textAreaRight" fmla="*/ 307080 w 306000"/>
+                <a:gd name="textAreaTop" fmla="*/ 0 h 306000"/>
+                <a:gd name="textAreaBottom" fmla="*/ 307080 h 306000"/>
               </a:gdLst>
               <a:ahLst/>
               <a:rect l="textAreaLeft" t="textAreaTop" r="textAreaRight" b="textAreaBottom"/>
@@ -15891,16 +15891,16 @@
           </p:nvSpPr>
           <p:spPr>
             <a:xfrm rot="5400000">
-              <a:off x="430560" y="3390480"/>
-              <a:ext cx="306720" cy="306360"/>
+              <a:off x="430920" y="3390480"/>
+              <a:ext cx="306360" cy="306000"/>
             </a:xfrm>
             <a:custGeom>
               <a:avLst/>
               <a:gdLst>
-                <a:gd name="textAreaLeft" fmla="*/ 0 w 306720"/>
-                <a:gd name="textAreaRight" fmla="*/ 307440 w 306720"/>
-                <a:gd name="textAreaTop" fmla="*/ 0 h 306360"/>
-                <a:gd name="textAreaBottom" fmla="*/ 307080 h 306360"/>
+                <a:gd name="textAreaLeft" fmla="*/ 0 w 306360"/>
+                <a:gd name="textAreaRight" fmla="*/ 307440 w 306360"/>
+                <a:gd name="textAreaTop" fmla="*/ 0 h 306000"/>
+                <a:gd name="textAreaBottom" fmla="*/ 307080 h 306000"/>
               </a:gdLst>
               <a:ahLst/>
               <a:rect l="textAreaLeft" t="textAreaTop" r="textAreaRight" b="textAreaBottom"/>
@@ -15993,16 +15993,16 @@
           </p:nvSpPr>
           <p:spPr>
             <a:xfrm rot="5400000">
-              <a:off x="1771920" y="5590080"/>
-              <a:ext cx="930960" cy="931320"/>
+              <a:off x="1772280" y="5590080"/>
+              <a:ext cx="930600" cy="930960"/>
             </a:xfrm>
             <a:custGeom>
               <a:avLst/>
               <a:gdLst>
-                <a:gd name="textAreaLeft" fmla="*/ 0 w 930960"/>
-                <a:gd name="textAreaRight" fmla="*/ 931680 w 930960"/>
-                <a:gd name="textAreaTop" fmla="*/ 0 h 931320"/>
-                <a:gd name="textAreaBottom" fmla="*/ 932040 h 931320"/>
+                <a:gd name="textAreaLeft" fmla="*/ 0 w 930600"/>
+                <a:gd name="textAreaRight" fmla="*/ 931680 w 930600"/>
+                <a:gd name="textAreaTop" fmla="*/ 0 h 930960"/>
+                <a:gd name="textAreaBottom" fmla="*/ 932040 h 930960"/>
               </a:gdLst>
               <a:ahLst/>
               <a:rect l="textAreaLeft" t="textAreaTop" r="textAreaRight" b="textAreaBottom"/>
@@ -16071,10 +16071,10 @@
           </p:nvGrpSpPr>
           <p:grpSpPr>
             <a:xfrm>
-              <a:off x="324360" y="5217120"/>
-              <a:ext cx="1190160" cy="1305720"/>
-              <a:chOff x="324360" y="5217120"/>
-              <a:chExt cx="1190160" cy="1305720"/>
+              <a:off x="324720" y="5217120"/>
+              <a:ext cx="1189800" cy="1305360"/>
+              <a:chOff x="324720" y="5217120"/>
+              <a:chExt cx="1189800" cy="1305360"/>
             </a:xfrm>
           </p:grpSpPr>
           <p:sp>
@@ -16085,16 +16085,16 @@
             </p:nvSpPr>
             <p:spPr>
               <a:xfrm rot="5400000">
-                <a:off x="1406160" y="5217120"/>
-                <a:ext cx="106920" cy="106920"/>
+                <a:off x="1406520" y="5217120"/>
+                <a:ext cx="106560" cy="106560"/>
               </a:xfrm>
               <a:custGeom>
                 <a:avLst/>
                 <a:gdLst>
-                  <a:gd name="textAreaLeft" fmla="*/ 0 w 106920"/>
-                  <a:gd name="textAreaRight" fmla="*/ 107640 w 106920"/>
-                  <a:gd name="textAreaTop" fmla="*/ 0 h 106920"/>
-                  <a:gd name="textAreaBottom" fmla="*/ 107640 h 106920"/>
+                  <a:gd name="textAreaLeft" fmla="*/ 0 w 106560"/>
+                  <a:gd name="textAreaRight" fmla="*/ 107640 w 106560"/>
+                  <a:gd name="textAreaTop" fmla="*/ 0 h 106560"/>
+                  <a:gd name="textAreaBottom" fmla="*/ 107640 h 106560"/>
                 </a:gdLst>
                 <a:ahLst/>
                 <a:rect l="textAreaLeft" t="textAreaTop" r="textAreaRight" b="textAreaBottom"/>
@@ -16173,16 +16173,16 @@
             </p:nvSpPr>
             <p:spPr>
               <a:xfrm rot="5400000">
-                <a:off x="1406520" y="5511600"/>
-                <a:ext cx="106560" cy="106920"/>
+                <a:off x="1406880" y="5511600"/>
+                <a:ext cx="106200" cy="106560"/>
               </a:xfrm>
               <a:custGeom>
                 <a:avLst/>
                 <a:gdLst>
-                  <a:gd name="textAreaLeft" fmla="*/ 0 w 106560"/>
-                  <a:gd name="textAreaRight" fmla="*/ 107280 w 106560"/>
-                  <a:gd name="textAreaTop" fmla="*/ 0 h 106920"/>
-                  <a:gd name="textAreaBottom" fmla="*/ 107640 h 106920"/>
+                  <a:gd name="textAreaLeft" fmla="*/ 0 w 106200"/>
+                  <a:gd name="textAreaRight" fmla="*/ 107280 w 106200"/>
+                  <a:gd name="textAreaTop" fmla="*/ 0 h 106560"/>
+                  <a:gd name="textAreaBottom" fmla="*/ 107640 h 106560"/>
                 </a:gdLst>
                 <a:ahLst/>
                 <a:rect l="textAreaLeft" t="textAreaTop" r="textAreaRight" b="textAreaBottom"/>
@@ -16261,16 +16261,16 @@
             </p:nvSpPr>
             <p:spPr>
               <a:xfrm rot="5400000">
-                <a:off x="1406880" y="5815800"/>
-                <a:ext cx="106920" cy="106920"/>
+                <a:off x="1407240" y="5815800"/>
+                <a:ext cx="106560" cy="106560"/>
               </a:xfrm>
               <a:custGeom>
                 <a:avLst/>
                 <a:gdLst>
-                  <a:gd name="textAreaLeft" fmla="*/ 0 w 106920"/>
-                  <a:gd name="textAreaRight" fmla="*/ 107640 w 106920"/>
-                  <a:gd name="textAreaTop" fmla="*/ 0 h 106920"/>
-                  <a:gd name="textAreaBottom" fmla="*/ 107640 h 106920"/>
+                  <a:gd name="textAreaLeft" fmla="*/ 0 w 106560"/>
+                  <a:gd name="textAreaRight" fmla="*/ 107640 w 106560"/>
+                  <a:gd name="textAreaTop" fmla="*/ 0 h 106560"/>
+                  <a:gd name="textAreaBottom" fmla="*/ 107640 h 106560"/>
                 </a:gdLst>
                 <a:ahLst/>
                 <a:rect l="textAreaLeft" t="textAreaTop" r="textAreaRight" b="textAreaBottom"/>
@@ -16349,16 +16349,16 @@
             </p:nvSpPr>
             <p:spPr>
               <a:xfrm rot="5400000">
-                <a:off x="1407240" y="6115320"/>
-                <a:ext cx="106920" cy="106560"/>
+                <a:off x="1407600" y="6115320"/>
+                <a:ext cx="106560" cy="106200"/>
               </a:xfrm>
               <a:custGeom>
                 <a:avLst/>
                 <a:gdLst>
-                  <a:gd name="textAreaLeft" fmla="*/ 0 w 106920"/>
-                  <a:gd name="textAreaRight" fmla="*/ 107640 w 106920"/>
-                  <a:gd name="textAreaTop" fmla="*/ 0 h 106560"/>
-                  <a:gd name="textAreaBottom" fmla="*/ 107280 h 106560"/>
+                  <a:gd name="textAreaLeft" fmla="*/ 0 w 106560"/>
+                  <a:gd name="textAreaRight" fmla="*/ 107640 w 106560"/>
+                  <a:gd name="textAreaTop" fmla="*/ 0 h 106200"/>
+                  <a:gd name="textAreaBottom" fmla="*/ 107280 h 106200"/>
                 </a:gdLst>
                 <a:ahLst/>
                 <a:rect l="textAreaLeft" t="textAreaTop" r="textAreaRight" b="textAreaBottom"/>
@@ -16442,16 +16442,16 @@
             </p:nvSpPr>
             <p:spPr>
               <a:xfrm rot="5400000">
-                <a:off x="1407600" y="6414480"/>
-                <a:ext cx="106920" cy="106560"/>
+                <a:off x="1407960" y="6414480"/>
+                <a:ext cx="106560" cy="106200"/>
               </a:xfrm>
               <a:custGeom>
                 <a:avLst/>
                 <a:gdLst>
-                  <a:gd name="textAreaLeft" fmla="*/ 0 w 106920"/>
-                  <a:gd name="textAreaRight" fmla="*/ 107640 w 106920"/>
-                  <a:gd name="textAreaTop" fmla="*/ 0 h 106560"/>
-                  <a:gd name="textAreaBottom" fmla="*/ 107280 h 106560"/>
+                  <a:gd name="textAreaLeft" fmla="*/ 0 w 106560"/>
+                  <a:gd name="textAreaRight" fmla="*/ 107640 w 106560"/>
+                  <a:gd name="textAreaTop" fmla="*/ 0 h 106200"/>
+                  <a:gd name="textAreaBottom" fmla="*/ 107280 h 106200"/>
                 </a:gdLst>
                 <a:ahLst/>
                 <a:rect l="textAreaLeft" t="textAreaTop" r="textAreaRight" b="textAreaBottom"/>
@@ -16530,16 +16530,16 @@
             </p:nvSpPr>
             <p:spPr>
               <a:xfrm rot="5400000">
-                <a:off x="1135800" y="5217480"/>
-                <a:ext cx="106920" cy="106920"/>
+                <a:off x="1136160" y="5217480"/>
+                <a:ext cx="106560" cy="106560"/>
               </a:xfrm>
               <a:custGeom>
                 <a:avLst/>
                 <a:gdLst>
-                  <a:gd name="textAreaLeft" fmla="*/ 0 w 106920"/>
-                  <a:gd name="textAreaRight" fmla="*/ 107640 w 106920"/>
-                  <a:gd name="textAreaTop" fmla="*/ 0 h 106920"/>
-                  <a:gd name="textAreaBottom" fmla="*/ 107640 h 106920"/>
+                  <a:gd name="textAreaLeft" fmla="*/ 0 w 106560"/>
+                  <a:gd name="textAreaRight" fmla="*/ 107640 w 106560"/>
+                  <a:gd name="textAreaTop" fmla="*/ 0 h 106560"/>
+                  <a:gd name="textAreaBottom" fmla="*/ 107640 h 106560"/>
                 </a:gdLst>
                 <a:ahLst/>
                 <a:rect l="textAreaLeft" t="textAreaTop" r="textAreaRight" b="textAreaBottom"/>
@@ -16618,16 +16618,16 @@
             </p:nvSpPr>
             <p:spPr>
               <a:xfrm rot="5400000">
-                <a:off x="1136160" y="5511960"/>
-                <a:ext cx="106560" cy="106920"/>
+                <a:off x="1136520" y="5511960"/>
+                <a:ext cx="106200" cy="106560"/>
               </a:xfrm>
               <a:custGeom>
                 <a:avLst/>
                 <a:gdLst>
-                  <a:gd name="textAreaLeft" fmla="*/ 0 w 106560"/>
-                  <a:gd name="textAreaRight" fmla="*/ 107280 w 106560"/>
-                  <a:gd name="textAreaTop" fmla="*/ 0 h 106920"/>
-                  <a:gd name="textAreaBottom" fmla="*/ 107640 h 106920"/>
+                  <a:gd name="textAreaLeft" fmla="*/ 0 w 106200"/>
+                  <a:gd name="textAreaRight" fmla="*/ 107280 w 106200"/>
+                  <a:gd name="textAreaTop" fmla="*/ 0 h 106560"/>
+                  <a:gd name="textAreaBottom" fmla="*/ 107640 h 106560"/>
                 </a:gdLst>
                 <a:ahLst/>
                 <a:rect l="textAreaLeft" t="textAreaTop" r="textAreaRight" b="textAreaBottom"/>
@@ -16706,16 +16706,16 @@
             </p:nvSpPr>
             <p:spPr>
               <a:xfrm rot="5400000">
-                <a:off x="1136520" y="5816160"/>
-                <a:ext cx="106920" cy="106920"/>
+                <a:off x="1136880" y="5816160"/>
+                <a:ext cx="106560" cy="106560"/>
               </a:xfrm>
               <a:custGeom>
                 <a:avLst/>
                 <a:gdLst>
-                  <a:gd name="textAreaLeft" fmla="*/ 0 w 106920"/>
-                  <a:gd name="textAreaRight" fmla="*/ 107640 w 106920"/>
-                  <a:gd name="textAreaTop" fmla="*/ 0 h 106920"/>
-                  <a:gd name="textAreaBottom" fmla="*/ 107640 h 106920"/>
+                  <a:gd name="textAreaLeft" fmla="*/ 0 w 106560"/>
+                  <a:gd name="textAreaRight" fmla="*/ 107640 w 106560"/>
+                  <a:gd name="textAreaTop" fmla="*/ 0 h 106560"/>
+                  <a:gd name="textAreaBottom" fmla="*/ 107640 h 106560"/>
                 </a:gdLst>
                 <a:ahLst/>
                 <a:rect l="textAreaLeft" t="textAreaTop" r="textAreaRight" b="textAreaBottom"/>
@@ -16794,16 +16794,16 @@
             </p:nvSpPr>
             <p:spPr>
               <a:xfrm rot="5400000">
-                <a:off x="1137240" y="6115680"/>
-                <a:ext cx="106560" cy="106560"/>
+                <a:off x="1137600" y="6115680"/>
+                <a:ext cx="106200" cy="106200"/>
               </a:xfrm>
               <a:custGeom>
                 <a:avLst/>
                 <a:gdLst>
-                  <a:gd name="textAreaLeft" fmla="*/ 0 w 106560"/>
-                  <a:gd name="textAreaRight" fmla="*/ 107280 w 106560"/>
-                  <a:gd name="textAreaTop" fmla="*/ 0 h 106560"/>
-                  <a:gd name="textAreaBottom" fmla="*/ 107280 h 106560"/>
+                  <a:gd name="textAreaLeft" fmla="*/ 0 w 106200"/>
+                  <a:gd name="textAreaRight" fmla="*/ 107280 w 106200"/>
+                  <a:gd name="textAreaTop" fmla="*/ 0 h 106200"/>
+                  <a:gd name="textAreaBottom" fmla="*/ 107280 h 106200"/>
                 </a:gdLst>
                 <a:ahLst/>
                 <a:rect l="textAreaLeft" t="textAreaTop" r="textAreaRight" b="textAreaBottom"/>
@@ -16887,16 +16887,16 @@
             </p:nvSpPr>
             <p:spPr>
               <a:xfrm rot="5400000">
-                <a:off x="1137240" y="6414840"/>
-                <a:ext cx="106920" cy="106560"/>
+                <a:off x="1137600" y="6414840"/>
+                <a:ext cx="106560" cy="106200"/>
               </a:xfrm>
               <a:custGeom>
                 <a:avLst/>
                 <a:gdLst>
-                  <a:gd name="textAreaLeft" fmla="*/ 0 w 106920"/>
-                  <a:gd name="textAreaRight" fmla="*/ 107640 w 106920"/>
-                  <a:gd name="textAreaTop" fmla="*/ 0 h 106560"/>
-                  <a:gd name="textAreaBottom" fmla="*/ 107280 h 106560"/>
+                  <a:gd name="textAreaLeft" fmla="*/ 0 w 106560"/>
+                  <a:gd name="textAreaRight" fmla="*/ 107640 w 106560"/>
+                  <a:gd name="textAreaTop" fmla="*/ 0 h 106200"/>
+                  <a:gd name="textAreaBottom" fmla="*/ 107280 h 106200"/>
                 </a:gdLst>
                 <a:ahLst/>
                 <a:rect l="textAreaLeft" t="textAreaTop" r="textAreaRight" b="textAreaBottom"/>
@@ -16975,16 +16975,16 @@
             </p:nvSpPr>
             <p:spPr>
               <a:xfrm rot="5400000">
-                <a:off x="865080" y="5217840"/>
-                <a:ext cx="106920" cy="106560"/>
+                <a:off x="865440" y="5217840"/>
+                <a:ext cx="106560" cy="106200"/>
               </a:xfrm>
               <a:custGeom>
                 <a:avLst/>
                 <a:gdLst>
-                  <a:gd name="textAreaLeft" fmla="*/ 0 w 106920"/>
-                  <a:gd name="textAreaRight" fmla="*/ 107640 w 106920"/>
-                  <a:gd name="textAreaTop" fmla="*/ 0 h 106560"/>
-                  <a:gd name="textAreaBottom" fmla="*/ 107280 h 106560"/>
+                  <a:gd name="textAreaLeft" fmla="*/ 0 w 106560"/>
+                  <a:gd name="textAreaRight" fmla="*/ 107640 w 106560"/>
+                  <a:gd name="textAreaTop" fmla="*/ 0 h 106200"/>
+                  <a:gd name="textAreaBottom" fmla="*/ 107280 h 106200"/>
                 </a:gdLst>
                 <a:ahLst/>
                 <a:rect l="textAreaLeft" t="textAreaTop" r="textAreaRight" b="textAreaBottom"/>
@@ -17068,16 +17068,16 @@
             </p:nvSpPr>
             <p:spPr>
               <a:xfrm rot="5400000">
-                <a:off x="865800" y="5512320"/>
-                <a:ext cx="106560" cy="106920"/>
+                <a:off x="866160" y="5512320"/>
+                <a:ext cx="106200" cy="106560"/>
               </a:xfrm>
               <a:custGeom>
                 <a:avLst/>
                 <a:gdLst>
-                  <a:gd name="textAreaLeft" fmla="*/ 0 w 106560"/>
-                  <a:gd name="textAreaRight" fmla="*/ 107280 w 106560"/>
-                  <a:gd name="textAreaTop" fmla="*/ 0 h 106920"/>
-                  <a:gd name="textAreaBottom" fmla="*/ 107640 h 106920"/>
+                  <a:gd name="textAreaLeft" fmla="*/ 0 w 106200"/>
+                  <a:gd name="textAreaRight" fmla="*/ 107280 w 106200"/>
+                  <a:gd name="textAreaTop" fmla="*/ 0 h 106560"/>
+                  <a:gd name="textAreaBottom" fmla="*/ 107640 h 106560"/>
                 </a:gdLst>
                 <a:ahLst/>
                 <a:rect l="textAreaLeft" t="textAreaTop" r="textAreaRight" b="textAreaBottom"/>
@@ -17156,16 +17156,16 @@
             </p:nvSpPr>
             <p:spPr>
               <a:xfrm rot="5400000">
-                <a:off x="866160" y="5816520"/>
-                <a:ext cx="106920" cy="106920"/>
+                <a:off x="866520" y="5816520"/>
+                <a:ext cx="106560" cy="106560"/>
               </a:xfrm>
               <a:custGeom>
                 <a:avLst/>
                 <a:gdLst>
-                  <a:gd name="textAreaLeft" fmla="*/ 0 w 106920"/>
-                  <a:gd name="textAreaRight" fmla="*/ 107640 w 106920"/>
-                  <a:gd name="textAreaTop" fmla="*/ 0 h 106920"/>
-                  <a:gd name="textAreaBottom" fmla="*/ 107640 h 106920"/>
+                  <a:gd name="textAreaLeft" fmla="*/ 0 w 106560"/>
+                  <a:gd name="textAreaRight" fmla="*/ 107640 w 106560"/>
+                  <a:gd name="textAreaTop" fmla="*/ 0 h 106560"/>
+                  <a:gd name="textAreaBottom" fmla="*/ 107640 h 106560"/>
                 </a:gdLst>
                 <a:ahLst/>
                 <a:rect l="textAreaLeft" t="textAreaTop" r="textAreaRight" b="textAreaBottom"/>
@@ -17244,16 +17244,16 @@
             </p:nvSpPr>
             <p:spPr>
               <a:xfrm rot="5400000">
-                <a:off x="866520" y="6115680"/>
-                <a:ext cx="106560" cy="106920"/>
+                <a:off x="866880" y="6115680"/>
+                <a:ext cx="106200" cy="106560"/>
               </a:xfrm>
               <a:custGeom>
                 <a:avLst/>
                 <a:gdLst>
-                  <a:gd name="textAreaLeft" fmla="*/ 0 w 106560"/>
-                  <a:gd name="textAreaRight" fmla="*/ 107280 w 106560"/>
-                  <a:gd name="textAreaTop" fmla="*/ 0 h 106920"/>
-                  <a:gd name="textAreaBottom" fmla="*/ 107640 h 106920"/>
+                  <a:gd name="textAreaLeft" fmla="*/ 0 w 106200"/>
+                  <a:gd name="textAreaRight" fmla="*/ 107280 w 106200"/>
+                  <a:gd name="textAreaTop" fmla="*/ 0 h 106560"/>
+                  <a:gd name="textAreaBottom" fmla="*/ 107640 h 106560"/>
                 </a:gdLst>
                 <a:ahLst/>
                 <a:rect l="textAreaLeft" t="textAreaTop" r="textAreaRight" b="textAreaBottom"/>
@@ -17332,16 +17332,16 @@
             </p:nvSpPr>
             <p:spPr>
               <a:xfrm rot="5400000">
-                <a:off x="866880" y="6415200"/>
-                <a:ext cx="106920" cy="106560"/>
+                <a:off x="867240" y="6415200"/>
+                <a:ext cx="106560" cy="106200"/>
               </a:xfrm>
               <a:custGeom>
                 <a:avLst/>
                 <a:gdLst>
-                  <a:gd name="textAreaLeft" fmla="*/ 0 w 106920"/>
-                  <a:gd name="textAreaRight" fmla="*/ 107640 w 106920"/>
-                  <a:gd name="textAreaTop" fmla="*/ 0 h 106560"/>
-                  <a:gd name="textAreaBottom" fmla="*/ 107280 h 106560"/>
+                  <a:gd name="textAreaLeft" fmla="*/ 0 w 106560"/>
+                  <a:gd name="textAreaRight" fmla="*/ 107640 w 106560"/>
+                  <a:gd name="textAreaTop" fmla="*/ 0 h 106200"/>
+                  <a:gd name="textAreaBottom" fmla="*/ 107280 h 106200"/>
                 </a:gdLst>
                 <a:ahLst/>
                 <a:rect l="textAreaLeft" t="textAreaTop" r="textAreaRight" b="textAreaBottom"/>
@@ -17420,16 +17420,16 @@
             </p:nvSpPr>
             <p:spPr>
               <a:xfrm rot="5400000">
-                <a:off x="594360" y="5218200"/>
-                <a:ext cx="106920" cy="106560"/>
+                <a:off x="594720" y="5218200"/>
+                <a:ext cx="106560" cy="106200"/>
               </a:xfrm>
               <a:custGeom>
                 <a:avLst/>
                 <a:gdLst>
-                  <a:gd name="textAreaLeft" fmla="*/ 0 w 106920"/>
-                  <a:gd name="textAreaRight" fmla="*/ 107640 w 106920"/>
-                  <a:gd name="textAreaTop" fmla="*/ 0 h 106560"/>
-                  <a:gd name="textAreaBottom" fmla="*/ 107280 h 106560"/>
+                  <a:gd name="textAreaLeft" fmla="*/ 0 w 106560"/>
+                  <a:gd name="textAreaRight" fmla="*/ 107640 w 106560"/>
+                  <a:gd name="textAreaTop" fmla="*/ 0 h 106200"/>
+                  <a:gd name="textAreaBottom" fmla="*/ 107280 h 106200"/>
                 </a:gdLst>
                 <a:ahLst/>
                 <a:rect l="textAreaLeft" t="textAreaTop" r="textAreaRight" b="textAreaBottom"/>
@@ -17513,16 +17513,16 @@
             </p:nvSpPr>
             <p:spPr>
               <a:xfrm rot="5400000">
-                <a:off x="595080" y="5512680"/>
-                <a:ext cx="106560" cy="106920"/>
+                <a:off x="595440" y="5512680"/>
+                <a:ext cx="106200" cy="106560"/>
               </a:xfrm>
               <a:custGeom>
                 <a:avLst/>
                 <a:gdLst>
-                  <a:gd name="textAreaLeft" fmla="*/ 0 w 106560"/>
-                  <a:gd name="textAreaRight" fmla="*/ 107280 w 106560"/>
-                  <a:gd name="textAreaTop" fmla="*/ 0 h 106920"/>
-                  <a:gd name="textAreaBottom" fmla="*/ 107640 h 106920"/>
+                  <a:gd name="textAreaLeft" fmla="*/ 0 w 106200"/>
+                  <a:gd name="textAreaRight" fmla="*/ 107280 w 106200"/>
+                  <a:gd name="textAreaTop" fmla="*/ 0 h 106560"/>
+                  <a:gd name="textAreaBottom" fmla="*/ 107640 h 106560"/>
                 </a:gdLst>
                 <a:ahLst/>
                 <a:rect l="textAreaLeft" t="textAreaTop" r="textAreaRight" b="textAreaBottom"/>
@@ -17601,16 +17601,16 @@
             </p:nvSpPr>
             <p:spPr>
               <a:xfrm rot="5400000">
-                <a:off x="595440" y="5816880"/>
-                <a:ext cx="106920" cy="106920"/>
+                <a:off x="595800" y="5816880"/>
+                <a:ext cx="106560" cy="106560"/>
               </a:xfrm>
               <a:custGeom>
                 <a:avLst/>
                 <a:gdLst>
-                  <a:gd name="textAreaLeft" fmla="*/ 0 w 106920"/>
-                  <a:gd name="textAreaRight" fmla="*/ 107640 w 106920"/>
-                  <a:gd name="textAreaTop" fmla="*/ 0 h 106920"/>
-                  <a:gd name="textAreaBottom" fmla="*/ 107640 h 106920"/>
+                  <a:gd name="textAreaLeft" fmla="*/ 0 w 106560"/>
+                  <a:gd name="textAreaRight" fmla="*/ 107640 w 106560"/>
+                  <a:gd name="textAreaTop" fmla="*/ 0 h 106560"/>
+                  <a:gd name="textAreaBottom" fmla="*/ 107640 h 106560"/>
                 </a:gdLst>
                 <a:ahLst/>
                 <a:rect l="textAreaLeft" t="textAreaTop" r="textAreaRight" b="textAreaBottom"/>
@@ -17689,16 +17689,16 @@
             </p:nvSpPr>
             <p:spPr>
               <a:xfrm rot="5400000">
-                <a:off x="595800" y="6116040"/>
-                <a:ext cx="106560" cy="106920"/>
+                <a:off x="596160" y="6116040"/>
+                <a:ext cx="106200" cy="106560"/>
               </a:xfrm>
               <a:custGeom>
                 <a:avLst/>
                 <a:gdLst>
-                  <a:gd name="textAreaLeft" fmla="*/ 0 w 106560"/>
-                  <a:gd name="textAreaRight" fmla="*/ 107280 w 106560"/>
-                  <a:gd name="textAreaTop" fmla="*/ 0 h 106920"/>
-                  <a:gd name="textAreaBottom" fmla="*/ 107640 h 106920"/>
+                  <a:gd name="textAreaLeft" fmla="*/ 0 w 106200"/>
+                  <a:gd name="textAreaRight" fmla="*/ 107280 w 106200"/>
+                  <a:gd name="textAreaTop" fmla="*/ 0 h 106560"/>
+                  <a:gd name="textAreaBottom" fmla="*/ 107640 h 106560"/>
                 </a:gdLst>
                 <a:ahLst/>
                 <a:rect l="textAreaLeft" t="textAreaTop" r="textAreaRight" b="textAreaBottom"/>
@@ -17777,16 +17777,16 @@
             </p:nvSpPr>
             <p:spPr>
               <a:xfrm rot="5400000">
-                <a:off x="596160" y="6415560"/>
-                <a:ext cx="106920" cy="106560"/>
+                <a:off x="596520" y="6415560"/>
+                <a:ext cx="106560" cy="106200"/>
               </a:xfrm>
               <a:custGeom>
                 <a:avLst/>
                 <a:gdLst>
-                  <a:gd name="textAreaLeft" fmla="*/ 0 w 106920"/>
-                  <a:gd name="textAreaRight" fmla="*/ 107640 w 106920"/>
-                  <a:gd name="textAreaTop" fmla="*/ 0 h 106560"/>
-                  <a:gd name="textAreaBottom" fmla="*/ 107280 h 106560"/>
+                  <a:gd name="textAreaLeft" fmla="*/ 0 w 106560"/>
+                  <a:gd name="textAreaRight" fmla="*/ 107640 w 106560"/>
+                  <a:gd name="textAreaTop" fmla="*/ 0 h 106200"/>
+                  <a:gd name="textAreaBottom" fmla="*/ 107280 h 106200"/>
                 </a:gdLst>
                 <a:ahLst/>
                 <a:rect l="textAreaLeft" t="textAreaTop" r="textAreaRight" b="textAreaBottom"/>
@@ -17865,16 +17865,16 @@
             </p:nvSpPr>
             <p:spPr>
               <a:xfrm rot="5400000">
-                <a:off x="324000" y="5218560"/>
-                <a:ext cx="106920" cy="106560"/>
+                <a:off x="324360" y="5218560"/>
+                <a:ext cx="106560" cy="106200"/>
               </a:xfrm>
               <a:custGeom>
                 <a:avLst/>
                 <a:gdLst>
-                  <a:gd name="textAreaLeft" fmla="*/ 0 w 106920"/>
-                  <a:gd name="textAreaRight" fmla="*/ 107640 w 106920"/>
-                  <a:gd name="textAreaTop" fmla="*/ 0 h 106560"/>
-                  <a:gd name="textAreaBottom" fmla="*/ 107280 h 106560"/>
+                  <a:gd name="textAreaLeft" fmla="*/ 0 w 106560"/>
+                  <a:gd name="textAreaRight" fmla="*/ 107640 w 106560"/>
+                  <a:gd name="textAreaTop" fmla="*/ 0 h 106200"/>
+                  <a:gd name="textAreaBottom" fmla="*/ 107280 h 106200"/>
                 </a:gdLst>
                 <a:ahLst/>
                 <a:rect l="textAreaLeft" t="textAreaTop" r="textAreaRight" b="textAreaBottom"/>
@@ -17953,16 +17953,16 @@
             </p:nvSpPr>
             <p:spPr>
               <a:xfrm rot="5400000">
-                <a:off x="324720" y="5513040"/>
-                <a:ext cx="106920" cy="106920"/>
+                <a:off x="325080" y="5513040"/>
+                <a:ext cx="106560" cy="106560"/>
               </a:xfrm>
               <a:custGeom>
                 <a:avLst/>
                 <a:gdLst>
-                  <a:gd name="textAreaLeft" fmla="*/ 0 w 106920"/>
-                  <a:gd name="textAreaRight" fmla="*/ 107640 w 106920"/>
-                  <a:gd name="textAreaTop" fmla="*/ 0 h 106920"/>
-                  <a:gd name="textAreaBottom" fmla="*/ 107640 h 106920"/>
+                  <a:gd name="textAreaLeft" fmla="*/ 0 w 106560"/>
+                  <a:gd name="textAreaRight" fmla="*/ 107640 w 106560"/>
+                  <a:gd name="textAreaTop" fmla="*/ 0 h 106560"/>
+                  <a:gd name="textAreaBottom" fmla="*/ 107640 h 106560"/>
                 </a:gdLst>
                 <a:ahLst/>
                 <a:rect l="textAreaLeft" t="textAreaTop" r="textAreaRight" b="textAreaBottom"/>
@@ -18041,16 +18041,16 @@
             </p:nvSpPr>
             <p:spPr>
               <a:xfrm rot="5400000">
-                <a:off x="325080" y="5817240"/>
-                <a:ext cx="106920" cy="106920"/>
+                <a:off x="325440" y="5817240"/>
+                <a:ext cx="106560" cy="106560"/>
               </a:xfrm>
               <a:custGeom>
                 <a:avLst/>
                 <a:gdLst>
-                  <a:gd name="textAreaLeft" fmla="*/ 0 w 106920"/>
-                  <a:gd name="textAreaRight" fmla="*/ 107640 w 106920"/>
-                  <a:gd name="textAreaTop" fmla="*/ 0 h 106920"/>
-                  <a:gd name="textAreaBottom" fmla="*/ 107640 h 106920"/>
+                  <a:gd name="textAreaLeft" fmla="*/ 0 w 106560"/>
+                  <a:gd name="textAreaRight" fmla="*/ 107640 w 106560"/>
+                  <a:gd name="textAreaTop" fmla="*/ 0 h 106560"/>
+                  <a:gd name="textAreaBottom" fmla="*/ 107640 h 106560"/>
                 </a:gdLst>
                 <a:ahLst/>
                 <a:rect l="textAreaLeft" t="textAreaTop" r="textAreaRight" b="textAreaBottom"/>
@@ -18129,16 +18129,16 @@
             </p:nvSpPr>
             <p:spPr>
               <a:xfrm rot="5400000">
-                <a:off x="325440" y="6116400"/>
-                <a:ext cx="106920" cy="106920"/>
+                <a:off x="325800" y="6116400"/>
+                <a:ext cx="106560" cy="106560"/>
               </a:xfrm>
               <a:custGeom>
                 <a:avLst/>
                 <a:gdLst>
-                  <a:gd name="textAreaLeft" fmla="*/ 0 w 106920"/>
-                  <a:gd name="textAreaRight" fmla="*/ 107640 w 106920"/>
-                  <a:gd name="textAreaTop" fmla="*/ 0 h 106920"/>
-                  <a:gd name="textAreaBottom" fmla="*/ 107640 h 106920"/>
+                  <a:gd name="textAreaLeft" fmla="*/ 0 w 106560"/>
+                  <a:gd name="textAreaRight" fmla="*/ 107640 w 106560"/>
+                  <a:gd name="textAreaTop" fmla="*/ 0 h 106560"/>
+                  <a:gd name="textAreaBottom" fmla="*/ 107640 h 106560"/>
                 </a:gdLst>
                 <a:ahLst/>
                 <a:rect l="textAreaLeft" t="textAreaTop" r="textAreaRight" b="textAreaBottom"/>
@@ -18217,16 +18217,16 @@
             </p:nvSpPr>
             <p:spPr>
               <a:xfrm rot="5400000">
-                <a:off x="325800" y="6415920"/>
-                <a:ext cx="106920" cy="106560"/>
+                <a:off x="326160" y="6415920"/>
+                <a:ext cx="106560" cy="106200"/>
               </a:xfrm>
               <a:custGeom>
                 <a:avLst/>
                 <a:gdLst>
-                  <a:gd name="textAreaLeft" fmla="*/ 0 w 106920"/>
-                  <a:gd name="textAreaRight" fmla="*/ 107640 w 106920"/>
-                  <a:gd name="textAreaTop" fmla="*/ 0 h 106560"/>
-                  <a:gd name="textAreaBottom" fmla="*/ 107280 h 106560"/>
+                  <a:gd name="textAreaLeft" fmla="*/ 0 w 106560"/>
+                  <a:gd name="textAreaRight" fmla="*/ 107640 w 106560"/>
+                  <a:gd name="textAreaTop" fmla="*/ 0 h 106200"/>
+                  <a:gd name="textAreaBottom" fmla="*/ 107280 h 106200"/>
                 </a:gdLst>
                 <a:ahLst/>
                 <a:rect l="textAreaLeft" t="textAreaTop" r="textAreaRight" b="textAreaBottom"/>
@@ -18317,7 +18317,7 @@
         <p:spPr>
           <a:xfrm>
             <a:off x="377280" y="439200"/>
-            <a:ext cx="4114080" cy="364320"/>
+            <a:ext cx="4113720" cy="363960"/>
           </a:xfrm>
           <a:prstGeom prst="rect">
             <a:avLst/>
@@ -18389,7 +18389,7 @@
         <p:spPr>
           <a:xfrm>
             <a:off x="3580920" y="2057040"/>
-            <a:ext cx="2742480" cy="364320"/>
+            <a:ext cx="2742120" cy="363960"/>
           </a:xfrm>
           <a:prstGeom prst="rect">
             <a:avLst/>
@@ -18763,7 +18763,7 @@
         <p:spPr>
           <a:xfrm>
             <a:off x="409680" y="365040"/>
-            <a:ext cx="53280" cy="856800"/>
+            <a:ext cx="52920" cy="856440"/>
           </a:xfrm>
           <a:prstGeom prst="rect">
             <a:avLst/>
@@ -18818,15 +18818,15 @@
         <p:spPr>
           <a:xfrm rot="5400000">
             <a:off x="200160" y="5639760"/>
-            <a:ext cx="586440" cy="586440"/>
+            <a:ext cx="586080" cy="586080"/>
           </a:xfrm>
           <a:custGeom>
             <a:avLst/>
             <a:gdLst>
-              <a:gd name="textAreaLeft" fmla="*/ 0 w 586440"/>
-              <a:gd name="textAreaRight" fmla="*/ 587160 w 586440"/>
-              <a:gd name="textAreaTop" fmla="*/ 0 h 586440"/>
-              <a:gd name="textAreaBottom" fmla="*/ 587160 h 586440"/>
+              <a:gd name="textAreaLeft" fmla="*/ 0 w 586080"/>
+              <a:gd name="textAreaRight" fmla="*/ 587160 w 586080"/>
+              <a:gd name="textAreaTop" fmla="*/ 0 h 586080"/>
+              <a:gd name="textAreaBottom" fmla="*/ 587160 h 586080"/>
             </a:gdLst>
             <a:ahLst/>
             <a:rect l="textAreaLeft" t="textAreaTop" r="textAreaRight" b="textAreaBottom"/>
@@ -18895,16 +18895,16 @@
         </p:nvSpPr>
         <p:spPr>
           <a:xfrm rot="5400000">
-            <a:off x="1213920" y="6261480"/>
-            <a:ext cx="353160" cy="349560"/>
+            <a:off x="1214280" y="6261480"/>
+            <a:ext cx="352800" cy="349200"/>
           </a:xfrm>
           <a:custGeom>
             <a:avLst/>
             <a:gdLst>
-              <a:gd name="textAreaLeft" fmla="*/ 0 w 353160"/>
-              <a:gd name="textAreaRight" fmla="*/ 353880 w 353160"/>
-              <a:gd name="textAreaTop" fmla="*/ 0 h 349560"/>
-              <a:gd name="textAreaBottom" fmla="*/ 350280 h 349560"/>
+              <a:gd name="textAreaLeft" fmla="*/ 0 w 352800"/>
+              <a:gd name="textAreaRight" fmla="*/ 353880 w 352800"/>
+              <a:gd name="textAreaTop" fmla="*/ 0 h 349200"/>
+              <a:gd name="textAreaBottom" fmla="*/ 350280 h 349200"/>
             </a:gdLst>
             <a:ahLst/>
             <a:rect l="textAreaLeft" t="textAreaTop" r="textAreaRight" b="textAreaBottom"/>
@@ -19066,16 +19066,16 @@
         </p:nvSpPr>
         <p:spPr>
           <a:xfrm rot="5400000">
-            <a:off x="7602840" y="287640"/>
-            <a:ext cx="505080" cy="500400"/>
+            <a:off x="7603200" y="287640"/>
+            <a:ext cx="504720" cy="500040"/>
           </a:xfrm>
           <a:custGeom>
             <a:avLst/>
             <a:gdLst>
-              <a:gd name="textAreaLeft" fmla="*/ 0 w 505080"/>
-              <a:gd name="textAreaRight" fmla="*/ 505800 w 505080"/>
-              <a:gd name="textAreaTop" fmla="*/ 0 h 500400"/>
-              <a:gd name="textAreaBottom" fmla="*/ 501120 h 500400"/>
+              <a:gd name="textAreaLeft" fmla="*/ 0 w 504720"/>
+              <a:gd name="textAreaRight" fmla="*/ 505800 w 504720"/>
+              <a:gd name="textAreaTop" fmla="*/ 0 h 500040"/>
+              <a:gd name="textAreaBottom" fmla="*/ 501120 h 500040"/>
             </a:gdLst>
             <a:ahLst/>
             <a:rect l="textAreaLeft" t="textAreaTop" r="textAreaRight" b="textAreaBottom"/>
@@ -19237,16 +19237,16 @@
         </p:nvSpPr>
         <p:spPr>
           <a:xfrm rot="5400000">
-            <a:off x="11656800" y="5758200"/>
-            <a:ext cx="353160" cy="349560"/>
+            <a:off x="11657160" y="5758200"/>
+            <a:ext cx="352800" cy="349200"/>
           </a:xfrm>
           <a:custGeom>
             <a:avLst/>
             <a:gdLst>
-              <a:gd name="textAreaLeft" fmla="*/ 0 w 353160"/>
-              <a:gd name="textAreaRight" fmla="*/ 353880 w 353160"/>
-              <a:gd name="textAreaTop" fmla="*/ 0 h 349560"/>
-              <a:gd name="textAreaBottom" fmla="*/ 350280 h 349560"/>
+              <a:gd name="textAreaLeft" fmla="*/ 0 w 352800"/>
+              <a:gd name="textAreaRight" fmla="*/ 353880 w 352800"/>
+              <a:gd name="textAreaTop" fmla="*/ 0 h 349200"/>
+              <a:gd name="textAreaBottom" fmla="*/ 350280 h 349200"/>
             </a:gdLst>
             <a:ahLst/>
             <a:rect l="textAreaLeft" t="textAreaTop" r="textAreaRight" b="textAreaBottom"/>
@@ -19408,16 +19408,16 @@
         </p:nvSpPr>
         <p:spPr>
           <a:xfrm rot="5400000">
-            <a:off x="11503080" y="1041840"/>
-            <a:ext cx="390960" cy="390960"/>
+            <a:off x="11503440" y="1041840"/>
+            <a:ext cx="390600" cy="390600"/>
           </a:xfrm>
           <a:custGeom>
             <a:avLst/>
             <a:gdLst>
-              <a:gd name="textAreaLeft" fmla="*/ 0 w 390960"/>
-              <a:gd name="textAreaRight" fmla="*/ 391680 w 390960"/>
-              <a:gd name="textAreaTop" fmla="*/ 0 h 390960"/>
-              <a:gd name="textAreaBottom" fmla="*/ 391680 h 390960"/>
+              <a:gd name="textAreaLeft" fmla="*/ 0 w 390600"/>
+              <a:gd name="textAreaRight" fmla="*/ 391680 w 390600"/>
+              <a:gd name="textAreaTop" fmla="*/ 0 h 390600"/>
+              <a:gd name="textAreaBottom" fmla="*/ 391680 h 390600"/>
             </a:gdLst>
             <a:ahLst/>
             <a:rect l="textAreaLeft" t="textAreaTop" r="textAreaRight" b="textAreaBottom"/>
@@ -19510,10 +19510,10 @@
         </p:nvGrpSpPr>
         <p:grpSpPr>
           <a:xfrm>
-            <a:off x="10809360" y="353520"/>
-            <a:ext cx="1128240" cy="439560"/>
-            <a:chOff x="10809360" y="353520"/>
-            <a:chExt cx="1128240" cy="439560"/>
+            <a:off x="10809720" y="353520"/>
+            <a:ext cx="1127880" cy="439200"/>
+            <a:chOff x="10809720" y="353520"/>
+            <a:chExt cx="1127880" cy="439200"/>
           </a:xfrm>
         </p:grpSpPr>
         <p:sp>
@@ -19524,16 +19524,16 @@
           </p:nvSpPr>
           <p:spPr>
             <a:xfrm rot="5400000">
-              <a:off x="10811880" y="691560"/>
-              <a:ext cx="101520" cy="101160"/>
+              <a:off x="10812240" y="691560"/>
+              <a:ext cx="101160" cy="100800"/>
             </a:xfrm>
             <a:custGeom>
               <a:avLst/>
               <a:gdLst>
-                <a:gd name="textAreaLeft" fmla="*/ 0 w 101520"/>
-                <a:gd name="textAreaRight" fmla="*/ 102240 w 101520"/>
-                <a:gd name="textAreaTop" fmla="*/ 0 h 101160"/>
-                <a:gd name="textAreaBottom" fmla="*/ 101880 h 101160"/>
+                <a:gd name="textAreaLeft" fmla="*/ 0 w 101160"/>
+                <a:gd name="textAreaRight" fmla="*/ 102240 w 101160"/>
+                <a:gd name="textAreaTop" fmla="*/ 0 h 100800"/>
+                <a:gd name="textAreaBottom" fmla="*/ 101880 h 100800"/>
               </a:gdLst>
               <a:ahLst/>
               <a:rect l="textAreaLeft" t="textAreaTop" r="textAreaRight" b="textAreaBottom"/>
@@ -19620,16 +19620,16 @@
           </p:nvSpPr>
           <p:spPr>
             <a:xfrm rot="5400000">
-              <a:off x="10809000" y="363240"/>
-              <a:ext cx="101520" cy="101160"/>
+              <a:off x="10809360" y="363240"/>
+              <a:ext cx="101160" cy="100800"/>
             </a:xfrm>
             <a:custGeom>
               <a:avLst/>
               <a:gdLst>
-                <a:gd name="textAreaLeft" fmla="*/ 0 w 101520"/>
-                <a:gd name="textAreaRight" fmla="*/ 102240 w 101520"/>
-                <a:gd name="textAreaTop" fmla="*/ 0 h 101160"/>
-                <a:gd name="textAreaBottom" fmla="*/ 101880 h 101160"/>
+                <a:gd name="textAreaLeft" fmla="*/ 0 w 101160"/>
+                <a:gd name="textAreaRight" fmla="*/ 102240 w 101160"/>
+                <a:gd name="textAreaTop" fmla="*/ 0 h 100800"/>
+                <a:gd name="textAreaBottom" fmla="*/ 101880 h 100800"/>
               </a:gdLst>
               <a:ahLst/>
               <a:rect l="textAreaLeft" t="textAreaTop" r="textAreaRight" b="textAreaBottom"/>
@@ -19716,16 +19716,16 @@
           </p:nvSpPr>
           <p:spPr>
             <a:xfrm rot="5400000">
-              <a:off x="11068200" y="689040"/>
-              <a:ext cx="101520" cy="101160"/>
+              <a:off x="11068560" y="689040"/>
+              <a:ext cx="101160" cy="100800"/>
             </a:xfrm>
             <a:custGeom>
               <a:avLst/>
               <a:gdLst>
-                <a:gd name="textAreaLeft" fmla="*/ 0 w 101520"/>
-                <a:gd name="textAreaRight" fmla="*/ 102240 w 101520"/>
-                <a:gd name="textAreaTop" fmla="*/ 0 h 101160"/>
-                <a:gd name="textAreaBottom" fmla="*/ 101880 h 101160"/>
+                <a:gd name="textAreaLeft" fmla="*/ 0 w 101160"/>
+                <a:gd name="textAreaRight" fmla="*/ 102240 w 101160"/>
+                <a:gd name="textAreaTop" fmla="*/ 0 h 100800"/>
+                <a:gd name="textAreaBottom" fmla="*/ 101880 h 100800"/>
               </a:gdLst>
               <a:ahLst/>
               <a:rect l="textAreaLeft" t="textAreaTop" r="textAreaRight" b="textAreaBottom"/>
@@ -19812,16 +19812,16 @@
           </p:nvSpPr>
           <p:spPr>
             <a:xfrm rot="5400000">
-              <a:off x="11065320" y="361080"/>
-              <a:ext cx="101520" cy="100800"/>
+              <a:off x="11065680" y="361080"/>
+              <a:ext cx="101160" cy="100440"/>
             </a:xfrm>
             <a:custGeom>
               <a:avLst/>
               <a:gdLst>
-                <a:gd name="textAreaLeft" fmla="*/ 0 w 101520"/>
-                <a:gd name="textAreaRight" fmla="*/ 102240 w 101520"/>
-                <a:gd name="textAreaTop" fmla="*/ 0 h 100800"/>
-                <a:gd name="textAreaBottom" fmla="*/ 101520 h 100800"/>
+                <a:gd name="textAreaLeft" fmla="*/ 0 w 101160"/>
+                <a:gd name="textAreaRight" fmla="*/ 102240 w 101160"/>
+                <a:gd name="textAreaTop" fmla="*/ 0 h 100440"/>
+                <a:gd name="textAreaBottom" fmla="*/ 101520 h 100440"/>
               </a:gdLst>
               <a:ahLst/>
               <a:rect l="textAreaLeft" t="textAreaTop" r="textAreaRight" b="textAreaBottom"/>
@@ -19908,16 +19908,16 @@
           </p:nvSpPr>
           <p:spPr>
             <a:xfrm rot="5400000">
-              <a:off x="11324160" y="687240"/>
-              <a:ext cx="101520" cy="100800"/>
+              <a:off x="11324520" y="687240"/>
+              <a:ext cx="101160" cy="100440"/>
             </a:xfrm>
             <a:custGeom>
               <a:avLst/>
               <a:gdLst>
-                <a:gd name="textAreaLeft" fmla="*/ 0 w 101520"/>
-                <a:gd name="textAreaRight" fmla="*/ 102240 w 101520"/>
-                <a:gd name="textAreaTop" fmla="*/ 0 h 100800"/>
-                <a:gd name="textAreaBottom" fmla="*/ 101520 h 100800"/>
+                <a:gd name="textAreaLeft" fmla="*/ 0 w 101160"/>
+                <a:gd name="textAreaRight" fmla="*/ 102240 w 101160"/>
+                <a:gd name="textAreaTop" fmla="*/ 0 h 100440"/>
+                <a:gd name="textAreaBottom" fmla="*/ 101520 h 100440"/>
               </a:gdLst>
               <a:ahLst/>
               <a:rect l="textAreaLeft" t="textAreaTop" r="textAreaRight" b="textAreaBottom"/>
@@ -20004,16 +20004,16 @@
           </p:nvSpPr>
           <p:spPr>
             <a:xfrm rot="5400000">
-              <a:off x="11320920" y="358200"/>
-              <a:ext cx="101520" cy="101160"/>
+              <a:off x="11321280" y="358200"/>
+              <a:ext cx="101160" cy="100800"/>
             </a:xfrm>
             <a:custGeom>
               <a:avLst/>
               <a:gdLst>
-                <a:gd name="textAreaLeft" fmla="*/ 0 w 101520"/>
-                <a:gd name="textAreaRight" fmla="*/ 102240 w 101520"/>
-                <a:gd name="textAreaTop" fmla="*/ 0 h 101160"/>
-                <a:gd name="textAreaBottom" fmla="*/ 101880 h 101160"/>
+                <a:gd name="textAreaLeft" fmla="*/ 0 w 101160"/>
+                <a:gd name="textAreaRight" fmla="*/ 102240 w 101160"/>
+                <a:gd name="textAreaTop" fmla="*/ 0 h 100800"/>
+                <a:gd name="textAreaBottom" fmla="*/ 101880 h 100800"/>
               </a:gdLst>
               <a:ahLst/>
               <a:rect l="textAreaLeft" t="textAreaTop" r="textAreaRight" b="textAreaBottom"/>
@@ -20095,16 +20095,16 @@
           </p:nvSpPr>
           <p:spPr>
             <a:xfrm rot="5400000">
-              <a:off x="11580120" y="684360"/>
-              <a:ext cx="101520" cy="101160"/>
+              <a:off x="11580480" y="684360"/>
+              <a:ext cx="101160" cy="100800"/>
             </a:xfrm>
             <a:custGeom>
               <a:avLst/>
               <a:gdLst>
-                <a:gd name="textAreaLeft" fmla="*/ 0 w 101520"/>
-                <a:gd name="textAreaRight" fmla="*/ 102240 w 101520"/>
-                <a:gd name="textAreaTop" fmla="*/ 0 h 101160"/>
-                <a:gd name="textAreaBottom" fmla="*/ 101880 h 101160"/>
+                <a:gd name="textAreaLeft" fmla="*/ 0 w 101160"/>
+                <a:gd name="textAreaRight" fmla="*/ 102240 w 101160"/>
+                <a:gd name="textAreaTop" fmla="*/ 0 h 100800"/>
+                <a:gd name="textAreaBottom" fmla="*/ 101880 h 100800"/>
               </a:gdLst>
               <a:ahLst/>
               <a:rect l="textAreaLeft" t="textAreaTop" r="textAreaRight" b="textAreaBottom"/>
@@ -20191,16 +20191,16 @@
           </p:nvSpPr>
           <p:spPr>
             <a:xfrm rot="5400000">
-              <a:off x="11577240" y="356040"/>
-              <a:ext cx="101160" cy="101160"/>
+              <a:off x="11577600" y="356040"/>
+              <a:ext cx="100800" cy="100800"/>
             </a:xfrm>
             <a:custGeom>
               <a:avLst/>
               <a:gdLst>
-                <a:gd name="textAreaLeft" fmla="*/ 0 w 101160"/>
-                <a:gd name="textAreaRight" fmla="*/ 101880 w 101160"/>
-                <a:gd name="textAreaTop" fmla="*/ 0 h 101160"/>
-                <a:gd name="textAreaBottom" fmla="*/ 101880 h 101160"/>
+                <a:gd name="textAreaLeft" fmla="*/ 0 w 100800"/>
+                <a:gd name="textAreaRight" fmla="*/ 101880 w 100800"/>
+                <a:gd name="textAreaTop" fmla="*/ 0 h 100800"/>
+                <a:gd name="textAreaBottom" fmla="*/ 101880 h 100800"/>
               </a:gdLst>
               <a:ahLst/>
               <a:rect l="textAreaLeft" t="textAreaTop" r="textAreaRight" b="textAreaBottom"/>
@@ -20287,16 +20287,16 @@
           </p:nvSpPr>
           <p:spPr>
             <a:xfrm rot="5400000">
-              <a:off x="11836440" y="681840"/>
-              <a:ext cx="101160" cy="101160"/>
+              <a:off x="11836800" y="681840"/>
+              <a:ext cx="100800" cy="100800"/>
             </a:xfrm>
             <a:custGeom>
               <a:avLst/>
               <a:gdLst>
-                <a:gd name="textAreaLeft" fmla="*/ 0 w 101160"/>
-                <a:gd name="textAreaRight" fmla="*/ 101880 w 101160"/>
-                <a:gd name="textAreaTop" fmla="*/ 0 h 101160"/>
-                <a:gd name="textAreaBottom" fmla="*/ 101880 h 101160"/>
+                <a:gd name="textAreaLeft" fmla="*/ 0 w 100800"/>
+                <a:gd name="textAreaRight" fmla="*/ 101880 w 100800"/>
+                <a:gd name="textAreaTop" fmla="*/ 0 h 100800"/>
+                <a:gd name="textAreaBottom" fmla="*/ 101880 h 100800"/>
               </a:gdLst>
               <a:ahLst/>
               <a:rect l="textAreaLeft" t="textAreaTop" r="textAreaRight" b="textAreaBottom"/>
@@ -20383,16 +20383,16 @@
           </p:nvSpPr>
           <p:spPr>
             <a:xfrm rot="5400000">
-              <a:off x="11833200" y="353520"/>
-              <a:ext cx="101520" cy="101160"/>
+              <a:off x="11833560" y="353520"/>
+              <a:ext cx="101160" cy="100800"/>
             </a:xfrm>
             <a:custGeom>
               <a:avLst/>
               <a:gdLst>
-                <a:gd name="textAreaLeft" fmla="*/ 0 w 101520"/>
-                <a:gd name="textAreaRight" fmla="*/ 102240 w 101520"/>
-                <a:gd name="textAreaTop" fmla="*/ 0 h 101160"/>
-                <a:gd name="textAreaBottom" fmla="*/ 101880 h 101160"/>
+                <a:gd name="textAreaLeft" fmla="*/ 0 w 101160"/>
+                <a:gd name="textAreaRight" fmla="*/ 102240 w 101160"/>
+                <a:gd name="textAreaTop" fmla="*/ 0 h 100800"/>
+                <a:gd name="textAreaBottom" fmla="*/ 101880 h 100800"/>
               </a:gdLst>
               <a:ahLst/>
               <a:rect l="textAreaLeft" t="textAreaTop" r="textAreaRight" b="textAreaBottom"/>
@@ -20799,7 +20799,7 @@
         <p:spPr>
           <a:xfrm>
             <a:off x="411480" y="493200"/>
-            <a:ext cx="53280" cy="4319280"/>
+            <a:ext cx="52920" cy="4318920"/>
           </a:xfrm>
           <a:prstGeom prst="rect">
             <a:avLst/>
@@ -20854,9 +20854,9 @@
         <p:grpSpPr>
           <a:xfrm>
             <a:off x="200520" y="227160"/>
-            <a:ext cx="11807640" cy="6385680"/>
+            <a:ext cx="11807640" cy="6385320"/>
             <a:chOff x="200520" y="227160"/>
-            <a:chExt cx="11807640" cy="6385680"/>
+            <a:chExt cx="11807640" cy="6385320"/>
           </a:xfrm>
         </p:grpSpPr>
         <p:sp>
@@ -20868,15 +20868,15 @@
           <p:spPr>
             <a:xfrm rot="5400000">
               <a:off x="200160" y="5639760"/>
-              <a:ext cx="586440" cy="586440"/>
+              <a:ext cx="586080" cy="586080"/>
             </a:xfrm>
             <a:custGeom>
               <a:avLst/>
               <a:gdLst>
-                <a:gd name="textAreaLeft" fmla="*/ 0 w 586440"/>
-                <a:gd name="textAreaRight" fmla="*/ 587160 w 586440"/>
-                <a:gd name="textAreaTop" fmla="*/ 0 h 586440"/>
-                <a:gd name="textAreaBottom" fmla="*/ 587160 h 586440"/>
+                <a:gd name="textAreaLeft" fmla="*/ 0 w 586080"/>
+                <a:gd name="textAreaRight" fmla="*/ 587160 w 586080"/>
+                <a:gd name="textAreaTop" fmla="*/ 0 h 586080"/>
+                <a:gd name="textAreaBottom" fmla="*/ 587160 h 586080"/>
               </a:gdLst>
               <a:ahLst/>
               <a:rect l="textAreaLeft" t="textAreaTop" r="textAreaRight" b="textAreaBottom"/>
@@ -20945,16 +20945,16 @@
           </p:nvSpPr>
           <p:spPr>
             <a:xfrm rot="5400000">
-              <a:off x="1213920" y="6261480"/>
-              <a:ext cx="353160" cy="349560"/>
+              <a:off x="1214280" y="6261480"/>
+              <a:ext cx="352800" cy="349200"/>
             </a:xfrm>
             <a:custGeom>
               <a:avLst/>
               <a:gdLst>
-                <a:gd name="textAreaLeft" fmla="*/ 0 w 353160"/>
-                <a:gd name="textAreaRight" fmla="*/ 353880 w 353160"/>
-                <a:gd name="textAreaTop" fmla="*/ 0 h 349560"/>
-                <a:gd name="textAreaBottom" fmla="*/ 350280 h 349560"/>
+                <a:gd name="textAreaLeft" fmla="*/ 0 w 352800"/>
+                <a:gd name="textAreaRight" fmla="*/ 353880 w 352800"/>
+                <a:gd name="textAreaTop" fmla="*/ 0 h 349200"/>
+                <a:gd name="textAreaBottom" fmla="*/ 350280 h 349200"/>
               </a:gdLst>
               <a:ahLst/>
               <a:rect l="textAreaLeft" t="textAreaTop" r="textAreaRight" b="textAreaBottom"/>
@@ -21116,16 +21116,16 @@
           </p:nvSpPr>
           <p:spPr>
             <a:xfrm rot="5400000">
-              <a:off x="9633960" y="229320"/>
-              <a:ext cx="505080" cy="500400"/>
+              <a:off x="9634320" y="229320"/>
+              <a:ext cx="504720" cy="500040"/>
             </a:xfrm>
             <a:custGeom>
               <a:avLst/>
               <a:gdLst>
-                <a:gd name="textAreaLeft" fmla="*/ 0 w 505080"/>
-                <a:gd name="textAreaRight" fmla="*/ 505800 w 505080"/>
-                <a:gd name="textAreaTop" fmla="*/ 0 h 500400"/>
-                <a:gd name="textAreaBottom" fmla="*/ 501120 h 500400"/>
+                <a:gd name="textAreaLeft" fmla="*/ 0 w 504720"/>
+                <a:gd name="textAreaRight" fmla="*/ 505800 w 504720"/>
+                <a:gd name="textAreaTop" fmla="*/ 0 h 500040"/>
+                <a:gd name="textAreaBottom" fmla="*/ 501120 h 500040"/>
               </a:gdLst>
               <a:ahLst/>
               <a:rect l="textAreaLeft" t="textAreaTop" r="textAreaRight" b="textAreaBottom"/>
@@ -21287,16 +21287,16 @@
           </p:nvSpPr>
           <p:spPr>
             <a:xfrm rot="5400000">
-              <a:off x="11656800" y="5758200"/>
-              <a:ext cx="353160" cy="349560"/>
+              <a:off x="11657160" y="5758200"/>
+              <a:ext cx="352800" cy="349200"/>
             </a:xfrm>
             <a:custGeom>
               <a:avLst/>
               <a:gdLst>
-                <a:gd name="textAreaLeft" fmla="*/ 0 w 353160"/>
-                <a:gd name="textAreaRight" fmla="*/ 353880 w 353160"/>
-                <a:gd name="textAreaTop" fmla="*/ 0 h 349560"/>
-                <a:gd name="textAreaBottom" fmla="*/ 350280 h 349560"/>
+                <a:gd name="textAreaLeft" fmla="*/ 0 w 352800"/>
+                <a:gd name="textAreaRight" fmla="*/ 353880 w 352800"/>
+                <a:gd name="textAreaTop" fmla="*/ 0 h 349200"/>
+                <a:gd name="textAreaBottom" fmla="*/ 350280 h 349200"/>
               </a:gdLst>
               <a:ahLst/>
               <a:rect l="textAreaLeft" t="textAreaTop" r="textAreaRight" b="textAreaBottom"/>
@@ -21458,16 +21458,16 @@
           </p:nvSpPr>
           <p:spPr>
             <a:xfrm rot="5400000">
-              <a:off x="11503080" y="1041840"/>
-              <a:ext cx="390960" cy="390960"/>
+              <a:off x="11503440" y="1041840"/>
+              <a:ext cx="390600" cy="390600"/>
             </a:xfrm>
             <a:custGeom>
               <a:avLst/>
               <a:gdLst>
-                <a:gd name="textAreaLeft" fmla="*/ 0 w 390960"/>
-                <a:gd name="textAreaRight" fmla="*/ 391680 w 390960"/>
-                <a:gd name="textAreaTop" fmla="*/ 0 h 390960"/>
-                <a:gd name="textAreaBottom" fmla="*/ 391680 h 390960"/>
+                <a:gd name="textAreaLeft" fmla="*/ 0 w 390600"/>
+                <a:gd name="textAreaRight" fmla="*/ 391680 w 390600"/>
+                <a:gd name="textAreaTop" fmla="*/ 0 h 390600"/>
+                <a:gd name="textAreaBottom" fmla="*/ 391680 h 390600"/>
               </a:gdLst>
               <a:ahLst/>
               <a:rect l="textAreaLeft" t="textAreaTop" r="textAreaRight" b="textAreaBottom"/>
@@ -21560,10 +21560,10 @@
           </p:nvGrpSpPr>
           <p:grpSpPr>
             <a:xfrm>
-              <a:off x="10809360" y="353520"/>
-              <a:ext cx="1128240" cy="439560"/>
-              <a:chOff x="10809360" y="353520"/>
-              <a:chExt cx="1128240" cy="439560"/>
+              <a:off x="10809720" y="353520"/>
+              <a:ext cx="1127880" cy="439200"/>
+              <a:chOff x="10809720" y="353520"/>
+              <a:chExt cx="1127880" cy="439200"/>
             </a:xfrm>
           </p:grpSpPr>
           <p:sp>
@@ -21574,16 +21574,16 @@
             </p:nvSpPr>
             <p:spPr>
               <a:xfrm rot="5400000">
-                <a:off x="10811880" y="691560"/>
-                <a:ext cx="101520" cy="101160"/>
+                <a:off x="10812240" y="691560"/>
+                <a:ext cx="101160" cy="100800"/>
               </a:xfrm>
               <a:custGeom>
                 <a:avLst/>
                 <a:gdLst>
-                  <a:gd name="textAreaLeft" fmla="*/ 0 w 101520"/>
-                  <a:gd name="textAreaRight" fmla="*/ 102240 w 101520"/>
-                  <a:gd name="textAreaTop" fmla="*/ 0 h 101160"/>
-                  <a:gd name="textAreaBottom" fmla="*/ 101880 h 101160"/>
+                  <a:gd name="textAreaLeft" fmla="*/ 0 w 101160"/>
+                  <a:gd name="textAreaRight" fmla="*/ 102240 w 101160"/>
+                  <a:gd name="textAreaTop" fmla="*/ 0 h 100800"/>
+                  <a:gd name="textAreaBottom" fmla="*/ 101880 h 100800"/>
                 </a:gdLst>
                 <a:ahLst/>
                 <a:rect l="textAreaLeft" t="textAreaTop" r="textAreaRight" b="textAreaBottom"/>
@@ -21670,16 +21670,16 @@
             </p:nvSpPr>
             <p:spPr>
               <a:xfrm rot="5400000">
-                <a:off x="10809000" y="363240"/>
-                <a:ext cx="101520" cy="101160"/>
+                <a:off x="10809360" y="363240"/>
+                <a:ext cx="101160" cy="100800"/>
               </a:xfrm>
               <a:custGeom>
                 <a:avLst/>
                 <a:gdLst>
-                  <a:gd name="textAreaLeft" fmla="*/ 0 w 101520"/>
-                  <a:gd name="textAreaRight" fmla="*/ 102240 w 101520"/>
-                  <a:gd name="textAreaTop" fmla="*/ 0 h 101160"/>
-                  <a:gd name="textAreaBottom" fmla="*/ 101880 h 101160"/>
+                  <a:gd name="textAreaLeft" fmla="*/ 0 w 101160"/>
+                  <a:gd name="textAreaRight" fmla="*/ 102240 w 101160"/>
+                  <a:gd name="textAreaTop" fmla="*/ 0 h 100800"/>
+                  <a:gd name="textAreaBottom" fmla="*/ 101880 h 100800"/>
                 </a:gdLst>
                 <a:ahLst/>
                 <a:rect l="textAreaLeft" t="textAreaTop" r="textAreaRight" b="textAreaBottom"/>
@@ -21766,16 +21766,16 @@
             </p:nvSpPr>
             <p:spPr>
               <a:xfrm rot="5400000">
-                <a:off x="11068200" y="689040"/>
-                <a:ext cx="101520" cy="101160"/>
+                <a:off x="11068560" y="689040"/>
+                <a:ext cx="101160" cy="100800"/>
               </a:xfrm>
               <a:custGeom>
                 <a:avLst/>
                 <a:gdLst>
-                  <a:gd name="textAreaLeft" fmla="*/ 0 w 101520"/>
-                  <a:gd name="textAreaRight" fmla="*/ 102240 w 101520"/>
-                  <a:gd name="textAreaTop" fmla="*/ 0 h 101160"/>
-                  <a:gd name="textAreaBottom" fmla="*/ 101880 h 101160"/>
+                  <a:gd name="textAreaLeft" fmla="*/ 0 w 101160"/>
+                  <a:gd name="textAreaRight" fmla="*/ 102240 w 101160"/>
+                  <a:gd name="textAreaTop" fmla="*/ 0 h 100800"/>
+                  <a:gd name="textAreaBottom" fmla="*/ 101880 h 100800"/>
                 </a:gdLst>
                 <a:ahLst/>
                 <a:rect l="textAreaLeft" t="textAreaTop" r="textAreaRight" b="textAreaBottom"/>
@@ -21862,16 +21862,16 @@
             </p:nvSpPr>
             <p:spPr>
               <a:xfrm rot="5400000">
-                <a:off x="11065320" y="361080"/>
-                <a:ext cx="101520" cy="100800"/>
+                <a:off x="11065680" y="361080"/>
+                <a:ext cx="101160" cy="100440"/>
               </a:xfrm>
               <a:custGeom>
                 <a:avLst/>
                 <a:gdLst>
-                  <a:gd name="textAreaLeft" fmla="*/ 0 w 101520"/>
-                  <a:gd name="textAreaRight" fmla="*/ 102240 w 101520"/>
-                  <a:gd name="textAreaTop" fmla="*/ 0 h 100800"/>
-                  <a:gd name="textAreaBottom" fmla="*/ 101520 h 100800"/>
+                  <a:gd name="textAreaLeft" fmla="*/ 0 w 101160"/>
+                  <a:gd name="textAreaRight" fmla="*/ 102240 w 101160"/>
+                  <a:gd name="textAreaTop" fmla="*/ 0 h 100440"/>
+                  <a:gd name="textAreaBottom" fmla="*/ 101520 h 100440"/>
                 </a:gdLst>
                 <a:ahLst/>
                 <a:rect l="textAreaLeft" t="textAreaTop" r="textAreaRight" b="textAreaBottom"/>
@@ -21958,16 +21958,16 @@
             </p:nvSpPr>
             <p:spPr>
               <a:xfrm rot="5400000">
-                <a:off x="11324160" y="687240"/>
-                <a:ext cx="101520" cy="100800"/>
+                <a:off x="11324520" y="687240"/>
+                <a:ext cx="101160" cy="100440"/>
               </a:xfrm>
               <a:custGeom>
                 <a:avLst/>
                 <a:gdLst>
-                  <a:gd name="textAreaLeft" fmla="*/ 0 w 101520"/>
-                  <a:gd name="textAreaRight" fmla="*/ 102240 w 101520"/>
-                  <a:gd name="textAreaTop" fmla="*/ 0 h 100800"/>
-                  <a:gd name="textAreaBottom" fmla="*/ 101520 h 100800"/>
+                  <a:gd name="textAreaLeft" fmla="*/ 0 w 101160"/>
+                  <a:gd name="textAreaRight" fmla="*/ 102240 w 101160"/>
+                  <a:gd name="textAreaTop" fmla="*/ 0 h 100440"/>
+                  <a:gd name="textAreaBottom" fmla="*/ 101520 h 100440"/>
                 </a:gdLst>
                 <a:ahLst/>
                 <a:rect l="textAreaLeft" t="textAreaTop" r="textAreaRight" b="textAreaBottom"/>
@@ -22054,16 +22054,16 @@
             </p:nvSpPr>
             <p:spPr>
               <a:xfrm rot="5400000">
-                <a:off x="11320920" y="358200"/>
-                <a:ext cx="101520" cy="101160"/>
+                <a:off x="11321280" y="358200"/>
+                <a:ext cx="101160" cy="100800"/>
               </a:xfrm>
               <a:custGeom>
                 <a:avLst/>
                 <a:gdLst>
-                  <a:gd name="textAreaLeft" fmla="*/ 0 w 101520"/>
-                  <a:gd name="textAreaRight" fmla="*/ 102240 w 101520"/>
-                  <a:gd name="textAreaTop" fmla="*/ 0 h 101160"/>
-                  <a:gd name="textAreaBottom" fmla="*/ 101880 h 101160"/>
+                  <a:gd name="textAreaLeft" fmla="*/ 0 w 101160"/>
+                  <a:gd name="textAreaRight" fmla="*/ 102240 w 101160"/>
+                  <a:gd name="textAreaTop" fmla="*/ 0 h 100800"/>
+                  <a:gd name="textAreaBottom" fmla="*/ 101880 h 100800"/>
                 </a:gdLst>
                 <a:ahLst/>
                 <a:rect l="textAreaLeft" t="textAreaTop" r="textAreaRight" b="textAreaBottom"/>
@@ -22145,16 +22145,16 @@
             </p:nvSpPr>
             <p:spPr>
               <a:xfrm rot="5400000">
-                <a:off x="11580120" y="684360"/>
-                <a:ext cx="101520" cy="101160"/>
+                <a:off x="11580480" y="684360"/>
+                <a:ext cx="101160" cy="100800"/>
               </a:xfrm>
               <a:custGeom>
                 <a:avLst/>
                 <a:gdLst>
-                  <a:gd name="textAreaLeft" fmla="*/ 0 w 101520"/>
-                  <a:gd name="textAreaRight" fmla="*/ 102240 w 101520"/>
-                  <a:gd name="textAreaTop" fmla="*/ 0 h 101160"/>
-                  <a:gd name="textAreaBottom" fmla="*/ 101880 h 101160"/>
+                  <a:gd name="textAreaLeft" fmla="*/ 0 w 101160"/>
+                  <a:gd name="textAreaRight" fmla="*/ 102240 w 101160"/>
+                  <a:gd name="textAreaTop" fmla="*/ 0 h 100800"/>
+                  <a:gd name="textAreaBottom" fmla="*/ 101880 h 100800"/>
                 </a:gdLst>
                 <a:ahLst/>
                 <a:rect l="textAreaLeft" t="textAreaTop" r="textAreaRight" b="textAreaBottom"/>
@@ -22241,16 +22241,16 @@
             </p:nvSpPr>
             <p:spPr>
               <a:xfrm rot="5400000">
-                <a:off x="11577240" y="356040"/>
-                <a:ext cx="101160" cy="101160"/>
+                <a:off x="11577600" y="356040"/>
+                <a:ext cx="100800" cy="100800"/>
               </a:xfrm>
               <a:custGeom>
                 <a:avLst/>
                 <a:gdLst>
-                  <a:gd name="textAreaLeft" fmla="*/ 0 w 101160"/>
-                  <a:gd name="textAreaRight" fmla="*/ 101880 w 101160"/>
-                  <a:gd name="textAreaTop" fmla="*/ 0 h 101160"/>
-                  <a:gd name="textAreaBottom" fmla="*/ 101880 h 101160"/>
+                  <a:gd name="textAreaLeft" fmla="*/ 0 w 100800"/>
+                  <a:gd name="textAreaRight" fmla="*/ 101880 w 100800"/>
+                  <a:gd name="textAreaTop" fmla="*/ 0 h 100800"/>
+                  <a:gd name="textAreaBottom" fmla="*/ 101880 h 100800"/>
                 </a:gdLst>
                 <a:ahLst/>
                 <a:rect l="textAreaLeft" t="textAreaTop" r="textAreaRight" b="textAreaBottom"/>
@@ -22337,16 +22337,16 @@
             </p:nvSpPr>
             <p:spPr>
               <a:xfrm rot="5400000">
-                <a:off x="11836440" y="681840"/>
-                <a:ext cx="101160" cy="101160"/>
+                <a:off x="11836800" y="681840"/>
+                <a:ext cx="100800" cy="100800"/>
               </a:xfrm>
               <a:custGeom>
                 <a:avLst/>
                 <a:gdLst>
-                  <a:gd name="textAreaLeft" fmla="*/ 0 w 101160"/>
-                  <a:gd name="textAreaRight" fmla="*/ 101880 w 101160"/>
-                  <a:gd name="textAreaTop" fmla="*/ 0 h 101160"/>
-                  <a:gd name="textAreaBottom" fmla="*/ 101880 h 101160"/>
+                  <a:gd name="textAreaLeft" fmla="*/ 0 w 100800"/>
+                  <a:gd name="textAreaRight" fmla="*/ 101880 w 100800"/>
+                  <a:gd name="textAreaTop" fmla="*/ 0 h 100800"/>
+                  <a:gd name="textAreaBottom" fmla="*/ 101880 h 100800"/>
                 </a:gdLst>
                 <a:ahLst/>
                 <a:rect l="textAreaLeft" t="textAreaTop" r="textAreaRight" b="textAreaBottom"/>
@@ -22433,16 +22433,16 @@
             </p:nvSpPr>
             <p:spPr>
               <a:xfrm rot="5400000">
-                <a:off x="11833200" y="353520"/>
-                <a:ext cx="101520" cy="101160"/>
+                <a:off x="11833560" y="353520"/>
+                <a:ext cx="101160" cy="100800"/>
               </a:xfrm>
               <a:custGeom>
                 <a:avLst/>
                 <a:gdLst>
-                  <a:gd name="textAreaLeft" fmla="*/ 0 w 101520"/>
-                  <a:gd name="textAreaRight" fmla="*/ 102240 w 101520"/>
-                  <a:gd name="textAreaTop" fmla="*/ 0 h 101160"/>
-                  <a:gd name="textAreaBottom" fmla="*/ 101880 h 101160"/>
+                  <a:gd name="textAreaLeft" fmla="*/ 0 w 101160"/>
+                  <a:gd name="textAreaRight" fmla="*/ 102240 w 101160"/>
+                  <a:gd name="textAreaTop" fmla="*/ 0 h 100800"/>
+                  <a:gd name="textAreaBottom" fmla="*/ 101880 h 100800"/>
                 </a:gdLst>
                 <a:ahLst/>
                 <a:rect l="textAreaLeft" t="textAreaTop" r="textAreaRight" b="textAreaBottom"/>
@@ -22851,7 +22851,7 @@
         <p:spPr>
           <a:xfrm>
             <a:off x="411480" y="493200"/>
-            <a:ext cx="53280" cy="4319280"/>
+            <a:ext cx="52920" cy="4318920"/>
           </a:xfrm>
           <a:prstGeom prst="rect">
             <a:avLst/>
@@ -22906,9 +22906,9 @@
         <p:grpSpPr>
           <a:xfrm>
             <a:off x="200520" y="227160"/>
-            <a:ext cx="11807640" cy="6385680"/>
+            <a:ext cx="11807640" cy="6385320"/>
             <a:chOff x="200520" y="227160"/>
-            <a:chExt cx="11807640" cy="6385680"/>
+            <a:chExt cx="11807640" cy="6385320"/>
           </a:xfrm>
         </p:grpSpPr>
         <p:sp>
@@ -22920,15 +22920,15 @@
           <p:spPr>
             <a:xfrm rot="5400000">
               <a:off x="200160" y="5639760"/>
-              <a:ext cx="586440" cy="586440"/>
+              <a:ext cx="586080" cy="586080"/>
             </a:xfrm>
             <a:custGeom>
               <a:avLst/>
               <a:gdLst>
-                <a:gd name="textAreaLeft" fmla="*/ 0 w 586440"/>
-                <a:gd name="textAreaRight" fmla="*/ 587160 w 586440"/>
-                <a:gd name="textAreaTop" fmla="*/ 0 h 586440"/>
-                <a:gd name="textAreaBottom" fmla="*/ 587160 h 586440"/>
+                <a:gd name="textAreaLeft" fmla="*/ 0 w 586080"/>
+                <a:gd name="textAreaRight" fmla="*/ 587160 w 586080"/>
+                <a:gd name="textAreaTop" fmla="*/ 0 h 586080"/>
+                <a:gd name="textAreaBottom" fmla="*/ 587160 h 586080"/>
               </a:gdLst>
               <a:ahLst/>
               <a:rect l="textAreaLeft" t="textAreaTop" r="textAreaRight" b="textAreaBottom"/>
@@ -22997,16 +22997,16 @@
           </p:nvSpPr>
           <p:spPr>
             <a:xfrm rot="5400000">
-              <a:off x="1213920" y="6261480"/>
-              <a:ext cx="353160" cy="349560"/>
+              <a:off x="1214280" y="6261480"/>
+              <a:ext cx="352800" cy="349200"/>
             </a:xfrm>
             <a:custGeom>
               <a:avLst/>
               <a:gdLst>
-                <a:gd name="textAreaLeft" fmla="*/ 0 w 353160"/>
-                <a:gd name="textAreaRight" fmla="*/ 353880 w 353160"/>
-                <a:gd name="textAreaTop" fmla="*/ 0 h 349560"/>
-                <a:gd name="textAreaBottom" fmla="*/ 350280 h 349560"/>
+                <a:gd name="textAreaLeft" fmla="*/ 0 w 352800"/>
+                <a:gd name="textAreaRight" fmla="*/ 353880 w 352800"/>
+                <a:gd name="textAreaTop" fmla="*/ 0 h 349200"/>
+                <a:gd name="textAreaBottom" fmla="*/ 350280 h 349200"/>
               </a:gdLst>
               <a:ahLst/>
               <a:rect l="textAreaLeft" t="textAreaTop" r="textAreaRight" b="textAreaBottom"/>
@@ -23168,16 +23168,16 @@
           </p:nvSpPr>
           <p:spPr>
             <a:xfrm rot="5400000">
-              <a:off x="9633960" y="229320"/>
-              <a:ext cx="505080" cy="500400"/>
+              <a:off x="9634320" y="229320"/>
+              <a:ext cx="504720" cy="500040"/>
             </a:xfrm>
             <a:custGeom>
               <a:avLst/>
               <a:gdLst>
-                <a:gd name="textAreaLeft" fmla="*/ 0 w 505080"/>
-                <a:gd name="textAreaRight" fmla="*/ 505800 w 505080"/>
-                <a:gd name="textAreaTop" fmla="*/ 0 h 500400"/>
-                <a:gd name="textAreaBottom" fmla="*/ 501120 h 500400"/>
+                <a:gd name="textAreaLeft" fmla="*/ 0 w 504720"/>
+                <a:gd name="textAreaRight" fmla="*/ 505800 w 504720"/>
+                <a:gd name="textAreaTop" fmla="*/ 0 h 500040"/>
+                <a:gd name="textAreaBottom" fmla="*/ 501120 h 500040"/>
               </a:gdLst>
               <a:ahLst/>
               <a:rect l="textAreaLeft" t="textAreaTop" r="textAreaRight" b="textAreaBottom"/>
@@ -23339,16 +23339,16 @@
           </p:nvSpPr>
           <p:spPr>
             <a:xfrm rot="5400000">
-              <a:off x="11656800" y="5758200"/>
-              <a:ext cx="353160" cy="349560"/>
+              <a:off x="11657160" y="5758200"/>
+              <a:ext cx="352800" cy="349200"/>
             </a:xfrm>
             <a:custGeom>
               <a:avLst/>
               <a:gdLst>
-                <a:gd name="textAreaLeft" fmla="*/ 0 w 353160"/>
-                <a:gd name="textAreaRight" fmla="*/ 353880 w 353160"/>
-                <a:gd name="textAreaTop" fmla="*/ 0 h 349560"/>
-                <a:gd name="textAreaBottom" fmla="*/ 350280 h 349560"/>
+                <a:gd name="textAreaLeft" fmla="*/ 0 w 352800"/>
+                <a:gd name="textAreaRight" fmla="*/ 353880 w 352800"/>
+                <a:gd name="textAreaTop" fmla="*/ 0 h 349200"/>
+                <a:gd name="textAreaBottom" fmla="*/ 350280 h 349200"/>
               </a:gdLst>
               <a:ahLst/>
               <a:rect l="textAreaLeft" t="textAreaTop" r="textAreaRight" b="textAreaBottom"/>
@@ -23510,16 +23510,16 @@
           </p:nvSpPr>
           <p:spPr>
             <a:xfrm rot="5400000">
-              <a:off x="11503080" y="1041840"/>
-              <a:ext cx="390960" cy="390960"/>
+              <a:off x="11503440" y="1041840"/>
+              <a:ext cx="390600" cy="390600"/>
             </a:xfrm>
             <a:custGeom>
               <a:avLst/>
               <a:gdLst>
-                <a:gd name="textAreaLeft" fmla="*/ 0 w 390960"/>
-                <a:gd name="textAreaRight" fmla="*/ 391680 w 390960"/>
-                <a:gd name="textAreaTop" fmla="*/ 0 h 390960"/>
-                <a:gd name="textAreaBottom" fmla="*/ 391680 h 390960"/>
+                <a:gd name="textAreaLeft" fmla="*/ 0 w 390600"/>
+                <a:gd name="textAreaRight" fmla="*/ 391680 w 390600"/>
+                <a:gd name="textAreaTop" fmla="*/ 0 h 390600"/>
+                <a:gd name="textAreaBottom" fmla="*/ 391680 h 390600"/>
               </a:gdLst>
               <a:ahLst/>
               <a:rect l="textAreaLeft" t="textAreaTop" r="textAreaRight" b="textAreaBottom"/>
@@ -23612,10 +23612,10 @@
           </p:nvGrpSpPr>
           <p:grpSpPr>
             <a:xfrm>
-              <a:off x="10809360" y="353520"/>
-              <a:ext cx="1128240" cy="439560"/>
-              <a:chOff x="10809360" y="353520"/>
-              <a:chExt cx="1128240" cy="439560"/>
+              <a:off x="10809720" y="353520"/>
+              <a:ext cx="1127880" cy="439200"/>
+              <a:chOff x="10809720" y="353520"/>
+              <a:chExt cx="1127880" cy="439200"/>
             </a:xfrm>
           </p:grpSpPr>
           <p:sp>
@@ -23626,16 +23626,16 @@
             </p:nvSpPr>
             <p:spPr>
               <a:xfrm rot="5400000">
-                <a:off x="10811880" y="691560"/>
-                <a:ext cx="101520" cy="101160"/>
+                <a:off x="10812240" y="691560"/>
+                <a:ext cx="101160" cy="100800"/>
               </a:xfrm>
               <a:custGeom>
                 <a:avLst/>
                 <a:gdLst>
-                  <a:gd name="textAreaLeft" fmla="*/ 0 w 101520"/>
-                  <a:gd name="textAreaRight" fmla="*/ 102240 w 101520"/>
-                  <a:gd name="textAreaTop" fmla="*/ 0 h 101160"/>
-                  <a:gd name="textAreaBottom" fmla="*/ 101880 h 101160"/>
+                  <a:gd name="textAreaLeft" fmla="*/ 0 w 101160"/>
+                  <a:gd name="textAreaRight" fmla="*/ 102240 w 101160"/>
+                  <a:gd name="textAreaTop" fmla="*/ 0 h 100800"/>
+                  <a:gd name="textAreaBottom" fmla="*/ 101880 h 100800"/>
                 </a:gdLst>
                 <a:ahLst/>
                 <a:rect l="textAreaLeft" t="textAreaTop" r="textAreaRight" b="textAreaBottom"/>
@@ -23722,16 +23722,16 @@
             </p:nvSpPr>
             <p:spPr>
               <a:xfrm rot="5400000">
-                <a:off x="10809000" y="363240"/>
-                <a:ext cx="101520" cy="101160"/>
+                <a:off x="10809360" y="363240"/>
+                <a:ext cx="101160" cy="100800"/>
               </a:xfrm>
               <a:custGeom>
                 <a:avLst/>
                 <a:gdLst>
-                  <a:gd name="textAreaLeft" fmla="*/ 0 w 101520"/>
-                  <a:gd name="textAreaRight" fmla="*/ 102240 w 101520"/>
-                  <a:gd name="textAreaTop" fmla="*/ 0 h 101160"/>
-                  <a:gd name="textAreaBottom" fmla="*/ 101880 h 101160"/>
+                  <a:gd name="textAreaLeft" fmla="*/ 0 w 101160"/>
+                  <a:gd name="textAreaRight" fmla="*/ 102240 w 101160"/>
+                  <a:gd name="textAreaTop" fmla="*/ 0 h 100800"/>
+                  <a:gd name="textAreaBottom" fmla="*/ 101880 h 100800"/>
                 </a:gdLst>
                 <a:ahLst/>
                 <a:rect l="textAreaLeft" t="textAreaTop" r="textAreaRight" b="textAreaBottom"/>
@@ -23818,16 +23818,16 @@
             </p:nvSpPr>
             <p:spPr>
               <a:xfrm rot="5400000">
-                <a:off x="11068200" y="689040"/>
-                <a:ext cx="101520" cy="101160"/>
+                <a:off x="11068560" y="689040"/>
+                <a:ext cx="101160" cy="100800"/>
               </a:xfrm>
               <a:custGeom>
                 <a:avLst/>
                 <a:gdLst>
-                  <a:gd name="textAreaLeft" fmla="*/ 0 w 101520"/>
-                  <a:gd name="textAreaRight" fmla="*/ 102240 w 101520"/>
-                  <a:gd name="textAreaTop" fmla="*/ 0 h 101160"/>
-                  <a:gd name="textAreaBottom" fmla="*/ 101880 h 101160"/>
+                  <a:gd name="textAreaLeft" fmla="*/ 0 w 101160"/>
+                  <a:gd name="textAreaRight" fmla="*/ 102240 w 101160"/>
+                  <a:gd name="textAreaTop" fmla="*/ 0 h 100800"/>
+                  <a:gd name="textAreaBottom" fmla="*/ 101880 h 100800"/>
                 </a:gdLst>
                 <a:ahLst/>
                 <a:rect l="textAreaLeft" t="textAreaTop" r="textAreaRight" b="textAreaBottom"/>
@@ -23914,16 +23914,16 @@
             </p:nvSpPr>
             <p:spPr>
               <a:xfrm rot="5400000">
-                <a:off x="11065320" y="361080"/>
-                <a:ext cx="101520" cy="100800"/>
+                <a:off x="11065680" y="361080"/>
+                <a:ext cx="101160" cy="100440"/>
               </a:xfrm>
               <a:custGeom>
                 <a:avLst/>
                 <a:gdLst>
-                  <a:gd name="textAreaLeft" fmla="*/ 0 w 101520"/>
-                  <a:gd name="textAreaRight" fmla="*/ 102240 w 101520"/>
-                  <a:gd name="textAreaTop" fmla="*/ 0 h 100800"/>
-                  <a:gd name="textAreaBottom" fmla="*/ 101520 h 100800"/>
+                  <a:gd name="textAreaLeft" fmla="*/ 0 w 101160"/>
+                  <a:gd name="textAreaRight" fmla="*/ 102240 w 101160"/>
+                  <a:gd name="textAreaTop" fmla="*/ 0 h 100440"/>
+                  <a:gd name="textAreaBottom" fmla="*/ 101520 h 100440"/>
                 </a:gdLst>
                 <a:ahLst/>
                 <a:rect l="textAreaLeft" t="textAreaTop" r="textAreaRight" b="textAreaBottom"/>
@@ -24010,16 +24010,16 @@
             </p:nvSpPr>
             <p:spPr>
               <a:xfrm rot="5400000">
-                <a:off x="11324160" y="687240"/>
-                <a:ext cx="101520" cy="100800"/>
+                <a:off x="11324520" y="687240"/>
+                <a:ext cx="101160" cy="100440"/>
               </a:xfrm>
               <a:custGeom>
                 <a:avLst/>
                 <a:gdLst>
-                  <a:gd name="textAreaLeft" fmla="*/ 0 w 101520"/>
-                  <a:gd name="textAreaRight" fmla="*/ 102240 w 101520"/>
-                  <a:gd name="textAreaTop" fmla="*/ 0 h 100800"/>
-                  <a:gd name="textAreaBottom" fmla="*/ 101520 h 100800"/>
+                  <a:gd name="textAreaLeft" fmla="*/ 0 w 101160"/>
+                  <a:gd name="textAreaRight" fmla="*/ 102240 w 101160"/>
+                  <a:gd name="textAreaTop" fmla="*/ 0 h 100440"/>
+                  <a:gd name="textAreaBottom" fmla="*/ 101520 h 100440"/>
                 </a:gdLst>
                 <a:ahLst/>
                 <a:rect l="textAreaLeft" t="textAreaTop" r="textAreaRight" b="textAreaBottom"/>
@@ -24106,16 +24106,16 @@
             </p:nvSpPr>
             <p:spPr>
               <a:xfrm rot="5400000">
-                <a:off x="11320920" y="358200"/>
-                <a:ext cx="101520" cy="101160"/>
+                <a:off x="11321280" y="358200"/>
+                <a:ext cx="101160" cy="100800"/>
               </a:xfrm>
               <a:custGeom>
                 <a:avLst/>
                 <a:gdLst>
-                  <a:gd name="textAreaLeft" fmla="*/ 0 w 101520"/>
-                  <a:gd name="textAreaRight" fmla="*/ 102240 w 101520"/>
-                  <a:gd name="textAreaTop" fmla="*/ 0 h 101160"/>
-                  <a:gd name="textAreaBottom" fmla="*/ 101880 h 101160"/>
+                  <a:gd name="textAreaLeft" fmla="*/ 0 w 101160"/>
+                  <a:gd name="textAreaRight" fmla="*/ 102240 w 101160"/>
+                  <a:gd name="textAreaTop" fmla="*/ 0 h 100800"/>
+                  <a:gd name="textAreaBottom" fmla="*/ 101880 h 100800"/>
                 </a:gdLst>
                 <a:ahLst/>
                 <a:rect l="textAreaLeft" t="textAreaTop" r="textAreaRight" b="textAreaBottom"/>
@@ -24197,16 +24197,16 @@
             </p:nvSpPr>
             <p:spPr>
               <a:xfrm rot="5400000">
-                <a:off x="11580120" y="684360"/>
-                <a:ext cx="101520" cy="101160"/>
+                <a:off x="11580480" y="684360"/>
+                <a:ext cx="101160" cy="100800"/>
               </a:xfrm>
               <a:custGeom>
                 <a:avLst/>
                 <a:gdLst>
-                  <a:gd name="textAreaLeft" fmla="*/ 0 w 101520"/>
-                  <a:gd name="textAreaRight" fmla="*/ 102240 w 101520"/>
-                  <a:gd name="textAreaTop" fmla="*/ 0 h 101160"/>
-                  <a:gd name="textAreaBottom" fmla="*/ 101880 h 101160"/>
+                  <a:gd name="textAreaLeft" fmla="*/ 0 w 101160"/>
+                  <a:gd name="textAreaRight" fmla="*/ 102240 w 101160"/>
+                  <a:gd name="textAreaTop" fmla="*/ 0 h 100800"/>
+                  <a:gd name="textAreaBottom" fmla="*/ 101880 h 100800"/>
                 </a:gdLst>
                 <a:ahLst/>
                 <a:rect l="textAreaLeft" t="textAreaTop" r="textAreaRight" b="textAreaBottom"/>
@@ -24293,16 +24293,16 @@
             </p:nvSpPr>
             <p:spPr>
               <a:xfrm rot="5400000">
-                <a:off x="11577240" y="356040"/>
-                <a:ext cx="101160" cy="101160"/>
+                <a:off x="11577600" y="356040"/>
+                <a:ext cx="100800" cy="100800"/>
               </a:xfrm>
               <a:custGeom>
                 <a:avLst/>
                 <a:gdLst>
-                  <a:gd name="textAreaLeft" fmla="*/ 0 w 101160"/>
-                  <a:gd name="textAreaRight" fmla="*/ 101880 w 101160"/>
-                  <a:gd name="textAreaTop" fmla="*/ 0 h 101160"/>
-                  <a:gd name="textAreaBottom" fmla="*/ 101880 h 101160"/>
+                  <a:gd name="textAreaLeft" fmla="*/ 0 w 100800"/>
+                  <a:gd name="textAreaRight" fmla="*/ 101880 w 100800"/>
+                  <a:gd name="textAreaTop" fmla="*/ 0 h 100800"/>
+                  <a:gd name="textAreaBottom" fmla="*/ 101880 h 100800"/>
                 </a:gdLst>
                 <a:ahLst/>
                 <a:rect l="textAreaLeft" t="textAreaTop" r="textAreaRight" b="textAreaBottom"/>
@@ -24389,16 +24389,16 @@
             </p:nvSpPr>
             <p:spPr>
               <a:xfrm rot="5400000">
-                <a:off x="11836440" y="681840"/>
-                <a:ext cx="101160" cy="101160"/>
+                <a:off x="11836800" y="681840"/>
+                <a:ext cx="100800" cy="100800"/>
               </a:xfrm>
               <a:custGeom>
                 <a:avLst/>
                 <a:gdLst>
-                  <a:gd name="textAreaLeft" fmla="*/ 0 w 101160"/>
-                  <a:gd name="textAreaRight" fmla="*/ 101880 w 101160"/>
-                  <a:gd name="textAreaTop" fmla="*/ 0 h 101160"/>
-                  <a:gd name="textAreaBottom" fmla="*/ 101880 h 101160"/>
+                  <a:gd name="textAreaLeft" fmla="*/ 0 w 100800"/>
+                  <a:gd name="textAreaRight" fmla="*/ 101880 w 100800"/>
+                  <a:gd name="textAreaTop" fmla="*/ 0 h 100800"/>
+                  <a:gd name="textAreaBottom" fmla="*/ 101880 h 100800"/>
                 </a:gdLst>
                 <a:ahLst/>
                 <a:rect l="textAreaLeft" t="textAreaTop" r="textAreaRight" b="textAreaBottom"/>
@@ -24485,16 +24485,16 @@
             </p:nvSpPr>
             <p:spPr>
               <a:xfrm rot="5400000">
-                <a:off x="11833200" y="353520"/>
-                <a:ext cx="101520" cy="101160"/>
+                <a:off x="11833560" y="353520"/>
+                <a:ext cx="101160" cy="100800"/>
               </a:xfrm>
               <a:custGeom>
                 <a:avLst/>
                 <a:gdLst>
-                  <a:gd name="textAreaLeft" fmla="*/ 0 w 101520"/>
-                  <a:gd name="textAreaRight" fmla="*/ 102240 w 101520"/>
-                  <a:gd name="textAreaTop" fmla="*/ 0 h 101160"/>
-                  <a:gd name="textAreaBottom" fmla="*/ 101880 h 101160"/>
+                  <a:gd name="textAreaLeft" fmla="*/ 0 w 101160"/>
+                  <a:gd name="textAreaRight" fmla="*/ 102240 w 101160"/>
+                  <a:gd name="textAreaTop" fmla="*/ 0 h 100800"/>
+                  <a:gd name="textAreaBottom" fmla="*/ 101880 h 100800"/>
                 </a:gdLst>
                 <a:ahLst/>
                 <a:rect l="textAreaLeft" t="textAreaTop" r="textAreaRight" b="textAreaBottom"/>
@@ -24902,7 +24902,7 @@
         <p:spPr>
           <a:xfrm>
             <a:off x="411480" y="493200"/>
-            <a:ext cx="53280" cy="1439280"/>
+            <a:ext cx="52920" cy="1438920"/>
           </a:xfrm>
           <a:prstGeom prst="rect">
             <a:avLst/>
@@ -24959,9 +24959,9 @@
         <p:grpSpPr>
           <a:xfrm>
             <a:off x="200520" y="227160"/>
-            <a:ext cx="11807640" cy="6385680"/>
+            <a:ext cx="11807640" cy="6385320"/>
             <a:chOff x="200520" y="227160"/>
-            <a:chExt cx="11807640" cy="6385680"/>
+            <a:chExt cx="11807640" cy="6385320"/>
           </a:xfrm>
         </p:grpSpPr>
         <p:sp>
@@ -24973,15 +24973,15 @@
           <p:spPr>
             <a:xfrm rot="5400000">
               <a:off x="200160" y="5639760"/>
-              <a:ext cx="586440" cy="586440"/>
+              <a:ext cx="586080" cy="586080"/>
             </a:xfrm>
             <a:custGeom>
               <a:avLst/>
               <a:gdLst>
-                <a:gd name="textAreaLeft" fmla="*/ 0 w 586440"/>
-                <a:gd name="textAreaRight" fmla="*/ 587160 w 586440"/>
-                <a:gd name="textAreaTop" fmla="*/ 0 h 586440"/>
-                <a:gd name="textAreaBottom" fmla="*/ 587160 h 586440"/>
+                <a:gd name="textAreaLeft" fmla="*/ 0 w 586080"/>
+                <a:gd name="textAreaRight" fmla="*/ 587160 w 586080"/>
+                <a:gd name="textAreaTop" fmla="*/ 0 h 586080"/>
+                <a:gd name="textAreaBottom" fmla="*/ 587160 h 586080"/>
               </a:gdLst>
               <a:ahLst/>
               <a:rect l="textAreaLeft" t="textAreaTop" r="textAreaRight" b="textAreaBottom"/>
@@ -25050,16 +25050,16 @@
           </p:nvSpPr>
           <p:spPr>
             <a:xfrm rot="5400000">
-              <a:off x="1213920" y="6261480"/>
-              <a:ext cx="353160" cy="349560"/>
+              <a:off x="1214280" y="6261480"/>
+              <a:ext cx="352800" cy="349200"/>
             </a:xfrm>
             <a:custGeom>
               <a:avLst/>
               <a:gdLst>
-                <a:gd name="textAreaLeft" fmla="*/ 0 w 353160"/>
-                <a:gd name="textAreaRight" fmla="*/ 353880 w 353160"/>
-                <a:gd name="textAreaTop" fmla="*/ 0 h 349560"/>
-                <a:gd name="textAreaBottom" fmla="*/ 350280 h 349560"/>
+                <a:gd name="textAreaLeft" fmla="*/ 0 w 352800"/>
+                <a:gd name="textAreaRight" fmla="*/ 353880 w 352800"/>
+                <a:gd name="textAreaTop" fmla="*/ 0 h 349200"/>
+                <a:gd name="textAreaBottom" fmla="*/ 350280 h 349200"/>
               </a:gdLst>
               <a:ahLst/>
               <a:rect l="textAreaLeft" t="textAreaTop" r="textAreaRight" b="textAreaBottom"/>
@@ -25221,16 +25221,16 @@
           </p:nvSpPr>
           <p:spPr>
             <a:xfrm rot="5400000">
-              <a:off x="9633960" y="229320"/>
-              <a:ext cx="505080" cy="500400"/>
+              <a:off x="9634320" y="229320"/>
+              <a:ext cx="504720" cy="500040"/>
             </a:xfrm>
             <a:custGeom>
               <a:avLst/>
               <a:gdLst>
-                <a:gd name="textAreaLeft" fmla="*/ 0 w 505080"/>
-                <a:gd name="textAreaRight" fmla="*/ 505800 w 505080"/>
-                <a:gd name="textAreaTop" fmla="*/ 0 h 500400"/>
-                <a:gd name="textAreaBottom" fmla="*/ 501120 h 500400"/>
+                <a:gd name="textAreaLeft" fmla="*/ 0 w 504720"/>
+                <a:gd name="textAreaRight" fmla="*/ 505800 w 504720"/>
+                <a:gd name="textAreaTop" fmla="*/ 0 h 500040"/>
+                <a:gd name="textAreaBottom" fmla="*/ 501120 h 500040"/>
               </a:gdLst>
               <a:ahLst/>
               <a:rect l="textAreaLeft" t="textAreaTop" r="textAreaRight" b="textAreaBottom"/>
@@ -25392,16 +25392,16 @@
           </p:nvSpPr>
           <p:spPr>
             <a:xfrm rot="5400000">
-              <a:off x="11656800" y="5758200"/>
-              <a:ext cx="353160" cy="349560"/>
+              <a:off x="11657160" y="5758200"/>
+              <a:ext cx="352800" cy="349200"/>
             </a:xfrm>
             <a:custGeom>
               <a:avLst/>
               <a:gdLst>
-                <a:gd name="textAreaLeft" fmla="*/ 0 w 353160"/>
-                <a:gd name="textAreaRight" fmla="*/ 353880 w 353160"/>
-                <a:gd name="textAreaTop" fmla="*/ 0 h 349560"/>
-                <a:gd name="textAreaBottom" fmla="*/ 350280 h 349560"/>
+                <a:gd name="textAreaLeft" fmla="*/ 0 w 352800"/>
+                <a:gd name="textAreaRight" fmla="*/ 353880 w 352800"/>
+                <a:gd name="textAreaTop" fmla="*/ 0 h 349200"/>
+                <a:gd name="textAreaBottom" fmla="*/ 350280 h 349200"/>
               </a:gdLst>
               <a:ahLst/>
               <a:rect l="textAreaLeft" t="textAreaTop" r="textAreaRight" b="textAreaBottom"/>
@@ -25565,16 +25565,16 @@
           </p:nvSpPr>
           <p:spPr>
             <a:xfrm rot="5400000">
-              <a:off x="11503080" y="1041840"/>
-              <a:ext cx="390960" cy="390960"/>
+              <a:off x="11503440" y="1041840"/>
+              <a:ext cx="390600" cy="390600"/>
             </a:xfrm>
             <a:custGeom>
               <a:avLst/>
               <a:gdLst>
-                <a:gd name="textAreaLeft" fmla="*/ 0 w 390960"/>
-                <a:gd name="textAreaRight" fmla="*/ 391680 w 390960"/>
-                <a:gd name="textAreaTop" fmla="*/ 0 h 390960"/>
-                <a:gd name="textAreaBottom" fmla="*/ 391680 h 390960"/>
+                <a:gd name="textAreaLeft" fmla="*/ 0 w 390600"/>
+                <a:gd name="textAreaRight" fmla="*/ 391680 w 390600"/>
+                <a:gd name="textAreaTop" fmla="*/ 0 h 390600"/>
+                <a:gd name="textAreaBottom" fmla="*/ 391680 h 390600"/>
               </a:gdLst>
               <a:ahLst/>
               <a:rect l="textAreaLeft" t="textAreaTop" r="textAreaRight" b="textAreaBottom"/>
@@ -25667,10 +25667,10 @@
           </p:nvGrpSpPr>
           <p:grpSpPr>
             <a:xfrm>
-              <a:off x="10809360" y="353520"/>
-              <a:ext cx="1128240" cy="439560"/>
-              <a:chOff x="10809360" y="353520"/>
-              <a:chExt cx="1128240" cy="439560"/>
+              <a:off x="10809720" y="353520"/>
+              <a:ext cx="1127880" cy="439200"/>
+              <a:chOff x="10809720" y="353520"/>
+              <a:chExt cx="1127880" cy="439200"/>
             </a:xfrm>
           </p:grpSpPr>
           <p:sp>
@@ -25681,16 +25681,16 @@
             </p:nvSpPr>
             <p:spPr>
               <a:xfrm rot="5400000">
-                <a:off x="10811880" y="691560"/>
-                <a:ext cx="101520" cy="101160"/>
+                <a:off x="10812240" y="691560"/>
+                <a:ext cx="101160" cy="100800"/>
               </a:xfrm>
               <a:custGeom>
                 <a:avLst/>
                 <a:gdLst>
-                  <a:gd name="textAreaLeft" fmla="*/ 0 w 101520"/>
-                  <a:gd name="textAreaRight" fmla="*/ 102240 w 101520"/>
-                  <a:gd name="textAreaTop" fmla="*/ 0 h 101160"/>
-                  <a:gd name="textAreaBottom" fmla="*/ 101880 h 101160"/>
+                  <a:gd name="textAreaLeft" fmla="*/ 0 w 101160"/>
+                  <a:gd name="textAreaRight" fmla="*/ 102240 w 101160"/>
+                  <a:gd name="textAreaTop" fmla="*/ 0 h 100800"/>
+                  <a:gd name="textAreaBottom" fmla="*/ 101880 h 100800"/>
                 </a:gdLst>
                 <a:ahLst/>
                 <a:rect l="textAreaLeft" t="textAreaTop" r="textAreaRight" b="textAreaBottom"/>
@@ -25777,16 +25777,16 @@
             </p:nvSpPr>
             <p:spPr>
               <a:xfrm rot="5400000">
-                <a:off x="10809000" y="363240"/>
-                <a:ext cx="101520" cy="101160"/>
+                <a:off x="10809360" y="363240"/>
+                <a:ext cx="101160" cy="100800"/>
               </a:xfrm>
               <a:custGeom>
                 <a:avLst/>
                 <a:gdLst>
-                  <a:gd name="textAreaLeft" fmla="*/ 0 w 101520"/>
-                  <a:gd name="textAreaRight" fmla="*/ 102240 w 101520"/>
-                  <a:gd name="textAreaTop" fmla="*/ 0 h 101160"/>
-                  <a:gd name="textAreaBottom" fmla="*/ 101880 h 101160"/>
+                  <a:gd name="textAreaLeft" fmla="*/ 0 w 101160"/>
+                  <a:gd name="textAreaRight" fmla="*/ 102240 w 101160"/>
+                  <a:gd name="textAreaTop" fmla="*/ 0 h 100800"/>
+                  <a:gd name="textAreaBottom" fmla="*/ 101880 h 100800"/>
                 </a:gdLst>
                 <a:ahLst/>
                 <a:rect l="textAreaLeft" t="textAreaTop" r="textAreaRight" b="textAreaBottom"/>
@@ -25873,16 +25873,16 @@
             </p:nvSpPr>
             <p:spPr>
               <a:xfrm rot="5400000">
-                <a:off x="11068200" y="689040"/>
-                <a:ext cx="101520" cy="101160"/>
+                <a:off x="11068560" y="689040"/>
+                <a:ext cx="101160" cy="100800"/>
               </a:xfrm>
               <a:custGeom>
                 <a:avLst/>
                 <a:gdLst>
-                  <a:gd name="textAreaLeft" fmla="*/ 0 w 101520"/>
-                  <a:gd name="textAreaRight" fmla="*/ 102240 w 101520"/>
-                  <a:gd name="textAreaTop" fmla="*/ 0 h 101160"/>
-                  <a:gd name="textAreaBottom" fmla="*/ 101880 h 101160"/>
+                  <a:gd name="textAreaLeft" fmla="*/ 0 w 101160"/>
+                  <a:gd name="textAreaRight" fmla="*/ 102240 w 101160"/>
+                  <a:gd name="textAreaTop" fmla="*/ 0 h 100800"/>
+                  <a:gd name="textAreaBottom" fmla="*/ 101880 h 100800"/>
                 </a:gdLst>
                 <a:ahLst/>
                 <a:rect l="textAreaLeft" t="textAreaTop" r="textAreaRight" b="textAreaBottom"/>
@@ -25969,16 +25969,16 @@
             </p:nvSpPr>
             <p:spPr>
               <a:xfrm rot="5400000">
-                <a:off x="11065320" y="361080"/>
-                <a:ext cx="101520" cy="100800"/>
+                <a:off x="11065680" y="361080"/>
+                <a:ext cx="101160" cy="100440"/>
               </a:xfrm>
               <a:custGeom>
                 <a:avLst/>
                 <a:gdLst>
-                  <a:gd name="textAreaLeft" fmla="*/ 0 w 101520"/>
-                  <a:gd name="textAreaRight" fmla="*/ 102240 w 101520"/>
-                  <a:gd name="textAreaTop" fmla="*/ 0 h 100800"/>
-                  <a:gd name="textAreaBottom" fmla="*/ 101520 h 100800"/>
+                  <a:gd name="textAreaLeft" fmla="*/ 0 w 101160"/>
+                  <a:gd name="textAreaRight" fmla="*/ 102240 w 101160"/>
+                  <a:gd name="textAreaTop" fmla="*/ 0 h 100440"/>
+                  <a:gd name="textAreaBottom" fmla="*/ 101520 h 100440"/>
                 </a:gdLst>
                 <a:ahLst/>
                 <a:rect l="textAreaLeft" t="textAreaTop" r="textAreaRight" b="textAreaBottom"/>
@@ -26065,16 +26065,16 @@
             </p:nvSpPr>
             <p:spPr>
               <a:xfrm rot="5400000">
-                <a:off x="11324160" y="687240"/>
-                <a:ext cx="101520" cy="100800"/>
+                <a:off x="11324520" y="687240"/>
+                <a:ext cx="101160" cy="100440"/>
               </a:xfrm>
               <a:custGeom>
                 <a:avLst/>
                 <a:gdLst>
-                  <a:gd name="textAreaLeft" fmla="*/ 0 w 101520"/>
-                  <a:gd name="textAreaRight" fmla="*/ 102240 w 101520"/>
-                  <a:gd name="textAreaTop" fmla="*/ 0 h 100800"/>
-                  <a:gd name="textAreaBottom" fmla="*/ 101520 h 100800"/>
+                  <a:gd name="textAreaLeft" fmla="*/ 0 w 101160"/>
+                  <a:gd name="textAreaRight" fmla="*/ 102240 w 101160"/>
+                  <a:gd name="textAreaTop" fmla="*/ 0 h 100440"/>
+                  <a:gd name="textAreaBottom" fmla="*/ 101520 h 100440"/>
                 </a:gdLst>
                 <a:ahLst/>
                 <a:rect l="textAreaLeft" t="textAreaTop" r="textAreaRight" b="textAreaBottom"/>
@@ -26161,16 +26161,16 @@
             </p:nvSpPr>
             <p:spPr>
               <a:xfrm rot="5400000">
-                <a:off x="11320920" y="358200"/>
-                <a:ext cx="101520" cy="101160"/>
+                <a:off x="11321280" y="358200"/>
+                <a:ext cx="101160" cy="100800"/>
               </a:xfrm>
               <a:custGeom>
                 <a:avLst/>
                 <a:gdLst>
-                  <a:gd name="textAreaLeft" fmla="*/ 0 w 101520"/>
-                  <a:gd name="textAreaRight" fmla="*/ 102240 w 101520"/>
-                  <a:gd name="textAreaTop" fmla="*/ 0 h 101160"/>
-                  <a:gd name="textAreaBottom" fmla="*/ 101880 h 101160"/>
+                  <a:gd name="textAreaLeft" fmla="*/ 0 w 101160"/>
+                  <a:gd name="textAreaRight" fmla="*/ 102240 w 101160"/>
+                  <a:gd name="textAreaTop" fmla="*/ 0 h 100800"/>
+                  <a:gd name="textAreaBottom" fmla="*/ 101880 h 100800"/>
                 </a:gdLst>
                 <a:ahLst/>
                 <a:rect l="textAreaLeft" t="textAreaTop" r="textAreaRight" b="textAreaBottom"/>
@@ -26252,16 +26252,16 @@
             </p:nvSpPr>
             <p:spPr>
               <a:xfrm rot="5400000">
-                <a:off x="11580120" y="684360"/>
-                <a:ext cx="101520" cy="101160"/>
+                <a:off x="11580480" y="684360"/>
+                <a:ext cx="101160" cy="100800"/>
               </a:xfrm>
               <a:custGeom>
                 <a:avLst/>
                 <a:gdLst>
-                  <a:gd name="textAreaLeft" fmla="*/ 0 w 101520"/>
-                  <a:gd name="textAreaRight" fmla="*/ 102240 w 101520"/>
-                  <a:gd name="textAreaTop" fmla="*/ 0 h 101160"/>
-                  <a:gd name="textAreaBottom" fmla="*/ 101880 h 101160"/>
+                  <a:gd name="textAreaLeft" fmla="*/ 0 w 101160"/>
+                  <a:gd name="textAreaRight" fmla="*/ 102240 w 101160"/>
+                  <a:gd name="textAreaTop" fmla="*/ 0 h 100800"/>
+                  <a:gd name="textAreaBottom" fmla="*/ 101880 h 100800"/>
                 </a:gdLst>
                 <a:ahLst/>
                 <a:rect l="textAreaLeft" t="textAreaTop" r="textAreaRight" b="textAreaBottom"/>
@@ -26348,16 +26348,16 @@
             </p:nvSpPr>
             <p:spPr>
               <a:xfrm rot="5400000">
-                <a:off x="11577240" y="356040"/>
-                <a:ext cx="101160" cy="101160"/>
+                <a:off x="11577600" y="356040"/>
+                <a:ext cx="100800" cy="100800"/>
               </a:xfrm>
               <a:custGeom>
                 <a:avLst/>
                 <a:gdLst>
-                  <a:gd name="textAreaLeft" fmla="*/ 0 w 101160"/>
-                  <a:gd name="textAreaRight" fmla="*/ 101880 w 101160"/>
-                  <a:gd name="textAreaTop" fmla="*/ 0 h 101160"/>
-                  <a:gd name="textAreaBottom" fmla="*/ 101880 h 101160"/>
+                  <a:gd name="textAreaLeft" fmla="*/ 0 w 100800"/>
+                  <a:gd name="textAreaRight" fmla="*/ 101880 w 100800"/>
+                  <a:gd name="textAreaTop" fmla="*/ 0 h 100800"/>
+                  <a:gd name="textAreaBottom" fmla="*/ 101880 h 100800"/>
                 </a:gdLst>
                 <a:ahLst/>
                 <a:rect l="textAreaLeft" t="textAreaTop" r="textAreaRight" b="textAreaBottom"/>
@@ -26444,16 +26444,16 @@
             </p:nvSpPr>
             <p:spPr>
               <a:xfrm rot="5400000">
-                <a:off x="11836440" y="681840"/>
-                <a:ext cx="101160" cy="101160"/>
+                <a:off x="11836800" y="681840"/>
+                <a:ext cx="100800" cy="100800"/>
               </a:xfrm>
               <a:custGeom>
                 <a:avLst/>
                 <a:gdLst>
-                  <a:gd name="textAreaLeft" fmla="*/ 0 w 101160"/>
-                  <a:gd name="textAreaRight" fmla="*/ 101880 w 101160"/>
-                  <a:gd name="textAreaTop" fmla="*/ 0 h 101160"/>
-                  <a:gd name="textAreaBottom" fmla="*/ 101880 h 101160"/>
+                  <a:gd name="textAreaLeft" fmla="*/ 0 w 100800"/>
+                  <a:gd name="textAreaRight" fmla="*/ 101880 w 100800"/>
+                  <a:gd name="textAreaTop" fmla="*/ 0 h 100800"/>
+                  <a:gd name="textAreaBottom" fmla="*/ 101880 h 100800"/>
                 </a:gdLst>
                 <a:ahLst/>
                 <a:rect l="textAreaLeft" t="textAreaTop" r="textAreaRight" b="textAreaBottom"/>
@@ -26540,16 +26540,16 @@
             </p:nvSpPr>
             <p:spPr>
               <a:xfrm rot="5400000">
-                <a:off x="11833200" y="353520"/>
-                <a:ext cx="101520" cy="101160"/>
+                <a:off x="11833560" y="353520"/>
+                <a:ext cx="101160" cy="100800"/>
               </a:xfrm>
               <a:custGeom>
                 <a:avLst/>
                 <a:gdLst>
-                  <a:gd name="textAreaLeft" fmla="*/ 0 w 101520"/>
-                  <a:gd name="textAreaRight" fmla="*/ 102240 w 101520"/>
-                  <a:gd name="textAreaTop" fmla="*/ 0 h 101160"/>
-                  <a:gd name="textAreaBottom" fmla="*/ 101880 h 101160"/>
+                  <a:gd name="textAreaLeft" fmla="*/ 0 w 101160"/>
+                  <a:gd name="textAreaRight" fmla="*/ 102240 w 101160"/>
+                  <a:gd name="textAreaTop" fmla="*/ 0 h 100800"/>
+                  <a:gd name="textAreaBottom" fmla="*/ 101880 h 100800"/>
                 </a:gdLst>
                 <a:ahLst/>
                 <a:rect l="textAreaLeft" t="textAreaTop" r="textAreaRight" b="textAreaBottom"/>
@@ -26958,10 +26958,10 @@
         </p:nvGrpSpPr>
         <p:grpSpPr>
           <a:xfrm>
-            <a:off x="9039600" y="146880"/>
-            <a:ext cx="2966400" cy="2564640"/>
-            <a:chOff x="9039600" y="146880"/>
-            <a:chExt cx="2966400" cy="2564640"/>
+            <a:off x="9039960" y="146880"/>
+            <a:ext cx="2966040" cy="2564280"/>
+            <a:chOff x="9039960" y="146880"/>
+            <a:chExt cx="2966040" cy="2564280"/>
           </a:xfrm>
         </p:grpSpPr>
         <p:sp>
@@ -26972,16 +26972,16 @@
           </p:nvSpPr>
           <p:spPr>
             <a:xfrm rot="7106400">
-              <a:off x="9998280" y="214560"/>
-              <a:ext cx="376920" cy="373320"/>
+              <a:off x="9998640" y="214560"/>
+              <a:ext cx="376560" cy="372960"/>
             </a:xfrm>
             <a:custGeom>
               <a:avLst/>
               <a:gdLst>
-                <a:gd name="textAreaLeft" fmla="*/ 0 w 376920"/>
-                <a:gd name="textAreaRight" fmla="*/ 377640 w 376920"/>
-                <a:gd name="textAreaTop" fmla="*/ 0 h 373320"/>
-                <a:gd name="textAreaBottom" fmla="*/ 374040 h 373320"/>
+                <a:gd name="textAreaLeft" fmla="*/ 0 w 376560"/>
+                <a:gd name="textAreaRight" fmla="*/ 377640 w 376560"/>
+                <a:gd name="textAreaTop" fmla="*/ 0 h 372960"/>
+                <a:gd name="textAreaBottom" fmla="*/ 374040 h 372960"/>
               </a:gdLst>
               <a:ahLst/>
               <a:rect l="textAreaLeft" t="textAreaTop" r="textAreaRight" b="textAreaBottom"/>
@@ -27143,16 +27143,16 @@
           </p:nvSpPr>
           <p:spPr>
             <a:xfrm rot="5400000">
-              <a:off x="11343240" y="2048760"/>
-              <a:ext cx="662760" cy="662760"/>
+              <a:off x="11343600" y="2048760"/>
+              <a:ext cx="662400" cy="662400"/>
             </a:xfrm>
             <a:custGeom>
               <a:avLst/>
               <a:gdLst>
-                <a:gd name="textAreaLeft" fmla="*/ 0 w 662760"/>
-                <a:gd name="textAreaRight" fmla="*/ 663480 w 662760"/>
-                <a:gd name="textAreaTop" fmla="*/ 0 h 662760"/>
-                <a:gd name="textAreaBottom" fmla="*/ 663480 h 662760"/>
+                <a:gd name="textAreaLeft" fmla="*/ 0 w 662400"/>
+                <a:gd name="textAreaRight" fmla="*/ 663480 w 662400"/>
+                <a:gd name="textAreaTop" fmla="*/ 0 h 662400"/>
+                <a:gd name="textAreaBottom" fmla="*/ 663480 h 662400"/>
               </a:gdLst>
               <a:ahLst/>
               <a:rect l="textAreaLeft" t="textAreaTop" r="textAreaRight" b="textAreaBottom"/>
@@ -27245,16 +27245,16 @@
           </p:nvSpPr>
           <p:spPr>
             <a:xfrm rot="5400000">
-              <a:off x="9039240" y="284760"/>
-              <a:ext cx="451080" cy="450720"/>
+              <a:off x="9039600" y="284760"/>
+              <a:ext cx="450720" cy="450360"/>
             </a:xfrm>
             <a:custGeom>
               <a:avLst/>
               <a:gdLst>
-                <a:gd name="textAreaLeft" fmla="*/ 0 w 451080"/>
-                <a:gd name="textAreaRight" fmla="*/ 451800 w 451080"/>
-                <a:gd name="textAreaTop" fmla="*/ 0 h 450720"/>
-                <a:gd name="textAreaBottom" fmla="*/ 451440 h 450720"/>
+                <a:gd name="textAreaLeft" fmla="*/ 0 w 450720"/>
+                <a:gd name="textAreaRight" fmla="*/ 451800 w 450720"/>
+                <a:gd name="textAreaTop" fmla="*/ 0 h 450360"/>
+                <a:gd name="textAreaBottom" fmla="*/ 451440 h 450360"/>
               </a:gdLst>
               <a:ahLst/>
               <a:rect l="textAreaLeft" t="textAreaTop" r="textAreaRight" b="textAreaBottom"/>
@@ -27347,16 +27347,16 @@
           </p:nvSpPr>
           <p:spPr>
             <a:xfrm rot="5400000">
-              <a:off x="10200960" y="957240"/>
-              <a:ext cx="230040" cy="230040"/>
+              <a:off x="10201320" y="957240"/>
+              <a:ext cx="229680" cy="229680"/>
             </a:xfrm>
             <a:custGeom>
               <a:avLst/>
               <a:gdLst>
-                <a:gd name="textAreaLeft" fmla="*/ 0 w 230040"/>
-                <a:gd name="textAreaRight" fmla="*/ 230760 w 230040"/>
-                <a:gd name="textAreaTop" fmla="*/ 0 h 230040"/>
-                <a:gd name="textAreaBottom" fmla="*/ 230760 h 230040"/>
+                <a:gd name="textAreaLeft" fmla="*/ 0 w 229680"/>
+                <a:gd name="textAreaRight" fmla="*/ 230760 w 229680"/>
+                <a:gd name="textAreaTop" fmla="*/ 0 h 229680"/>
+                <a:gd name="textAreaBottom" fmla="*/ 230760 h 229680"/>
               </a:gdLst>
               <a:ahLst/>
               <a:rect l="textAreaLeft" t="textAreaTop" r="textAreaRight" b="textAreaBottom"/>
@@ -27425,10 +27425,10 @@
           </p:nvGrpSpPr>
           <p:grpSpPr>
             <a:xfrm>
-              <a:off x="10748880" y="244800"/>
-              <a:ext cx="1190160" cy="1405440"/>
-              <a:chOff x="10748880" y="244800"/>
-              <a:chExt cx="1190160" cy="1405440"/>
+              <a:off x="10749240" y="244800"/>
+              <a:ext cx="1189800" cy="1405080"/>
+              <a:chOff x="10749240" y="244800"/>
+              <a:chExt cx="1189800" cy="1405080"/>
             </a:xfrm>
           </p:grpSpPr>
           <p:sp>
@@ -27439,16 +27439,16 @@
             </p:nvSpPr>
             <p:spPr>
               <a:xfrm rot="5400000">
-                <a:off x="11830680" y="244800"/>
-                <a:ext cx="106920" cy="106920"/>
+                <a:off x="11831040" y="244800"/>
+                <a:ext cx="106560" cy="106560"/>
               </a:xfrm>
               <a:custGeom>
                 <a:avLst/>
                 <a:gdLst>
-                  <a:gd name="textAreaLeft" fmla="*/ 0 w 106920"/>
-                  <a:gd name="textAreaRight" fmla="*/ 107640 w 106920"/>
-                  <a:gd name="textAreaTop" fmla="*/ 0 h 106920"/>
-                  <a:gd name="textAreaBottom" fmla="*/ 107640 h 106920"/>
+                  <a:gd name="textAreaLeft" fmla="*/ 0 w 106560"/>
+                  <a:gd name="textAreaRight" fmla="*/ 107640 w 106560"/>
+                  <a:gd name="textAreaTop" fmla="*/ 0 h 106560"/>
+                  <a:gd name="textAreaBottom" fmla="*/ 107640 h 106560"/>
                 </a:gdLst>
                 <a:ahLst/>
                 <a:rect l="textAreaLeft" t="textAreaTop" r="textAreaRight" b="textAreaBottom"/>
@@ -27528,16 +27528,16 @@
             </p:nvSpPr>
             <p:spPr>
               <a:xfrm rot="5400000">
-                <a:off x="11831040" y="570240"/>
-                <a:ext cx="106560" cy="106920"/>
+                <a:off x="11831400" y="570240"/>
+                <a:ext cx="106200" cy="106560"/>
               </a:xfrm>
               <a:custGeom>
                 <a:avLst/>
                 <a:gdLst>
-                  <a:gd name="textAreaLeft" fmla="*/ 0 w 106560"/>
-                  <a:gd name="textAreaRight" fmla="*/ 107280 w 106560"/>
-                  <a:gd name="textAreaTop" fmla="*/ 0 h 106920"/>
-                  <a:gd name="textAreaBottom" fmla="*/ 107640 h 106920"/>
+                  <a:gd name="textAreaLeft" fmla="*/ 0 w 106200"/>
+                  <a:gd name="textAreaRight" fmla="*/ 107280 w 106200"/>
+                  <a:gd name="textAreaTop" fmla="*/ 0 h 106560"/>
+                  <a:gd name="textAreaBottom" fmla="*/ 107640 h 106560"/>
                 </a:gdLst>
                 <a:ahLst/>
                 <a:rect l="textAreaLeft" t="textAreaTop" r="textAreaRight" b="textAreaBottom"/>
@@ -27617,16 +27617,16 @@
             </p:nvSpPr>
             <p:spPr>
               <a:xfrm rot="5400000">
-                <a:off x="11831400" y="893520"/>
-                <a:ext cx="106920" cy="106920"/>
+                <a:off x="11831760" y="893520"/>
+                <a:ext cx="106560" cy="106560"/>
               </a:xfrm>
               <a:custGeom>
                 <a:avLst/>
                 <a:gdLst>
-                  <a:gd name="textAreaLeft" fmla="*/ 0 w 106920"/>
-                  <a:gd name="textAreaRight" fmla="*/ 107640 w 106920"/>
-                  <a:gd name="textAreaTop" fmla="*/ 0 h 106920"/>
-                  <a:gd name="textAreaBottom" fmla="*/ 107640 h 106920"/>
+                  <a:gd name="textAreaLeft" fmla="*/ 0 w 106560"/>
+                  <a:gd name="textAreaRight" fmla="*/ 107640 w 106560"/>
+                  <a:gd name="textAreaTop" fmla="*/ 0 h 106560"/>
+                  <a:gd name="textAreaBottom" fmla="*/ 107640 h 106560"/>
                 </a:gdLst>
                 <a:ahLst/>
                 <a:rect l="textAreaLeft" t="textAreaTop" r="textAreaRight" b="textAreaBottom"/>
@@ -27706,16 +27706,16 @@
             </p:nvSpPr>
             <p:spPr>
               <a:xfrm rot="5400000">
-                <a:off x="11831760" y="1216800"/>
-                <a:ext cx="106920" cy="106560"/>
+                <a:off x="11832120" y="1216800"/>
+                <a:ext cx="106560" cy="106200"/>
               </a:xfrm>
               <a:custGeom>
                 <a:avLst/>
                 <a:gdLst>
-                  <a:gd name="textAreaLeft" fmla="*/ 0 w 106920"/>
-                  <a:gd name="textAreaRight" fmla="*/ 107640 w 106920"/>
-                  <a:gd name="textAreaTop" fmla="*/ 0 h 106560"/>
-                  <a:gd name="textAreaBottom" fmla="*/ 107280 h 106560"/>
+                  <a:gd name="textAreaLeft" fmla="*/ 0 w 106560"/>
+                  <a:gd name="textAreaRight" fmla="*/ 107640 w 106560"/>
+                  <a:gd name="textAreaTop" fmla="*/ 0 h 106200"/>
+                  <a:gd name="textAreaBottom" fmla="*/ 107280 h 106200"/>
                 </a:gdLst>
                 <a:ahLst/>
                 <a:rect l="textAreaLeft" t="textAreaTop" r="textAreaRight" b="textAreaBottom"/>
@@ -27800,16 +27800,16 @@
             </p:nvSpPr>
             <p:spPr>
               <a:xfrm rot="5400000">
-                <a:off x="11832120" y="1542240"/>
-                <a:ext cx="106920" cy="106560"/>
+                <a:off x="11832480" y="1542240"/>
+                <a:ext cx="106560" cy="106200"/>
               </a:xfrm>
               <a:custGeom>
                 <a:avLst/>
                 <a:gdLst>
-                  <a:gd name="textAreaLeft" fmla="*/ 0 w 106920"/>
-                  <a:gd name="textAreaRight" fmla="*/ 107640 w 106920"/>
-                  <a:gd name="textAreaTop" fmla="*/ 0 h 106560"/>
-                  <a:gd name="textAreaBottom" fmla="*/ 107280 h 106560"/>
+                  <a:gd name="textAreaLeft" fmla="*/ 0 w 106560"/>
+                  <a:gd name="textAreaRight" fmla="*/ 107640 w 106560"/>
+                  <a:gd name="textAreaTop" fmla="*/ 0 h 106200"/>
+                  <a:gd name="textAreaBottom" fmla="*/ 107280 h 106200"/>
                 </a:gdLst>
                 <a:ahLst/>
                 <a:rect l="textAreaLeft" t="textAreaTop" r="textAreaRight" b="textAreaBottom"/>
@@ -27889,16 +27889,16 @@
             </p:nvSpPr>
             <p:spPr>
               <a:xfrm rot="5400000">
-                <a:off x="11560320" y="245160"/>
-                <a:ext cx="106920" cy="106920"/>
+                <a:off x="11560680" y="245160"/>
+                <a:ext cx="106560" cy="106560"/>
               </a:xfrm>
               <a:custGeom>
                 <a:avLst/>
                 <a:gdLst>
-                  <a:gd name="textAreaLeft" fmla="*/ 0 w 106920"/>
-                  <a:gd name="textAreaRight" fmla="*/ 107640 w 106920"/>
-                  <a:gd name="textAreaTop" fmla="*/ 0 h 106920"/>
-                  <a:gd name="textAreaBottom" fmla="*/ 107640 h 106920"/>
+                  <a:gd name="textAreaLeft" fmla="*/ 0 w 106560"/>
+                  <a:gd name="textAreaRight" fmla="*/ 107640 w 106560"/>
+                  <a:gd name="textAreaTop" fmla="*/ 0 h 106560"/>
+                  <a:gd name="textAreaBottom" fmla="*/ 107640 h 106560"/>
                 </a:gdLst>
                 <a:ahLst/>
                 <a:rect l="textAreaLeft" t="textAreaTop" r="textAreaRight" b="textAreaBottom"/>
@@ -27978,16 +27978,16 @@
             </p:nvSpPr>
             <p:spPr>
               <a:xfrm rot="5400000">
-                <a:off x="11560320" y="570600"/>
-                <a:ext cx="106560" cy="106920"/>
+                <a:off x="11560680" y="570600"/>
+                <a:ext cx="106200" cy="106560"/>
               </a:xfrm>
               <a:custGeom>
                 <a:avLst/>
                 <a:gdLst>
-                  <a:gd name="textAreaLeft" fmla="*/ 0 w 106560"/>
-                  <a:gd name="textAreaRight" fmla="*/ 107280 w 106560"/>
-                  <a:gd name="textAreaTop" fmla="*/ 0 h 106920"/>
-                  <a:gd name="textAreaBottom" fmla="*/ 107640 h 106920"/>
+                  <a:gd name="textAreaLeft" fmla="*/ 0 w 106200"/>
+                  <a:gd name="textAreaRight" fmla="*/ 107280 w 106200"/>
+                  <a:gd name="textAreaTop" fmla="*/ 0 h 106560"/>
+                  <a:gd name="textAreaBottom" fmla="*/ 107640 h 106560"/>
                 </a:gdLst>
                 <a:ahLst/>
                 <a:rect l="textAreaLeft" t="textAreaTop" r="textAreaRight" b="textAreaBottom"/>
@@ -28067,16 +28067,16 @@
             </p:nvSpPr>
             <p:spPr>
               <a:xfrm rot="5400000">
-                <a:off x="11560680" y="893880"/>
-                <a:ext cx="106920" cy="106920"/>
+                <a:off x="11561040" y="893880"/>
+                <a:ext cx="106560" cy="106560"/>
               </a:xfrm>
               <a:custGeom>
                 <a:avLst/>
                 <a:gdLst>
-                  <a:gd name="textAreaLeft" fmla="*/ 0 w 106920"/>
-                  <a:gd name="textAreaRight" fmla="*/ 107640 w 106920"/>
-                  <a:gd name="textAreaTop" fmla="*/ 0 h 106920"/>
-                  <a:gd name="textAreaBottom" fmla="*/ 107640 h 106920"/>
+                  <a:gd name="textAreaLeft" fmla="*/ 0 w 106560"/>
+                  <a:gd name="textAreaRight" fmla="*/ 107640 w 106560"/>
+                  <a:gd name="textAreaTop" fmla="*/ 0 h 106560"/>
+                  <a:gd name="textAreaBottom" fmla="*/ 107640 h 106560"/>
                 </a:gdLst>
                 <a:ahLst/>
                 <a:rect l="textAreaLeft" t="textAreaTop" r="textAreaRight" b="textAreaBottom"/>
@@ -28156,16 +28156,16 @@
             </p:nvSpPr>
             <p:spPr>
               <a:xfrm rot="5400000">
-                <a:off x="11561760" y="1217160"/>
-                <a:ext cx="106560" cy="106560"/>
+                <a:off x="11562120" y="1217160"/>
+                <a:ext cx="106200" cy="106200"/>
               </a:xfrm>
               <a:custGeom>
                 <a:avLst/>
                 <a:gdLst>
-                  <a:gd name="textAreaLeft" fmla="*/ 0 w 106560"/>
-                  <a:gd name="textAreaRight" fmla="*/ 107280 w 106560"/>
-                  <a:gd name="textAreaTop" fmla="*/ 0 h 106560"/>
-                  <a:gd name="textAreaBottom" fmla="*/ 107280 h 106560"/>
+                  <a:gd name="textAreaLeft" fmla="*/ 0 w 106200"/>
+                  <a:gd name="textAreaRight" fmla="*/ 107280 w 106200"/>
+                  <a:gd name="textAreaTop" fmla="*/ 0 h 106200"/>
+                  <a:gd name="textAreaBottom" fmla="*/ 107280 h 106200"/>
                 </a:gdLst>
                 <a:ahLst/>
                 <a:rect l="textAreaLeft" t="textAreaTop" r="textAreaRight" b="textAreaBottom"/>
@@ -28250,16 +28250,16 @@
             </p:nvSpPr>
             <p:spPr>
               <a:xfrm rot="5400000">
-                <a:off x="11561400" y="1542600"/>
-                <a:ext cx="106920" cy="106560"/>
+                <a:off x="11561760" y="1542600"/>
+                <a:ext cx="106560" cy="106200"/>
               </a:xfrm>
               <a:custGeom>
                 <a:avLst/>
                 <a:gdLst>
-                  <a:gd name="textAreaLeft" fmla="*/ 0 w 106920"/>
-                  <a:gd name="textAreaRight" fmla="*/ 107640 w 106920"/>
-                  <a:gd name="textAreaTop" fmla="*/ 0 h 106560"/>
-                  <a:gd name="textAreaBottom" fmla="*/ 107280 h 106560"/>
+                  <a:gd name="textAreaLeft" fmla="*/ 0 w 106560"/>
+                  <a:gd name="textAreaRight" fmla="*/ 107640 w 106560"/>
+                  <a:gd name="textAreaTop" fmla="*/ 0 h 106200"/>
+                  <a:gd name="textAreaBottom" fmla="*/ 107280 h 106200"/>
                 </a:gdLst>
                 <a:ahLst/>
                 <a:rect l="textAreaLeft" t="textAreaTop" r="textAreaRight" b="textAreaBottom"/>
@@ -28339,16 +28339,16 @@
             </p:nvSpPr>
             <p:spPr>
               <a:xfrm rot="5400000">
-                <a:off x="11289240" y="245520"/>
-                <a:ext cx="106920" cy="106560"/>
+                <a:off x="11289600" y="245520"/>
+                <a:ext cx="106560" cy="106200"/>
               </a:xfrm>
               <a:custGeom>
                 <a:avLst/>
                 <a:gdLst>
-                  <a:gd name="textAreaLeft" fmla="*/ 0 w 106920"/>
-                  <a:gd name="textAreaRight" fmla="*/ 107640 w 106920"/>
-                  <a:gd name="textAreaTop" fmla="*/ 0 h 106560"/>
-                  <a:gd name="textAreaBottom" fmla="*/ 107280 h 106560"/>
+                  <a:gd name="textAreaLeft" fmla="*/ 0 w 106560"/>
+                  <a:gd name="textAreaRight" fmla="*/ 107640 w 106560"/>
+                  <a:gd name="textAreaTop" fmla="*/ 0 h 106200"/>
+                  <a:gd name="textAreaBottom" fmla="*/ 107280 h 106200"/>
                 </a:gdLst>
                 <a:ahLst/>
                 <a:rect l="textAreaLeft" t="textAreaTop" r="textAreaRight" b="textAreaBottom"/>
@@ -28433,16 +28433,16 @@
             </p:nvSpPr>
             <p:spPr>
               <a:xfrm rot="5400000">
-                <a:off x="11289960" y="570960"/>
-                <a:ext cx="106560" cy="106920"/>
+                <a:off x="11290320" y="570960"/>
+                <a:ext cx="106200" cy="106560"/>
               </a:xfrm>
               <a:custGeom>
                 <a:avLst/>
                 <a:gdLst>
-                  <a:gd name="textAreaLeft" fmla="*/ 0 w 106560"/>
-                  <a:gd name="textAreaRight" fmla="*/ 107280 w 106560"/>
-                  <a:gd name="textAreaTop" fmla="*/ 0 h 106920"/>
-                  <a:gd name="textAreaBottom" fmla="*/ 107640 h 106920"/>
+                  <a:gd name="textAreaLeft" fmla="*/ 0 w 106200"/>
+                  <a:gd name="textAreaRight" fmla="*/ 107280 w 106200"/>
+                  <a:gd name="textAreaTop" fmla="*/ 0 h 106560"/>
+                  <a:gd name="textAreaBottom" fmla="*/ 107640 h 106560"/>
                 </a:gdLst>
                 <a:ahLst/>
                 <a:rect l="textAreaLeft" t="textAreaTop" r="textAreaRight" b="textAreaBottom"/>
@@ -28522,16 +28522,16 @@
             </p:nvSpPr>
             <p:spPr>
               <a:xfrm rot="5400000">
-                <a:off x="11290320" y="894240"/>
-                <a:ext cx="106920" cy="106920"/>
+                <a:off x="11290680" y="894240"/>
+                <a:ext cx="106560" cy="106560"/>
               </a:xfrm>
               <a:custGeom>
                 <a:avLst/>
                 <a:gdLst>
-                  <a:gd name="textAreaLeft" fmla="*/ 0 w 106920"/>
-                  <a:gd name="textAreaRight" fmla="*/ 107640 w 106920"/>
-                  <a:gd name="textAreaTop" fmla="*/ 0 h 106920"/>
-                  <a:gd name="textAreaBottom" fmla="*/ 107640 h 106920"/>
+                  <a:gd name="textAreaLeft" fmla="*/ 0 w 106560"/>
+                  <a:gd name="textAreaRight" fmla="*/ 107640 w 106560"/>
+                  <a:gd name="textAreaTop" fmla="*/ 0 h 106560"/>
+                  <a:gd name="textAreaBottom" fmla="*/ 107640 h 106560"/>
                 </a:gdLst>
                 <a:ahLst/>
                 <a:rect l="textAreaLeft" t="textAreaTop" r="textAreaRight" b="textAreaBottom"/>
@@ -28611,16 +28611,16 @@
             </p:nvSpPr>
             <p:spPr>
               <a:xfrm rot="5400000">
-                <a:off x="11290680" y="1217160"/>
-                <a:ext cx="106560" cy="106920"/>
+                <a:off x="11291040" y="1217160"/>
+                <a:ext cx="106200" cy="106560"/>
               </a:xfrm>
               <a:custGeom>
                 <a:avLst/>
                 <a:gdLst>
-                  <a:gd name="textAreaLeft" fmla="*/ 0 w 106560"/>
-                  <a:gd name="textAreaRight" fmla="*/ 107280 w 106560"/>
-                  <a:gd name="textAreaTop" fmla="*/ 0 h 106920"/>
-                  <a:gd name="textAreaBottom" fmla="*/ 107640 h 106920"/>
+                  <a:gd name="textAreaLeft" fmla="*/ 0 w 106200"/>
+                  <a:gd name="textAreaRight" fmla="*/ 107280 w 106200"/>
+                  <a:gd name="textAreaTop" fmla="*/ 0 h 106560"/>
+                  <a:gd name="textAreaBottom" fmla="*/ 107640 h 106560"/>
                 </a:gdLst>
                 <a:ahLst/>
                 <a:rect l="textAreaLeft" t="textAreaTop" r="textAreaRight" b="textAreaBottom"/>
@@ -28700,16 +28700,16 @@
             </p:nvSpPr>
             <p:spPr>
               <a:xfrm rot="5400000">
-                <a:off x="11291040" y="1542600"/>
-                <a:ext cx="106920" cy="106560"/>
+                <a:off x="11291400" y="1542600"/>
+                <a:ext cx="106560" cy="106200"/>
               </a:xfrm>
               <a:custGeom>
                 <a:avLst/>
                 <a:gdLst>
-                  <a:gd name="textAreaLeft" fmla="*/ 0 w 106920"/>
-                  <a:gd name="textAreaRight" fmla="*/ 107640 w 106920"/>
-                  <a:gd name="textAreaTop" fmla="*/ 0 h 106560"/>
-                  <a:gd name="textAreaBottom" fmla="*/ 107280 h 106560"/>
+                  <a:gd name="textAreaLeft" fmla="*/ 0 w 106560"/>
+                  <a:gd name="textAreaRight" fmla="*/ 107640 w 106560"/>
+                  <a:gd name="textAreaTop" fmla="*/ 0 h 106200"/>
+                  <a:gd name="textAreaBottom" fmla="*/ 107280 h 106200"/>
                 </a:gdLst>
                 <a:ahLst/>
                 <a:rect l="textAreaLeft" t="textAreaTop" r="textAreaRight" b="textAreaBottom"/>
@@ -28789,16 +28789,16 @@
             </p:nvSpPr>
             <p:spPr>
               <a:xfrm rot="5400000">
-                <a:off x="11018880" y="245880"/>
-                <a:ext cx="106920" cy="106560"/>
+                <a:off x="11019240" y="245880"/>
+                <a:ext cx="106560" cy="106200"/>
               </a:xfrm>
               <a:custGeom>
                 <a:avLst/>
                 <a:gdLst>
-                  <a:gd name="textAreaLeft" fmla="*/ 0 w 106920"/>
-                  <a:gd name="textAreaRight" fmla="*/ 107640 w 106920"/>
-                  <a:gd name="textAreaTop" fmla="*/ 0 h 106560"/>
-                  <a:gd name="textAreaBottom" fmla="*/ 107280 h 106560"/>
+                  <a:gd name="textAreaLeft" fmla="*/ 0 w 106560"/>
+                  <a:gd name="textAreaRight" fmla="*/ 107640 w 106560"/>
+                  <a:gd name="textAreaTop" fmla="*/ 0 h 106200"/>
+                  <a:gd name="textAreaBottom" fmla="*/ 107280 h 106200"/>
                 </a:gdLst>
                 <a:ahLst/>
                 <a:rect l="textAreaLeft" t="textAreaTop" r="textAreaRight" b="textAreaBottom"/>
@@ -28883,16 +28883,16 @@
             </p:nvSpPr>
             <p:spPr>
               <a:xfrm rot="5400000">
-                <a:off x="11019600" y="571320"/>
-                <a:ext cx="106560" cy="106920"/>
+                <a:off x="11019960" y="571320"/>
+                <a:ext cx="106200" cy="106560"/>
               </a:xfrm>
               <a:custGeom>
                 <a:avLst/>
                 <a:gdLst>
-                  <a:gd name="textAreaLeft" fmla="*/ 0 w 106560"/>
-                  <a:gd name="textAreaRight" fmla="*/ 107280 w 106560"/>
-                  <a:gd name="textAreaTop" fmla="*/ 0 h 106920"/>
-                  <a:gd name="textAreaBottom" fmla="*/ 107640 h 106920"/>
+                  <a:gd name="textAreaLeft" fmla="*/ 0 w 106200"/>
+                  <a:gd name="textAreaRight" fmla="*/ 107280 w 106200"/>
+                  <a:gd name="textAreaTop" fmla="*/ 0 h 106560"/>
+                  <a:gd name="textAreaBottom" fmla="*/ 107640 h 106560"/>
                 </a:gdLst>
                 <a:ahLst/>
                 <a:rect l="textAreaLeft" t="textAreaTop" r="textAreaRight" b="textAreaBottom"/>
@@ -28972,16 +28972,16 @@
             </p:nvSpPr>
             <p:spPr>
               <a:xfrm rot="5400000">
-                <a:off x="11019960" y="894600"/>
-                <a:ext cx="106920" cy="106920"/>
+                <a:off x="11020320" y="894600"/>
+                <a:ext cx="106560" cy="106560"/>
               </a:xfrm>
               <a:custGeom>
                 <a:avLst/>
                 <a:gdLst>
-                  <a:gd name="textAreaLeft" fmla="*/ 0 w 106920"/>
-                  <a:gd name="textAreaRight" fmla="*/ 107640 w 106920"/>
-                  <a:gd name="textAreaTop" fmla="*/ 0 h 106920"/>
-                  <a:gd name="textAreaBottom" fmla="*/ 107640 h 106920"/>
+                  <a:gd name="textAreaLeft" fmla="*/ 0 w 106560"/>
+                  <a:gd name="textAreaRight" fmla="*/ 107640 w 106560"/>
+                  <a:gd name="textAreaTop" fmla="*/ 0 h 106560"/>
+                  <a:gd name="textAreaBottom" fmla="*/ 107640 h 106560"/>
                 </a:gdLst>
                 <a:ahLst/>
                 <a:rect l="textAreaLeft" t="textAreaTop" r="textAreaRight" b="textAreaBottom"/>
@@ -29061,16 +29061,16 @@
             </p:nvSpPr>
             <p:spPr>
               <a:xfrm rot="5400000">
-                <a:off x="11020320" y="1217520"/>
-                <a:ext cx="106560" cy="106920"/>
+                <a:off x="11020680" y="1217520"/>
+                <a:ext cx="106200" cy="106560"/>
               </a:xfrm>
               <a:custGeom>
                 <a:avLst/>
                 <a:gdLst>
-                  <a:gd name="textAreaLeft" fmla="*/ 0 w 106560"/>
-                  <a:gd name="textAreaRight" fmla="*/ 107280 w 106560"/>
-                  <a:gd name="textAreaTop" fmla="*/ 0 h 106920"/>
-                  <a:gd name="textAreaBottom" fmla="*/ 107640 h 106920"/>
+                  <a:gd name="textAreaLeft" fmla="*/ 0 w 106200"/>
+                  <a:gd name="textAreaRight" fmla="*/ 107280 w 106200"/>
+                  <a:gd name="textAreaTop" fmla="*/ 0 h 106560"/>
+                  <a:gd name="textAreaBottom" fmla="*/ 107640 h 106560"/>
                 </a:gdLst>
                 <a:ahLst/>
                 <a:rect l="textAreaLeft" t="textAreaTop" r="textAreaRight" b="textAreaBottom"/>
@@ -29150,16 +29150,16 @@
             </p:nvSpPr>
             <p:spPr>
               <a:xfrm rot="5400000">
-                <a:off x="11020680" y="1543320"/>
-                <a:ext cx="106920" cy="106560"/>
+                <a:off x="11021040" y="1543320"/>
+                <a:ext cx="106560" cy="106200"/>
               </a:xfrm>
               <a:custGeom>
                 <a:avLst/>
                 <a:gdLst>
-                  <a:gd name="textAreaLeft" fmla="*/ 0 w 106920"/>
-                  <a:gd name="textAreaRight" fmla="*/ 107640 w 106920"/>
-                  <a:gd name="textAreaTop" fmla="*/ 0 h 106560"/>
-                  <a:gd name="textAreaBottom" fmla="*/ 107280 h 106560"/>
+                  <a:gd name="textAreaLeft" fmla="*/ 0 w 106560"/>
+                  <a:gd name="textAreaRight" fmla="*/ 107640 w 106560"/>
+                  <a:gd name="textAreaTop" fmla="*/ 0 h 106200"/>
+                  <a:gd name="textAreaBottom" fmla="*/ 107280 h 106200"/>
                 </a:gdLst>
                 <a:ahLst/>
                 <a:rect l="textAreaLeft" t="textAreaTop" r="textAreaRight" b="textAreaBottom"/>
@@ -29239,16 +29239,16 @@
             </p:nvSpPr>
             <p:spPr>
               <a:xfrm rot="5400000">
-                <a:off x="10748520" y="246240"/>
-                <a:ext cx="106920" cy="106560"/>
+                <a:off x="10748880" y="246240"/>
+                <a:ext cx="106560" cy="106200"/>
               </a:xfrm>
               <a:custGeom>
                 <a:avLst/>
                 <a:gdLst>
-                  <a:gd name="textAreaLeft" fmla="*/ 0 w 106920"/>
-                  <a:gd name="textAreaRight" fmla="*/ 107640 w 106920"/>
-                  <a:gd name="textAreaTop" fmla="*/ 0 h 106560"/>
-                  <a:gd name="textAreaBottom" fmla="*/ 107280 h 106560"/>
+                  <a:gd name="textAreaLeft" fmla="*/ 0 w 106560"/>
+                  <a:gd name="textAreaRight" fmla="*/ 107640 w 106560"/>
+                  <a:gd name="textAreaTop" fmla="*/ 0 h 106200"/>
+                  <a:gd name="textAreaBottom" fmla="*/ 107280 h 106200"/>
                 </a:gdLst>
                 <a:ahLst/>
                 <a:rect l="textAreaLeft" t="textAreaTop" r="textAreaRight" b="textAreaBottom"/>
@@ -29328,16 +29328,16 @@
             </p:nvSpPr>
             <p:spPr>
               <a:xfrm rot="5400000">
-                <a:off x="10749240" y="571680"/>
-                <a:ext cx="106920" cy="106920"/>
+                <a:off x="10749600" y="571680"/>
+                <a:ext cx="106560" cy="106560"/>
               </a:xfrm>
               <a:custGeom>
                 <a:avLst/>
                 <a:gdLst>
-                  <a:gd name="textAreaLeft" fmla="*/ 0 w 106920"/>
-                  <a:gd name="textAreaRight" fmla="*/ 107640 w 106920"/>
-                  <a:gd name="textAreaTop" fmla="*/ 0 h 106920"/>
-                  <a:gd name="textAreaBottom" fmla="*/ 107640 h 106920"/>
+                  <a:gd name="textAreaLeft" fmla="*/ 0 w 106560"/>
+                  <a:gd name="textAreaRight" fmla="*/ 107640 w 106560"/>
+                  <a:gd name="textAreaTop" fmla="*/ 0 h 106560"/>
+                  <a:gd name="textAreaBottom" fmla="*/ 107640 h 106560"/>
                 </a:gdLst>
                 <a:ahLst/>
                 <a:rect l="textAreaLeft" t="textAreaTop" r="textAreaRight" b="textAreaBottom"/>
@@ -29417,16 +29417,16 @@
             </p:nvSpPr>
             <p:spPr>
               <a:xfrm rot="5400000">
-                <a:off x="10749240" y="894600"/>
-                <a:ext cx="106920" cy="106920"/>
+                <a:off x="10749600" y="894600"/>
+                <a:ext cx="106560" cy="106560"/>
               </a:xfrm>
               <a:custGeom>
                 <a:avLst/>
                 <a:gdLst>
-                  <a:gd name="textAreaLeft" fmla="*/ 0 w 106920"/>
-                  <a:gd name="textAreaRight" fmla="*/ 107640 w 106920"/>
-                  <a:gd name="textAreaTop" fmla="*/ 0 h 106920"/>
-                  <a:gd name="textAreaBottom" fmla="*/ 107640 h 106920"/>
+                  <a:gd name="textAreaLeft" fmla="*/ 0 w 106560"/>
+                  <a:gd name="textAreaRight" fmla="*/ 107640 w 106560"/>
+                  <a:gd name="textAreaTop" fmla="*/ 0 h 106560"/>
+                  <a:gd name="textAreaBottom" fmla="*/ 107640 h 106560"/>
                 </a:gdLst>
                 <a:ahLst/>
                 <a:rect l="textAreaLeft" t="textAreaTop" r="textAreaRight" b="textAreaBottom"/>
@@ -29506,16 +29506,16 @@
             </p:nvSpPr>
             <p:spPr>
               <a:xfrm rot="5400000">
-                <a:off x="10749960" y="1217880"/>
-                <a:ext cx="106920" cy="106920"/>
+                <a:off x="10750320" y="1217880"/>
+                <a:ext cx="106560" cy="106560"/>
               </a:xfrm>
               <a:custGeom>
                 <a:avLst/>
                 <a:gdLst>
-                  <a:gd name="textAreaLeft" fmla="*/ 0 w 106920"/>
-                  <a:gd name="textAreaRight" fmla="*/ 107640 w 106920"/>
-                  <a:gd name="textAreaTop" fmla="*/ 0 h 106920"/>
-                  <a:gd name="textAreaBottom" fmla="*/ 107640 h 106920"/>
+                  <a:gd name="textAreaLeft" fmla="*/ 0 w 106560"/>
+                  <a:gd name="textAreaRight" fmla="*/ 107640 w 106560"/>
+                  <a:gd name="textAreaTop" fmla="*/ 0 h 106560"/>
+                  <a:gd name="textAreaBottom" fmla="*/ 107640 h 106560"/>
                 </a:gdLst>
                 <a:ahLst/>
                 <a:rect l="textAreaLeft" t="textAreaTop" r="textAreaRight" b="textAreaBottom"/>
@@ -29595,16 +29595,16 @@
             </p:nvSpPr>
             <p:spPr>
               <a:xfrm rot="5400000">
-                <a:off x="10749960" y="1543320"/>
-                <a:ext cx="106920" cy="106560"/>
+                <a:off x="10750320" y="1543320"/>
+                <a:ext cx="106560" cy="106200"/>
               </a:xfrm>
               <a:custGeom>
                 <a:avLst/>
                 <a:gdLst>
-                  <a:gd name="textAreaLeft" fmla="*/ 0 w 106920"/>
-                  <a:gd name="textAreaRight" fmla="*/ 107640 w 106920"/>
-                  <a:gd name="textAreaTop" fmla="*/ 0 h 106560"/>
-                  <a:gd name="textAreaBottom" fmla="*/ 107280 h 106560"/>
+                  <a:gd name="textAreaLeft" fmla="*/ 0 w 106560"/>
+                  <a:gd name="textAreaRight" fmla="*/ 107640 w 106560"/>
+                  <a:gd name="textAreaTop" fmla="*/ 0 h 106200"/>
+                  <a:gd name="textAreaBottom" fmla="*/ 107280 h 106200"/>
                 </a:gdLst>
                 <a:ahLst/>
                 <a:rect l="textAreaLeft" t="textAreaTop" r="textAreaRight" b="textAreaBottom"/>
@@ -29691,10 +29691,10 @@
         </p:nvGrpSpPr>
         <p:grpSpPr>
           <a:xfrm>
-            <a:off x="324360" y="3390480"/>
-            <a:ext cx="3029040" cy="3207240"/>
-            <a:chOff x="324360" y="3390480"/>
-            <a:chExt cx="3029040" cy="3207240"/>
+            <a:off x="324720" y="3390480"/>
+            <a:ext cx="3028680" cy="3206880"/>
+            <a:chOff x="324720" y="3390480"/>
+            <a:chExt cx="3028680" cy="3206880"/>
           </a:xfrm>
         </p:grpSpPr>
         <p:sp>
@@ -29705,16 +29705,16 @@
           </p:nvSpPr>
           <p:spPr>
             <a:xfrm rot="5400000">
-              <a:off x="2879280" y="6123600"/>
-              <a:ext cx="476280" cy="471600"/>
+              <a:off x="2879640" y="6123600"/>
+              <a:ext cx="475920" cy="471240"/>
             </a:xfrm>
             <a:custGeom>
               <a:avLst/>
               <a:gdLst>
-                <a:gd name="textAreaLeft" fmla="*/ 0 w 476280"/>
-                <a:gd name="textAreaRight" fmla="*/ 477000 w 476280"/>
-                <a:gd name="textAreaTop" fmla="*/ 0 h 471600"/>
-                <a:gd name="textAreaBottom" fmla="*/ 472320 h 471600"/>
+                <a:gd name="textAreaLeft" fmla="*/ 0 w 475920"/>
+                <a:gd name="textAreaRight" fmla="*/ 477000 w 475920"/>
+                <a:gd name="textAreaTop" fmla="*/ 0 h 471240"/>
+                <a:gd name="textAreaBottom" fmla="*/ 472320 h 471240"/>
               </a:gdLst>
               <a:ahLst/>
               <a:rect l="textAreaLeft" t="textAreaTop" r="textAreaRight" b="textAreaBottom"/>
@@ -29877,15 +29877,15 @@
           <p:spPr>
             <a:xfrm rot="5400000">
               <a:off x="423000" y="4043520"/>
-              <a:ext cx="627480" cy="621000"/>
+              <a:ext cx="627120" cy="620640"/>
             </a:xfrm>
             <a:custGeom>
               <a:avLst/>
               <a:gdLst>
-                <a:gd name="textAreaLeft" fmla="*/ 0 w 627480"/>
-                <a:gd name="textAreaRight" fmla="*/ 628200 w 627480"/>
-                <a:gd name="textAreaTop" fmla="*/ 0 h 621000"/>
-                <a:gd name="textAreaBottom" fmla="*/ 621720 h 621000"/>
+                <a:gd name="textAreaLeft" fmla="*/ 0 w 627120"/>
+                <a:gd name="textAreaRight" fmla="*/ 628200 w 627120"/>
+                <a:gd name="textAreaTop" fmla="*/ 0 h 620640"/>
+                <a:gd name="textAreaBottom" fmla="*/ 621720 h 620640"/>
               </a:gdLst>
               <a:ahLst/>
               <a:rect l="textAreaLeft" t="textAreaTop" r="textAreaRight" b="textAreaBottom"/>
@@ -30049,16 +30049,16 @@
           </p:nvSpPr>
           <p:spPr>
             <a:xfrm rot="5400000">
-              <a:off x="865440" y="4632480"/>
-              <a:ext cx="306360" cy="306360"/>
+              <a:off x="865800" y="4632480"/>
+              <a:ext cx="306000" cy="306000"/>
             </a:xfrm>
             <a:custGeom>
               <a:avLst/>
               <a:gdLst>
-                <a:gd name="textAreaLeft" fmla="*/ 0 w 306360"/>
-                <a:gd name="textAreaRight" fmla="*/ 307080 w 306360"/>
-                <a:gd name="textAreaTop" fmla="*/ 0 h 306360"/>
-                <a:gd name="textAreaBottom" fmla="*/ 307080 h 306360"/>
+                <a:gd name="textAreaLeft" fmla="*/ 0 w 306000"/>
+                <a:gd name="textAreaRight" fmla="*/ 307080 w 306000"/>
+                <a:gd name="textAreaTop" fmla="*/ 0 h 306000"/>
+                <a:gd name="textAreaBottom" fmla="*/ 307080 h 306000"/>
               </a:gdLst>
               <a:ahLst/>
               <a:rect l="textAreaLeft" t="textAreaTop" r="textAreaRight" b="textAreaBottom"/>
@@ -30151,16 +30151,16 @@
           </p:nvSpPr>
           <p:spPr>
             <a:xfrm rot="5400000">
-              <a:off x="430560" y="3390480"/>
-              <a:ext cx="306720" cy="306360"/>
+              <a:off x="430920" y="3390480"/>
+              <a:ext cx="306360" cy="306000"/>
             </a:xfrm>
             <a:custGeom>
               <a:avLst/>
               <a:gdLst>
-                <a:gd name="textAreaLeft" fmla="*/ 0 w 306720"/>
-                <a:gd name="textAreaRight" fmla="*/ 307440 w 306720"/>
-                <a:gd name="textAreaTop" fmla="*/ 0 h 306360"/>
-                <a:gd name="textAreaBottom" fmla="*/ 307080 h 306360"/>
+                <a:gd name="textAreaLeft" fmla="*/ 0 w 306360"/>
+                <a:gd name="textAreaRight" fmla="*/ 307440 w 306360"/>
+                <a:gd name="textAreaTop" fmla="*/ 0 h 306000"/>
+                <a:gd name="textAreaBottom" fmla="*/ 307080 h 306000"/>
               </a:gdLst>
               <a:ahLst/>
               <a:rect l="textAreaLeft" t="textAreaTop" r="textAreaRight" b="textAreaBottom"/>
@@ -30253,16 +30253,16 @@
           </p:nvSpPr>
           <p:spPr>
             <a:xfrm rot="5400000">
-              <a:off x="1771920" y="5590080"/>
-              <a:ext cx="930960" cy="931320"/>
+              <a:off x="1772280" y="5590080"/>
+              <a:ext cx="930600" cy="930960"/>
             </a:xfrm>
             <a:custGeom>
               <a:avLst/>
               <a:gdLst>
-                <a:gd name="textAreaLeft" fmla="*/ 0 w 930960"/>
-                <a:gd name="textAreaRight" fmla="*/ 931680 w 930960"/>
-                <a:gd name="textAreaTop" fmla="*/ 0 h 931320"/>
-                <a:gd name="textAreaBottom" fmla="*/ 932040 h 931320"/>
+                <a:gd name="textAreaLeft" fmla="*/ 0 w 930600"/>
+                <a:gd name="textAreaRight" fmla="*/ 931680 w 930600"/>
+                <a:gd name="textAreaTop" fmla="*/ 0 h 930960"/>
+                <a:gd name="textAreaBottom" fmla="*/ 932040 h 930960"/>
               </a:gdLst>
               <a:ahLst/>
               <a:rect l="textAreaLeft" t="textAreaTop" r="textAreaRight" b="textAreaBottom"/>
@@ -30331,10 +30331,10 @@
           </p:nvGrpSpPr>
           <p:grpSpPr>
             <a:xfrm>
-              <a:off x="324360" y="5217120"/>
-              <a:ext cx="1190160" cy="1305720"/>
-              <a:chOff x="324360" y="5217120"/>
-              <a:chExt cx="1190160" cy="1305720"/>
+              <a:off x="324720" y="5217120"/>
+              <a:ext cx="1189800" cy="1305360"/>
+              <a:chOff x="324720" y="5217120"/>
+              <a:chExt cx="1189800" cy="1305360"/>
             </a:xfrm>
           </p:grpSpPr>
           <p:sp>
@@ -30345,16 +30345,16 @@
             </p:nvSpPr>
             <p:spPr>
               <a:xfrm rot="5400000">
-                <a:off x="1406160" y="5217120"/>
-                <a:ext cx="106920" cy="106920"/>
+                <a:off x="1406520" y="5217120"/>
+                <a:ext cx="106560" cy="106560"/>
               </a:xfrm>
               <a:custGeom>
                 <a:avLst/>
                 <a:gdLst>
-                  <a:gd name="textAreaLeft" fmla="*/ 0 w 106920"/>
-                  <a:gd name="textAreaRight" fmla="*/ 107640 w 106920"/>
-                  <a:gd name="textAreaTop" fmla="*/ 0 h 106920"/>
-                  <a:gd name="textAreaBottom" fmla="*/ 107640 h 106920"/>
+                  <a:gd name="textAreaLeft" fmla="*/ 0 w 106560"/>
+                  <a:gd name="textAreaRight" fmla="*/ 107640 w 106560"/>
+                  <a:gd name="textAreaTop" fmla="*/ 0 h 106560"/>
+                  <a:gd name="textAreaBottom" fmla="*/ 107640 h 106560"/>
                 </a:gdLst>
                 <a:ahLst/>
                 <a:rect l="textAreaLeft" t="textAreaTop" r="textAreaRight" b="textAreaBottom"/>
@@ -30433,16 +30433,16 @@
             </p:nvSpPr>
             <p:spPr>
               <a:xfrm rot="5400000">
-                <a:off x="1406520" y="5511600"/>
-                <a:ext cx="106560" cy="106920"/>
+                <a:off x="1406880" y="5511600"/>
+                <a:ext cx="106200" cy="106560"/>
               </a:xfrm>
               <a:custGeom>
                 <a:avLst/>
                 <a:gdLst>
-                  <a:gd name="textAreaLeft" fmla="*/ 0 w 106560"/>
-                  <a:gd name="textAreaRight" fmla="*/ 107280 w 106560"/>
-                  <a:gd name="textAreaTop" fmla="*/ 0 h 106920"/>
-                  <a:gd name="textAreaBottom" fmla="*/ 107640 h 106920"/>
+                  <a:gd name="textAreaLeft" fmla="*/ 0 w 106200"/>
+                  <a:gd name="textAreaRight" fmla="*/ 107280 w 106200"/>
+                  <a:gd name="textAreaTop" fmla="*/ 0 h 106560"/>
+                  <a:gd name="textAreaBottom" fmla="*/ 107640 h 106560"/>
                 </a:gdLst>
                 <a:ahLst/>
                 <a:rect l="textAreaLeft" t="textAreaTop" r="textAreaRight" b="textAreaBottom"/>
@@ -30521,16 +30521,16 @@
             </p:nvSpPr>
             <p:spPr>
               <a:xfrm rot="5400000">
-                <a:off x="1406880" y="5815800"/>
-                <a:ext cx="106920" cy="106920"/>
+                <a:off x="1407240" y="5815800"/>
+                <a:ext cx="106560" cy="106560"/>
               </a:xfrm>
               <a:custGeom>
                 <a:avLst/>
                 <a:gdLst>
-                  <a:gd name="textAreaLeft" fmla="*/ 0 w 106920"/>
-                  <a:gd name="textAreaRight" fmla="*/ 107640 w 106920"/>
-                  <a:gd name="textAreaTop" fmla="*/ 0 h 106920"/>
-                  <a:gd name="textAreaBottom" fmla="*/ 107640 h 106920"/>
+                  <a:gd name="textAreaLeft" fmla="*/ 0 w 106560"/>
+                  <a:gd name="textAreaRight" fmla="*/ 107640 w 106560"/>
+                  <a:gd name="textAreaTop" fmla="*/ 0 h 106560"/>
+                  <a:gd name="textAreaBottom" fmla="*/ 107640 h 106560"/>
                 </a:gdLst>
                 <a:ahLst/>
                 <a:rect l="textAreaLeft" t="textAreaTop" r="textAreaRight" b="textAreaBottom"/>
@@ -30609,16 +30609,16 @@
             </p:nvSpPr>
             <p:spPr>
               <a:xfrm rot="5400000">
-                <a:off x="1407240" y="6115320"/>
-                <a:ext cx="106920" cy="106560"/>
+                <a:off x="1407600" y="6115320"/>
+                <a:ext cx="106560" cy="106200"/>
               </a:xfrm>
               <a:custGeom>
                 <a:avLst/>
                 <a:gdLst>
-                  <a:gd name="textAreaLeft" fmla="*/ 0 w 106920"/>
-                  <a:gd name="textAreaRight" fmla="*/ 107640 w 106920"/>
-                  <a:gd name="textAreaTop" fmla="*/ 0 h 106560"/>
-                  <a:gd name="textAreaBottom" fmla="*/ 107280 h 106560"/>
+                  <a:gd name="textAreaLeft" fmla="*/ 0 w 106560"/>
+                  <a:gd name="textAreaRight" fmla="*/ 107640 w 106560"/>
+                  <a:gd name="textAreaTop" fmla="*/ 0 h 106200"/>
+                  <a:gd name="textAreaBottom" fmla="*/ 107280 h 106200"/>
                 </a:gdLst>
                 <a:ahLst/>
                 <a:rect l="textAreaLeft" t="textAreaTop" r="textAreaRight" b="textAreaBottom"/>
@@ -30702,16 +30702,16 @@
             </p:nvSpPr>
             <p:spPr>
               <a:xfrm rot="5400000">
-                <a:off x="1407600" y="6414480"/>
-                <a:ext cx="106920" cy="106560"/>
+                <a:off x="1407960" y="6414480"/>
+                <a:ext cx="106560" cy="106200"/>
               </a:xfrm>
               <a:custGeom>
                 <a:avLst/>
                 <a:gdLst>
-                  <a:gd name="textAreaLeft" fmla="*/ 0 w 106920"/>
-                  <a:gd name="textAreaRight" fmla="*/ 107640 w 106920"/>
-                  <a:gd name="textAreaTop" fmla="*/ 0 h 106560"/>
-                  <a:gd name="textAreaBottom" fmla="*/ 107280 h 106560"/>
+                  <a:gd name="textAreaLeft" fmla="*/ 0 w 106560"/>
+                  <a:gd name="textAreaRight" fmla="*/ 107640 w 106560"/>
+                  <a:gd name="textAreaTop" fmla="*/ 0 h 106200"/>
+                  <a:gd name="textAreaBottom" fmla="*/ 107280 h 106200"/>
                 </a:gdLst>
                 <a:ahLst/>
                 <a:rect l="textAreaLeft" t="textAreaTop" r="textAreaRight" b="textAreaBottom"/>
@@ -30790,16 +30790,16 @@
             </p:nvSpPr>
             <p:spPr>
               <a:xfrm rot="5400000">
-                <a:off x="1135800" y="5217480"/>
-                <a:ext cx="106920" cy="106920"/>
+                <a:off x="1136160" y="5217480"/>
+                <a:ext cx="106560" cy="106560"/>
               </a:xfrm>
               <a:custGeom>
                 <a:avLst/>
                 <a:gdLst>
-                  <a:gd name="textAreaLeft" fmla="*/ 0 w 106920"/>
-                  <a:gd name="textAreaRight" fmla="*/ 107640 w 106920"/>
-                  <a:gd name="textAreaTop" fmla="*/ 0 h 106920"/>
-                  <a:gd name="textAreaBottom" fmla="*/ 107640 h 106920"/>
+                  <a:gd name="textAreaLeft" fmla="*/ 0 w 106560"/>
+                  <a:gd name="textAreaRight" fmla="*/ 107640 w 106560"/>
+                  <a:gd name="textAreaTop" fmla="*/ 0 h 106560"/>
+                  <a:gd name="textAreaBottom" fmla="*/ 107640 h 106560"/>
                 </a:gdLst>
                 <a:ahLst/>
                 <a:rect l="textAreaLeft" t="textAreaTop" r="textAreaRight" b="textAreaBottom"/>
@@ -30878,16 +30878,16 @@
             </p:nvSpPr>
             <p:spPr>
               <a:xfrm rot="5400000">
-                <a:off x="1136160" y="5511960"/>
-                <a:ext cx="106560" cy="106920"/>
+                <a:off x="1136520" y="5511960"/>
+                <a:ext cx="106200" cy="106560"/>
               </a:xfrm>
               <a:custGeom>
                 <a:avLst/>
                 <a:gdLst>
-                  <a:gd name="textAreaLeft" fmla="*/ 0 w 106560"/>
-                  <a:gd name="textAreaRight" fmla="*/ 107280 w 106560"/>
-                  <a:gd name="textAreaTop" fmla="*/ 0 h 106920"/>
-                  <a:gd name="textAreaBottom" fmla="*/ 107640 h 106920"/>
+                  <a:gd name="textAreaLeft" fmla="*/ 0 w 106200"/>
+                  <a:gd name="textAreaRight" fmla="*/ 107280 w 106200"/>
+                  <a:gd name="textAreaTop" fmla="*/ 0 h 106560"/>
+                  <a:gd name="textAreaBottom" fmla="*/ 107640 h 106560"/>
                 </a:gdLst>
                 <a:ahLst/>
                 <a:rect l="textAreaLeft" t="textAreaTop" r="textAreaRight" b="textAreaBottom"/>
@@ -30966,16 +30966,16 @@
             </p:nvSpPr>
             <p:spPr>
               <a:xfrm rot="5400000">
-                <a:off x="1136520" y="5816160"/>
-                <a:ext cx="106920" cy="106920"/>
+                <a:off x="1136880" y="5816160"/>
+                <a:ext cx="106560" cy="106560"/>
               </a:xfrm>
               <a:custGeom>
                 <a:avLst/>
                 <a:gdLst>
-                  <a:gd name="textAreaLeft" fmla="*/ 0 w 106920"/>
-                  <a:gd name="textAreaRight" fmla="*/ 107640 w 106920"/>
-                  <a:gd name="textAreaTop" fmla="*/ 0 h 106920"/>
-                  <a:gd name="textAreaBottom" fmla="*/ 107640 h 106920"/>
+                  <a:gd name="textAreaLeft" fmla="*/ 0 w 106560"/>
+                  <a:gd name="textAreaRight" fmla="*/ 107640 w 106560"/>
+                  <a:gd name="textAreaTop" fmla="*/ 0 h 106560"/>
+                  <a:gd name="textAreaBottom" fmla="*/ 107640 h 106560"/>
                 </a:gdLst>
                 <a:ahLst/>
                 <a:rect l="textAreaLeft" t="textAreaTop" r="textAreaRight" b="textAreaBottom"/>
@@ -31054,16 +31054,16 @@
             </p:nvSpPr>
             <p:spPr>
               <a:xfrm rot="5400000">
-                <a:off x="1137240" y="6115680"/>
-                <a:ext cx="106560" cy="106560"/>
+                <a:off x="1137600" y="6115680"/>
+                <a:ext cx="106200" cy="106200"/>
               </a:xfrm>
               <a:custGeom>
                 <a:avLst/>
                 <a:gdLst>
-                  <a:gd name="textAreaLeft" fmla="*/ 0 w 106560"/>
-                  <a:gd name="textAreaRight" fmla="*/ 107280 w 106560"/>
-                  <a:gd name="textAreaTop" fmla="*/ 0 h 106560"/>
-                  <a:gd name="textAreaBottom" fmla="*/ 107280 h 106560"/>
+                  <a:gd name="textAreaLeft" fmla="*/ 0 w 106200"/>
+                  <a:gd name="textAreaRight" fmla="*/ 107280 w 106200"/>
+                  <a:gd name="textAreaTop" fmla="*/ 0 h 106200"/>
+                  <a:gd name="textAreaBottom" fmla="*/ 107280 h 106200"/>
                 </a:gdLst>
                 <a:ahLst/>
                 <a:rect l="textAreaLeft" t="textAreaTop" r="textAreaRight" b="textAreaBottom"/>
@@ -31147,16 +31147,16 @@
             </p:nvSpPr>
             <p:spPr>
               <a:xfrm rot="5400000">
-                <a:off x="1137240" y="6414840"/>
-                <a:ext cx="106920" cy="106560"/>
+                <a:off x="1137600" y="6414840"/>
+                <a:ext cx="106560" cy="106200"/>
               </a:xfrm>
               <a:custGeom>
                 <a:avLst/>
                 <a:gdLst>
-                  <a:gd name="textAreaLeft" fmla="*/ 0 w 106920"/>
-                  <a:gd name="textAreaRight" fmla="*/ 107640 w 106920"/>
-                  <a:gd name="textAreaTop" fmla="*/ 0 h 106560"/>
-                  <a:gd name="textAreaBottom" fmla="*/ 107280 h 106560"/>
+                  <a:gd name="textAreaLeft" fmla="*/ 0 w 106560"/>
+                  <a:gd name="textAreaRight" fmla="*/ 107640 w 106560"/>
+                  <a:gd name="textAreaTop" fmla="*/ 0 h 106200"/>
+                  <a:gd name="textAreaBottom" fmla="*/ 107280 h 106200"/>
                 </a:gdLst>
                 <a:ahLst/>
                 <a:rect l="textAreaLeft" t="textAreaTop" r="textAreaRight" b="textAreaBottom"/>
@@ -31235,16 +31235,16 @@
             </p:nvSpPr>
             <p:spPr>
               <a:xfrm rot="5400000">
-                <a:off x="865080" y="5217840"/>
-                <a:ext cx="106920" cy="106560"/>
+                <a:off x="865440" y="5217840"/>
+                <a:ext cx="106560" cy="106200"/>
               </a:xfrm>
               <a:custGeom>
                 <a:avLst/>
                 <a:gdLst>
-                  <a:gd name="textAreaLeft" fmla="*/ 0 w 106920"/>
-                  <a:gd name="textAreaRight" fmla="*/ 107640 w 106920"/>
-                  <a:gd name="textAreaTop" fmla="*/ 0 h 106560"/>
-                  <a:gd name="textAreaBottom" fmla="*/ 107280 h 106560"/>
+                  <a:gd name="textAreaLeft" fmla="*/ 0 w 106560"/>
+                  <a:gd name="textAreaRight" fmla="*/ 107640 w 106560"/>
+                  <a:gd name="textAreaTop" fmla="*/ 0 h 106200"/>
+                  <a:gd name="textAreaBottom" fmla="*/ 107280 h 106200"/>
                 </a:gdLst>
                 <a:ahLst/>
                 <a:rect l="textAreaLeft" t="textAreaTop" r="textAreaRight" b="textAreaBottom"/>
@@ -31328,16 +31328,16 @@
             </p:nvSpPr>
             <p:spPr>
               <a:xfrm rot="5400000">
-                <a:off x="865800" y="5512320"/>
-                <a:ext cx="106560" cy="106920"/>
+                <a:off x="866160" y="5512320"/>
+                <a:ext cx="106200" cy="106560"/>
               </a:xfrm>
               <a:custGeom>
                 <a:avLst/>
                 <a:gdLst>
-                  <a:gd name="textAreaLeft" fmla="*/ 0 w 106560"/>
-                  <a:gd name="textAreaRight" fmla="*/ 107280 w 106560"/>
-                  <a:gd name="textAreaTop" fmla="*/ 0 h 106920"/>
-                  <a:gd name="textAreaBottom" fmla="*/ 107640 h 106920"/>
+                  <a:gd name="textAreaLeft" fmla="*/ 0 w 106200"/>
+                  <a:gd name="textAreaRight" fmla="*/ 107280 w 106200"/>
+                  <a:gd name="textAreaTop" fmla="*/ 0 h 106560"/>
+                  <a:gd name="textAreaBottom" fmla="*/ 107640 h 106560"/>
                 </a:gdLst>
                 <a:ahLst/>
                 <a:rect l="textAreaLeft" t="textAreaTop" r="textAreaRight" b="textAreaBottom"/>
@@ -31416,16 +31416,16 @@
             </p:nvSpPr>
             <p:spPr>
               <a:xfrm rot="5400000">
-                <a:off x="866160" y="5816520"/>
-                <a:ext cx="106920" cy="106920"/>
+                <a:off x="866520" y="5816520"/>
+                <a:ext cx="106560" cy="106560"/>
               </a:xfrm>
               <a:custGeom>
                 <a:avLst/>
                 <a:gdLst>
-                  <a:gd name="textAreaLeft" fmla="*/ 0 w 106920"/>
-                  <a:gd name="textAreaRight" fmla="*/ 107640 w 106920"/>
-                  <a:gd name="textAreaTop" fmla="*/ 0 h 106920"/>
-                  <a:gd name="textAreaBottom" fmla="*/ 107640 h 106920"/>
+                  <a:gd name="textAreaLeft" fmla="*/ 0 w 106560"/>
+                  <a:gd name="textAreaRight" fmla="*/ 107640 w 106560"/>
+                  <a:gd name="textAreaTop" fmla="*/ 0 h 106560"/>
+                  <a:gd name="textAreaBottom" fmla="*/ 107640 h 106560"/>
                 </a:gdLst>
                 <a:ahLst/>
                 <a:rect l="textAreaLeft" t="textAreaTop" r="textAreaRight" b="textAreaBottom"/>
@@ -31504,16 +31504,16 @@
             </p:nvSpPr>
             <p:spPr>
               <a:xfrm rot="5400000">
-                <a:off x="866520" y="6115680"/>
-                <a:ext cx="106560" cy="106920"/>
+                <a:off x="866880" y="6115680"/>
+                <a:ext cx="106200" cy="106560"/>
               </a:xfrm>
               <a:custGeom>
                 <a:avLst/>
                 <a:gdLst>
-                  <a:gd name="textAreaLeft" fmla="*/ 0 w 106560"/>
-                  <a:gd name="textAreaRight" fmla="*/ 107280 w 106560"/>
-                  <a:gd name="textAreaTop" fmla="*/ 0 h 106920"/>
-                  <a:gd name="textAreaBottom" fmla="*/ 107640 h 106920"/>
+                  <a:gd name="textAreaLeft" fmla="*/ 0 w 106200"/>
+                  <a:gd name="textAreaRight" fmla="*/ 107280 w 106200"/>
+                  <a:gd name="textAreaTop" fmla="*/ 0 h 106560"/>
+                  <a:gd name="textAreaBottom" fmla="*/ 107640 h 106560"/>
                 </a:gdLst>
                 <a:ahLst/>
                 <a:rect l="textAreaLeft" t="textAreaTop" r="textAreaRight" b="textAreaBottom"/>
@@ -31592,16 +31592,16 @@
             </p:nvSpPr>
             <p:spPr>
               <a:xfrm rot="5400000">
-                <a:off x="866880" y="6415200"/>
-                <a:ext cx="106920" cy="106560"/>
+                <a:off x="867240" y="6415200"/>
+                <a:ext cx="106560" cy="106200"/>
               </a:xfrm>
               <a:custGeom>
                 <a:avLst/>
                 <a:gdLst>
-                  <a:gd name="textAreaLeft" fmla="*/ 0 w 106920"/>
-                  <a:gd name="textAreaRight" fmla="*/ 107640 w 106920"/>
-                  <a:gd name="textAreaTop" fmla="*/ 0 h 106560"/>
-                  <a:gd name="textAreaBottom" fmla="*/ 107280 h 106560"/>
+                  <a:gd name="textAreaLeft" fmla="*/ 0 w 106560"/>
+                  <a:gd name="textAreaRight" fmla="*/ 107640 w 106560"/>
+                  <a:gd name="textAreaTop" fmla="*/ 0 h 106200"/>
+                  <a:gd name="textAreaBottom" fmla="*/ 107280 h 106200"/>
                 </a:gdLst>
                 <a:ahLst/>
                 <a:rect l="textAreaLeft" t="textAreaTop" r="textAreaRight" b="textAreaBottom"/>
@@ -31680,16 +31680,16 @@
             </p:nvSpPr>
             <p:spPr>
               <a:xfrm rot="5400000">
-                <a:off x="594360" y="5218200"/>
-                <a:ext cx="106920" cy="106560"/>
+                <a:off x="594720" y="5218200"/>
+                <a:ext cx="106560" cy="106200"/>
               </a:xfrm>
               <a:custGeom>
                 <a:avLst/>
                 <a:gdLst>
-                  <a:gd name="textAreaLeft" fmla="*/ 0 w 106920"/>
-                  <a:gd name="textAreaRight" fmla="*/ 107640 w 106920"/>
-                  <a:gd name="textAreaTop" fmla="*/ 0 h 106560"/>
-                  <a:gd name="textAreaBottom" fmla="*/ 107280 h 106560"/>
+                  <a:gd name="textAreaLeft" fmla="*/ 0 w 106560"/>
+                  <a:gd name="textAreaRight" fmla="*/ 107640 w 106560"/>
+                  <a:gd name="textAreaTop" fmla="*/ 0 h 106200"/>
+                  <a:gd name="textAreaBottom" fmla="*/ 107280 h 106200"/>
                 </a:gdLst>
                 <a:ahLst/>
                 <a:rect l="textAreaLeft" t="textAreaTop" r="textAreaRight" b="textAreaBottom"/>
@@ -31773,16 +31773,16 @@
             </p:nvSpPr>
             <p:spPr>
               <a:xfrm rot="5400000">
-                <a:off x="595080" y="5512680"/>
-                <a:ext cx="106560" cy="106920"/>
+                <a:off x="595440" y="5512680"/>
+                <a:ext cx="106200" cy="106560"/>
               </a:xfrm>
               <a:custGeom>
                 <a:avLst/>
                 <a:gdLst>
-                  <a:gd name="textAreaLeft" fmla="*/ 0 w 106560"/>
-                  <a:gd name="textAreaRight" fmla="*/ 107280 w 106560"/>
-                  <a:gd name="textAreaTop" fmla="*/ 0 h 106920"/>
-                  <a:gd name="textAreaBottom" fmla="*/ 107640 h 106920"/>
+                  <a:gd name="textAreaLeft" fmla="*/ 0 w 106200"/>
+                  <a:gd name="textAreaRight" fmla="*/ 107280 w 106200"/>
+                  <a:gd name="textAreaTop" fmla="*/ 0 h 106560"/>
+                  <a:gd name="textAreaBottom" fmla="*/ 107640 h 106560"/>
                 </a:gdLst>
                 <a:ahLst/>
                 <a:rect l="textAreaLeft" t="textAreaTop" r="textAreaRight" b="textAreaBottom"/>
@@ -31861,16 +31861,16 @@
             </p:nvSpPr>
             <p:spPr>
               <a:xfrm rot="5400000">
-                <a:off x="595440" y="5816880"/>
-                <a:ext cx="106920" cy="106920"/>
+                <a:off x="595800" y="5816880"/>
+                <a:ext cx="106560" cy="106560"/>
               </a:xfrm>
               <a:custGeom>
                 <a:avLst/>
                 <a:gdLst>
-                  <a:gd name="textAreaLeft" fmla="*/ 0 w 106920"/>
-                  <a:gd name="textAreaRight" fmla="*/ 107640 w 106920"/>
-                  <a:gd name="textAreaTop" fmla="*/ 0 h 106920"/>
-                  <a:gd name="textAreaBottom" fmla="*/ 107640 h 106920"/>
+                  <a:gd name="textAreaLeft" fmla="*/ 0 w 106560"/>
+                  <a:gd name="textAreaRight" fmla="*/ 107640 w 106560"/>
+                  <a:gd name="textAreaTop" fmla="*/ 0 h 106560"/>
+                  <a:gd name="textAreaBottom" fmla="*/ 107640 h 106560"/>
                 </a:gdLst>
                 <a:ahLst/>
                 <a:rect l="textAreaLeft" t="textAreaTop" r="textAreaRight" b="textAreaBottom"/>
@@ -31949,16 +31949,16 @@
             </p:nvSpPr>
             <p:spPr>
               <a:xfrm rot="5400000">
-                <a:off x="595800" y="6116040"/>
-                <a:ext cx="106560" cy="106920"/>
+                <a:off x="596160" y="6116040"/>
+                <a:ext cx="106200" cy="106560"/>
               </a:xfrm>
               <a:custGeom>
                 <a:avLst/>
                 <a:gdLst>
-                  <a:gd name="textAreaLeft" fmla="*/ 0 w 106560"/>
-                  <a:gd name="textAreaRight" fmla="*/ 107280 w 106560"/>
-                  <a:gd name="textAreaTop" fmla="*/ 0 h 106920"/>
-                  <a:gd name="textAreaBottom" fmla="*/ 107640 h 106920"/>
+                  <a:gd name="textAreaLeft" fmla="*/ 0 w 106200"/>
+                  <a:gd name="textAreaRight" fmla="*/ 107280 w 106200"/>
+                  <a:gd name="textAreaTop" fmla="*/ 0 h 106560"/>
+                  <a:gd name="textAreaBottom" fmla="*/ 107640 h 106560"/>
                 </a:gdLst>
                 <a:ahLst/>
                 <a:rect l="textAreaLeft" t="textAreaTop" r="textAreaRight" b="textAreaBottom"/>
@@ -32037,16 +32037,16 @@
             </p:nvSpPr>
             <p:spPr>
               <a:xfrm rot="5400000">
-                <a:off x="596160" y="6415560"/>
-                <a:ext cx="106920" cy="106560"/>
+                <a:off x="596520" y="6415560"/>
+                <a:ext cx="106560" cy="106200"/>
               </a:xfrm>
               <a:custGeom>
                 <a:avLst/>
                 <a:gdLst>
-                  <a:gd name="textAreaLeft" fmla="*/ 0 w 106920"/>
-                  <a:gd name="textAreaRight" fmla="*/ 107640 w 106920"/>
-                  <a:gd name="textAreaTop" fmla="*/ 0 h 106560"/>
-                  <a:gd name="textAreaBottom" fmla="*/ 107280 h 106560"/>
+                  <a:gd name="textAreaLeft" fmla="*/ 0 w 106560"/>
+                  <a:gd name="textAreaRight" fmla="*/ 107640 w 106560"/>
+                  <a:gd name="textAreaTop" fmla="*/ 0 h 106200"/>
+                  <a:gd name="textAreaBottom" fmla="*/ 107280 h 106200"/>
                 </a:gdLst>
                 <a:ahLst/>
                 <a:rect l="textAreaLeft" t="textAreaTop" r="textAreaRight" b="textAreaBottom"/>
@@ -32125,16 +32125,16 @@
             </p:nvSpPr>
             <p:spPr>
               <a:xfrm rot="5400000">
-                <a:off x="324000" y="5218560"/>
-                <a:ext cx="106920" cy="106560"/>
+                <a:off x="324360" y="5218560"/>
+                <a:ext cx="106560" cy="106200"/>
               </a:xfrm>
               <a:custGeom>
                 <a:avLst/>
                 <a:gdLst>
-                  <a:gd name="textAreaLeft" fmla="*/ 0 w 106920"/>
-                  <a:gd name="textAreaRight" fmla="*/ 107640 w 106920"/>
-                  <a:gd name="textAreaTop" fmla="*/ 0 h 106560"/>
-                  <a:gd name="textAreaBottom" fmla="*/ 107280 h 106560"/>
+                  <a:gd name="textAreaLeft" fmla="*/ 0 w 106560"/>
+                  <a:gd name="textAreaRight" fmla="*/ 107640 w 106560"/>
+                  <a:gd name="textAreaTop" fmla="*/ 0 h 106200"/>
+                  <a:gd name="textAreaBottom" fmla="*/ 107280 h 106200"/>
                 </a:gdLst>
                 <a:ahLst/>
                 <a:rect l="textAreaLeft" t="textAreaTop" r="textAreaRight" b="textAreaBottom"/>
@@ -32213,16 +32213,16 @@
             </p:nvSpPr>
             <p:spPr>
               <a:xfrm rot="5400000">
-                <a:off x="324720" y="5513040"/>
-                <a:ext cx="106920" cy="106920"/>
+                <a:off x="325080" y="5513040"/>
+                <a:ext cx="106560" cy="106560"/>
               </a:xfrm>
               <a:custGeom>
                 <a:avLst/>
                 <a:gdLst>
-                  <a:gd name="textAreaLeft" fmla="*/ 0 w 106920"/>
-                  <a:gd name="textAreaRight" fmla="*/ 107640 w 106920"/>
-                  <a:gd name="textAreaTop" fmla="*/ 0 h 106920"/>
-                  <a:gd name="textAreaBottom" fmla="*/ 107640 h 106920"/>
+                  <a:gd name="textAreaLeft" fmla="*/ 0 w 106560"/>
+                  <a:gd name="textAreaRight" fmla="*/ 107640 w 106560"/>
+                  <a:gd name="textAreaTop" fmla="*/ 0 h 106560"/>
+                  <a:gd name="textAreaBottom" fmla="*/ 107640 h 106560"/>
                 </a:gdLst>
                 <a:ahLst/>
                 <a:rect l="textAreaLeft" t="textAreaTop" r="textAreaRight" b="textAreaBottom"/>
@@ -32301,16 +32301,16 @@
             </p:nvSpPr>
             <p:spPr>
               <a:xfrm rot="5400000">
-                <a:off x="325080" y="5817240"/>
-                <a:ext cx="106920" cy="106920"/>
+                <a:off x="325440" y="5817240"/>
+                <a:ext cx="106560" cy="106560"/>
               </a:xfrm>
               <a:custGeom>
                 <a:avLst/>
                 <a:gdLst>
-                  <a:gd name="textAreaLeft" fmla="*/ 0 w 106920"/>
-                  <a:gd name="textAreaRight" fmla="*/ 107640 w 106920"/>
-                  <a:gd name="textAreaTop" fmla="*/ 0 h 106920"/>
-                  <a:gd name="textAreaBottom" fmla="*/ 107640 h 106920"/>
+                  <a:gd name="textAreaLeft" fmla="*/ 0 w 106560"/>
+                  <a:gd name="textAreaRight" fmla="*/ 107640 w 106560"/>
+                  <a:gd name="textAreaTop" fmla="*/ 0 h 106560"/>
+                  <a:gd name="textAreaBottom" fmla="*/ 107640 h 106560"/>
                 </a:gdLst>
                 <a:ahLst/>
                 <a:rect l="textAreaLeft" t="textAreaTop" r="textAreaRight" b="textAreaBottom"/>
@@ -32389,16 +32389,16 @@
             </p:nvSpPr>
             <p:spPr>
               <a:xfrm rot="5400000">
-                <a:off x="325440" y="6116400"/>
-                <a:ext cx="106920" cy="106920"/>
+                <a:off x="325800" y="6116400"/>
+                <a:ext cx="106560" cy="106560"/>
               </a:xfrm>
               <a:custGeom>
                 <a:avLst/>
                 <a:gdLst>
-                  <a:gd name="textAreaLeft" fmla="*/ 0 w 106920"/>
-                  <a:gd name="textAreaRight" fmla="*/ 107640 w 106920"/>
-                  <a:gd name="textAreaTop" fmla="*/ 0 h 106920"/>
-                  <a:gd name="textAreaBottom" fmla="*/ 107640 h 106920"/>
+                  <a:gd name="textAreaLeft" fmla="*/ 0 w 106560"/>
+                  <a:gd name="textAreaRight" fmla="*/ 107640 w 106560"/>
+                  <a:gd name="textAreaTop" fmla="*/ 0 h 106560"/>
+                  <a:gd name="textAreaBottom" fmla="*/ 107640 h 106560"/>
                 </a:gdLst>
                 <a:ahLst/>
                 <a:rect l="textAreaLeft" t="textAreaTop" r="textAreaRight" b="textAreaBottom"/>
@@ -32477,16 +32477,16 @@
             </p:nvSpPr>
             <p:spPr>
               <a:xfrm rot="5400000">
-                <a:off x="325800" y="6415920"/>
-                <a:ext cx="106920" cy="106560"/>
+                <a:off x="326160" y="6415920"/>
+                <a:ext cx="106560" cy="106200"/>
               </a:xfrm>
               <a:custGeom>
                 <a:avLst/>
                 <a:gdLst>
-                  <a:gd name="textAreaLeft" fmla="*/ 0 w 106920"/>
-                  <a:gd name="textAreaRight" fmla="*/ 107640 w 106920"/>
-                  <a:gd name="textAreaTop" fmla="*/ 0 h 106560"/>
-                  <a:gd name="textAreaBottom" fmla="*/ 107280 h 106560"/>
+                  <a:gd name="textAreaLeft" fmla="*/ 0 w 106560"/>
+                  <a:gd name="textAreaRight" fmla="*/ 107640 w 106560"/>
+                  <a:gd name="textAreaTop" fmla="*/ 0 h 106200"/>
+                  <a:gd name="textAreaBottom" fmla="*/ 107280 h 106200"/>
                 </a:gdLst>
                 <a:ahLst/>
                 <a:rect l="textAreaLeft" t="textAreaTop" r="textAreaRight" b="textAreaBottom"/>
@@ -32888,7 +32888,7 @@
         <p:spPr>
           <a:xfrm>
             <a:off x="3569760" y="3849480"/>
-            <a:ext cx="3027240" cy="564120"/>
+            <a:ext cx="3026880" cy="563760"/>
           </a:xfrm>
           <a:prstGeom prst="rect">
             <a:avLst/>
@@ -32973,7 +32973,7 @@
         <p:spPr>
           <a:xfrm>
             <a:off x="3569760" y="2633400"/>
-            <a:ext cx="7772040" cy="1004040"/>
+            <a:ext cx="7771680" cy="1003680"/>
           </a:xfrm>
           <a:prstGeom prst="rect">
             <a:avLst/>
@@ -33028,7 +33028,7 @@
         <p:spPr>
           <a:xfrm>
             <a:off x="3580920" y="2057040"/>
-            <a:ext cx="2742480" cy="364320"/>
+            <a:ext cx="2742120" cy="363960"/>
           </a:xfrm>
           <a:prstGeom prst="rect">
             <a:avLst/>
@@ -33136,7 +33136,7 @@
         <p:spPr>
           <a:xfrm>
             <a:off x="377280" y="439200"/>
-            <a:ext cx="4114080" cy="364320"/>
+            <a:ext cx="4113720" cy="363960"/>
           </a:xfrm>
           <a:prstGeom prst="rect">
             <a:avLst/>
@@ -33238,7 +33238,7 @@
         <p:spPr>
           <a:xfrm>
             <a:off x="554040" y="365040"/>
-            <a:ext cx="7949160" cy="856800"/>
+            <a:ext cx="7948800" cy="856440"/>
           </a:xfrm>
           <a:prstGeom prst="rect">
             <a:avLst/>
@@ -33293,7 +33293,7 @@
         <p:spPr>
           <a:xfrm>
             <a:off x="554040" y="1877760"/>
-            <a:ext cx="4632480" cy="1650240"/>
+            <a:ext cx="4632120" cy="1649880"/>
           </a:xfrm>
           <a:prstGeom prst="rect">
             <a:avLst/>
@@ -33393,7 +33393,7 @@
         <p:spPr>
           <a:xfrm>
             <a:off x="6199920" y="1877760"/>
-            <a:ext cx="3400200" cy="1793880"/>
+            <a:ext cx="3399840" cy="1793520"/>
           </a:xfrm>
           <a:prstGeom prst="rect">
             <a:avLst/>
@@ -33720,7 +33720,7 @@
         <p:spPr>
           <a:xfrm>
             <a:off x="682200" y="1146240"/>
-            <a:ext cx="6805800" cy="2146320"/>
+            <a:ext cx="6805440" cy="2145960"/>
           </a:xfrm>
           <a:prstGeom prst="rect">
             <a:avLst/>
@@ -33775,7 +33775,7 @@
         <p:spPr>
           <a:xfrm>
             <a:off x="682920" y="2937600"/>
-            <a:ext cx="5763240" cy="844920"/>
+            <a:ext cx="5762880" cy="844560"/>
           </a:xfrm>
           <a:prstGeom prst="rect">
             <a:avLst/>
@@ -33833,7 +33833,7 @@
         <p:spPr>
           <a:xfrm>
             <a:off x="682200" y="640080"/>
-            <a:ext cx="5763960" cy="530280"/>
+            <a:ext cx="5763600" cy="529920"/>
           </a:xfrm>
           <a:prstGeom prst="rect">
             <a:avLst/>
@@ -33876,7 +33876,7 @@
         <p:spPr>
           <a:xfrm>
             <a:off x="7380720" y="1820520"/>
-            <a:ext cx="4674240" cy="3349080"/>
+            <a:ext cx="4673880" cy="3348720"/>
           </a:xfrm>
           <a:prstGeom prst="rect">
             <a:avLst/>
@@ -33929,7 +33929,7 @@
         <p:spPr>
           <a:xfrm>
             <a:off x="747360" y="711720"/>
-            <a:ext cx="5763240" cy="1700280"/>
+            <a:ext cx="5762880" cy="1699920"/>
           </a:xfrm>
           <a:prstGeom prst="rect">
             <a:avLst/>
@@ -33988,7 +33988,7 @@
         <p:spPr>
           <a:xfrm>
             <a:off x="747360" y="2503800"/>
-            <a:ext cx="5763240" cy="1700280"/>
+            <a:ext cx="5762880" cy="1699920"/>
           </a:xfrm>
           <a:prstGeom prst="rect">
             <a:avLst/>
@@ -34094,52 +34094,9 @@
           </a:p>
         </p:txBody>
       </p:sp>
-      <p:sp>
-        <p:nvSpPr>
-          <p:cNvPr id="447" name="PlaceHolder 3"/>
-          <p:cNvSpPr>
-            <a:spLocks noGrp="1"/>
-          </p:cNvSpPr>
-          <p:nvPr>
-            <p:ph/>
-          </p:nvPr>
-        </p:nvSpPr>
-        <p:spPr>
-          <a:xfrm>
-            <a:off x="8566920" y="1856880"/>
-            <a:ext cx="5763960" cy="554760"/>
-          </a:xfrm>
-          <a:prstGeom prst="rect">
-            <a:avLst/>
-          </a:prstGeom>
-          <a:noFill/>
-          <a:ln w="0">
-            <a:noFill/>
-          </a:ln>
-        </p:spPr>
-        <p:txBody>
-          <a:bodyPr lIns="90000" rIns="90000" tIns="45000" bIns="45000" anchor="t">
-            <a:noAutofit/>
-          </a:bodyPr>
-          <a:p>
-            <a:pPr indent="0">
-              <a:spcBef>
-                <a:spcPts val="1417"/>
-              </a:spcBef>
-              <a:buNone/>
-            </a:pPr>
-            <a:endParaRPr b="0" lang="ru-RU" sz="1800" spc="-1" strike="noStrike">
-              <a:solidFill>
-                <a:srgbClr val="000000"/>
-              </a:solidFill>
-              <a:latin typeface="Arial"/>
-            </a:endParaRPr>
-          </a:p>
-        </p:txBody>
-      </p:sp>
       <p:pic>
         <p:nvPicPr>
-          <p:cNvPr id="448" name="Изображение 4" descr=""/>
+          <p:cNvPr id="447" name="" descr=""/>
           <p:cNvPicPr/>
           <p:nvPr/>
         </p:nvPicPr>
@@ -34149,8 +34106,8 @@
         </p:blipFill>
         <p:spPr>
           <a:xfrm>
-            <a:off x="9753840" y="711720"/>
-            <a:ext cx="2319120" cy="4301640"/>
+            <a:off x="6679440" y="744840"/>
+            <a:ext cx="2547360" cy="3235680"/>
           </a:xfrm>
           <a:prstGeom prst="rect">
             <a:avLst/>
@@ -34162,7 +34119,7 @@
       </p:pic>
       <p:pic>
         <p:nvPicPr>
-          <p:cNvPr id="449" name="Изображение 5" descr=""/>
+          <p:cNvPr id="448" name="" descr=""/>
           <p:cNvPicPr/>
           <p:nvPr/>
         </p:nvPicPr>
@@ -34172,8 +34129,8 @@
         </p:blipFill>
         <p:spPr>
           <a:xfrm>
-            <a:off x="7206480" y="711720"/>
-            <a:ext cx="2289960" cy="2502000"/>
+            <a:off x="9307800" y="2663280"/>
+            <a:ext cx="2719080" cy="3888360"/>
           </a:xfrm>
           <a:prstGeom prst="rect">
             <a:avLst/>
@@ -34215,7 +34172,7 @@
       </p:grpSpPr>
       <p:sp>
         <p:nvSpPr>
-          <p:cNvPr id="450" name="PlaceHolder 1"/>
+          <p:cNvPr id="449" name="PlaceHolder 1"/>
           <p:cNvSpPr>
             <a:spLocks noGrp="1"/>
           </p:cNvSpPr>
@@ -34226,7 +34183,7 @@
         <p:spPr>
           <a:xfrm>
             <a:off x="682200" y="486000"/>
-            <a:ext cx="6549480" cy="816120"/>
+            <a:ext cx="6549120" cy="815760"/>
           </a:xfrm>
           <a:prstGeom prst="rect">
             <a:avLst/>
@@ -34270,7 +34227,7 @@
       </p:sp>
       <p:sp>
         <p:nvSpPr>
-          <p:cNvPr id="451" name="PlaceHolder 2"/>
+          <p:cNvPr id="450" name="PlaceHolder 2"/>
           <p:cNvSpPr>
             <a:spLocks noGrp="1"/>
           </p:cNvSpPr>
@@ -34281,7 +34238,7 @@
         <p:spPr>
           <a:xfrm>
             <a:off x="682200" y="1395000"/>
-            <a:ext cx="6549480" cy="530280"/>
+            <a:ext cx="6549120" cy="529920"/>
           </a:xfrm>
           <a:prstGeom prst="rect">
             <a:avLst/>
@@ -34310,7 +34267,7 @@
       </p:sp>
       <p:sp>
         <p:nvSpPr>
-          <p:cNvPr id="452" name="PlaceHolder 3"/>
+          <p:cNvPr id="451" name="PlaceHolder 3"/>
           <p:cNvSpPr>
             <a:spLocks noGrp="1"/>
           </p:cNvSpPr>
@@ -34321,7 +34278,7 @@
         <p:spPr>
           <a:xfrm>
             <a:off x="682200" y="2354040"/>
-            <a:ext cx="6550200" cy="1808280"/>
+            <a:ext cx="6549840" cy="1807920"/>
           </a:xfrm>
           <a:prstGeom prst="rect">
             <a:avLst/>
@@ -34397,7 +34354,7 @@
       </p:sp>
       <p:pic>
         <p:nvPicPr>
-          <p:cNvPr id="453" name="" descr=""/>
+          <p:cNvPr id="452" name="" descr=""/>
           <p:cNvPicPr/>
           <p:nvPr/>
         </p:nvPicPr>
@@ -34408,7 +34365,7 @@
         <p:spPr>
           <a:xfrm>
             <a:off x="7232760" y="1543320"/>
-            <a:ext cx="3133440" cy="2088360"/>
+            <a:ext cx="3133080" cy="2088000"/>
           </a:xfrm>
           <a:prstGeom prst="rect">
             <a:avLst/>
@@ -34420,7 +34377,7 @@
       </p:pic>
       <p:pic>
         <p:nvPicPr>
-          <p:cNvPr id="454" name="" descr=""/>
+          <p:cNvPr id="453" name="" descr=""/>
           <p:cNvPicPr/>
           <p:nvPr/>
         </p:nvPicPr>
@@ -34431,7 +34388,7 @@
         <p:spPr>
           <a:xfrm>
             <a:off x="6524640" y="3943800"/>
-            <a:ext cx="4012560" cy="2256840"/>
+            <a:ext cx="4012200" cy="2256480"/>
           </a:xfrm>
           <a:prstGeom prst="rect">
             <a:avLst/>
@@ -34473,7 +34430,7 @@
       </p:grpSpPr>
       <p:sp>
         <p:nvSpPr>
-          <p:cNvPr id="455" name="PlaceHolder 1"/>
+          <p:cNvPr id="454" name="PlaceHolder 1"/>
           <p:cNvSpPr>
             <a:spLocks noGrp="1"/>
           </p:cNvSpPr>
@@ -34484,7 +34441,7 @@
         <p:spPr>
           <a:xfrm>
             <a:off x="682200" y="486000"/>
-            <a:ext cx="6549480" cy="816120"/>
+            <a:ext cx="6549120" cy="815760"/>
           </a:xfrm>
           <a:prstGeom prst="rect">
             <a:avLst/>
@@ -34528,7 +34485,7 @@
       </p:sp>
       <p:sp>
         <p:nvSpPr>
-          <p:cNvPr id="456" name="PlaceHolder 2"/>
+          <p:cNvPr id="455" name="PlaceHolder 2"/>
           <p:cNvSpPr>
             <a:spLocks noGrp="1"/>
           </p:cNvSpPr>
@@ -34539,7 +34496,7 @@
         <p:spPr>
           <a:xfrm>
             <a:off x="682200" y="1395000"/>
-            <a:ext cx="6549480" cy="530280"/>
+            <a:ext cx="6549120" cy="529920"/>
           </a:xfrm>
           <a:prstGeom prst="rect">
             <a:avLst/>
@@ -34568,7 +34525,7 @@
       </p:sp>
       <p:sp>
         <p:nvSpPr>
-          <p:cNvPr id="457" name="PlaceHolder 3"/>
+          <p:cNvPr id="456" name="PlaceHolder 3"/>
           <p:cNvSpPr>
             <a:spLocks noGrp="1"/>
           </p:cNvSpPr>
@@ -34579,7 +34536,7 @@
         <p:spPr>
           <a:xfrm>
             <a:off x="682200" y="2018160"/>
-            <a:ext cx="6550200" cy="4001400"/>
+            <a:ext cx="6549840" cy="4001040"/>
           </a:xfrm>
           <a:prstGeom prst="rect">
             <a:avLst/>
@@ -34655,7 +34612,7 @@
       </p:sp>
       <p:pic>
         <p:nvPicPr>
-          <p:cNvPr id="458" name="" descr=""/>
+          <p:cNvPr id="457" name="" descr=""/>
           <p:cNvPicPr/>
           <p:nvPr/>
         </p:nvPicPr>
@@ -34666,7 +34623,7 @@
         <p:spPr>
           <a:xfrm>
             <a:off x="829440" y="3379320"/>
-            <a:ext cx="3234240" cy="2152440"/>
+            <a:ext cx="3233880" cy="2152080"/>
           </a:xfrm>
           <a:prstGeom prst="rect">
             <a:avLst/>
@@ -34678,7 +34635,7 @@
       </p:pic>
       <p:pic>
         <p:nvPicPr>
-          <p:cNvPr id="459" name="" descr=""/>
+          <p:cNvPr id="458" name="" descr=""/>
           <p:cNvPicPr/>
           <p:nvPr/>
         </p:nvPicPr>
@@ -34689,7 +34646,7 @@
         <p:spPr>
           <a:xfrm>
             <a:off x="7232040" y="930960"/>
-            <a:ext cx="3912120" cy="3915720"/>
+            <a:ext cx="3911760" cy="3915360"/>
           </a:xfrm>
           <a:prstGeom prst="rect">
             <a:avLst/>
@@ -34731,7 +34688,7 @@
       </p:grpSpPr>
       <p:sp>
         <p:nvSpPr>
-          <p:cNvPr id="460" name="PlaceHolder 1"/>
+          <p:cNvPr id="459" name="PlaceHolder 1"/>
           <p:cNvSpPr>
             <a:spLocks noGrp="1"/>
           </p:cNvSpPr>
@@ -34742,7 +34699,7 @@
         <p:spPr>
           <a:xfrm>
             <a:off x="1618200" y="2841840"/>
-            <a:ext cx="8955000" cy="1025640"/>
+            <a:ext cx="8954640" cy="1025280"/>
           </a:xfrm>
           <a:prstGeom prst="rect">
             <a:avLst/>
@@ -34803,7 +34760,7 @@
       </p:sp>
       <p:sp>
         <p:nvSpPr>
-          <p:cNvPr id="461" name="PlaceHolder 2"/>
+          <p:cNvPr id="460" name="PlaceHolder 2"/>
           <p:cNvSpPr>
             <a:spLocks noGrp="1"/>
           </p:cNvSpPr>
@@ -34814,7 +34771,7 @@
         <p:spPr>
           <a:xfrm>
             <a:off x="3029040" y="4150800"/>
-            <a:ext cx="6133320" cy="564120"/>
+            <a:ext cx="6132960" cy="563760"/>
           </a:xfrm>
           <a:prstGeom prst="rect">
             <a:avLst/>
